--- a/Bayes_opt_class_figures.pptx
+++ b/Bayes_opt_class_figures.pptx
@@ -106,6 +106,11 @@
       </a:defRPr>
     </a:lvl9pPr>
   </p:defaultTextStyle>
+  <p:extLst>
+    <p:ext uri="{EFAFB233-063F-42B5-8137-9DF3F51BA10A}">
+      <p15:sldGuideLst xmlns:p15="http://schemas.microsoft.com/office/powerpoint/2012/main"/>
+    </p:ext>
+  </p:extLst>
 </p:presentation>
 </file>
 
@@ -350,6 +355,38 @@
       </pc:sldChg>
     </pc:docChg>
   </pc:docChgLst>
+  <pc:docChgLst>
+    <pc:chgData name="Xue Fang" userId="f4fd03da-ff91-4627-89d1-41988e51401f" providerId="ADAL" clId="{639CD7A3-5F3B-4B41-A2B8-6310F3B24D9F}"/>
+    <pc:docChg chg="modSld">
+      <pc:chgData name="Xue Fang" userId="f4fd03da-ff91-4627-89d1-41988e51401f" providerId="ADAL" clId="{639CD7A3-5F3B-4B41-A2B8-6310F3B24D9F}" dt="2024-02-22T09:08:00.923" v="13" actId="20577"/>
+      <pc:docMkLst>
+        <pc:docMk/>
+      </pc:docMkLst>
+      <pc:sldChg chg="modSp mod">
+        <pc:chgData name="Xue Fang" userId="f4fd03da-ff91-4627-89d1-41988e51401f" providerId="ADAL" clId="{639CD7A3-5F3B-4B41-A2B8-6310F3B24D9F}" dt="2024-02-22T09:08:00.923" v="13" actId="20577"/>
+        <pc:sldMkLst>
+          <pc:docMk/>
+          <pc:sldMk cId="3844359513" sldId="257"/>
+        </pc:sldMkLst>
+        <pc:spChg chg="mod">
+          <ac:chgData name="Xue Fang" userId="f4fd03da-ff91-4627-89d1-41988e51401f" providerId="ADAL" clId="{639CD7A3-5F3B-4B41-A2B8-6310F3B24D9F}" dt="2024-02-22T09:07:55.266" v="5" actId="14100"/>
+          <ac:spMkLst>
+            <pc:docMk/>
+            <pc:sldMk cId="3844359513" sldId="257"/>
+            <ac:spMk id="3" creationId="{0553C903-2457-C35D-5F19-E82761B0045B}"/>
+          </ac:spMkLst>
+        </pc:spChg>
+        <pc:spChg chg="mod">
+          <ac:chgData name="Xue Fang" userId="f4fd03da-ff91-4627-89d1-41988e51401f" providerId="ADAL" clId="{639CD7A3-5F3B-4B41-A2B8-6310F3B24D9F}" dt="2024-02-22T09:08:00.923" v="13" actId="20577"/>
+          <ac:spMkLst>
+            <pc:docMk/>
+            <pc:sldMk cId="3844359513" sldId="257"/>
+            <ac:spMk id="5" creationId="{3360FB2B-F81E-F609-5B1C-EB03ABF97F90}"/>
+          </ac:spMkLst>
+        </pc:spChg>
+      </pc:sldChg>
+    </pc:docChg>
+  </pc:docChgLst>
 </pc:chgInfo>
 </file>
 
@@ -502,7 +539,7 @@
           <a:p>
             <a:fld id="{3B77BCC9-A08B-43F3-8C63-89D7FCC7AA26}" type="datetimeFigureOut">
               <a:rPr lang="en-GB" smtClean="0"/>
-              <a:t>21/02/2024</a:t>
+              <a:t>22/02/2024</a:t>
             </a:fld>
             <a:endParaRPr lang="en-GB"/>
           </a:p>
@@ -702,7 +739,7 @@
           <a:p>
             <a:fld id="{3B77BCC9-A08B-43F3-8C63-89D7FCC7AA26}" type="datetimeFigureOut">
               <a:rPr lang="en-GB" smtClean="0"/>
-              <a:t>21/02/2024</a:t>
+              <a:t>22/02/2024</a:t>
             </a:fld>
             <a:endParaRPr lang="en-GB"/>
           </a:p>
@@ -912,7 +949,7 @@
           <a:p>
             <a:fld id="{3B77BCC9-A08B-43F3-8C63-89D7FCC7AA26}" type="datetimeFigureOut">
               <a:rPr lang="en-GB" smtClean="0"/>
-              <a:t>21/02/2024</a:t>
+              <a:t>22/02/2024</a:t>
             </a:fld>
             <a:endParaRPr lang="en-GB"/>
           </a:p>
@@ -1112,7 +1149,7 @@
           <a:p>
             <a:fld id="{3B77BCC9-A08B-43F3-8C63-89D7FCC7AA26}" type="datetimeFigureOut">
               <a:rPr lang="en-GB" smtClean="0"/>
-              <a:t>21/02/2024</a:t>
+              <a:t>22/02/2024</a:t>
             </a:fld>
             <a:endParaRPr lang="en-GB"/>
           </a:p>
@@ -1388,7 +1425,7 @@
           <a:p>
             <a:fld id="{3B77BCC9-A08B-43F3-8C63-89D7FCC7AA26}" type="datetimeFigureOut">
               <a:rPr lang="en-GB" smtClean="0"/>
-              <a:t>21/02/2024</a:t>
+              <a:t>22/02/2024</a:t>
             </a:fld>
             <a:endParaRPr lang="en-GB"/>
           </a:p>
@@ -1656,7 +1693,7 @@
           <a:p>
             <a:fld id="{3B77BCC9-A08B-43F3-8C63-89D7FCC7AA26}" type="datetimeFigureOut">
               <a:rPr lang="en-GB" smtClean="0"/>
-              <a:t>21/02/2024</a:t>
+              <a:t>22/02/2024</a:t>
             </a:fld>
             <a:endParaRPr lang="en-GB"/>
           </a:p>
@@ -2071,7 +2108,7 @@
           <a:p>
             <a:fld id="{3B77BCC9-A08B-43F3-8C63-89D7FCC7AA26}" type="datetimeFigureOut">
               <a:rPr lang="en-GB" smtClean="0"/>
-              <a:t>21/02/2024</a:t>
+              <a:t>22/02/2024</a:t>
             </a:fld>
             <a:endParaRPr lang="en-GB"/>
           </a:p>
@@ -2213,7 +2250,7 @@
           <a:p>
             <a:fld id="{3B77BCC9-A08B-43F3-8C63-89D7FCC7AA26}" type="datetimeFigureOut">
               <a:rPr lang="en-GB" smtClean="0"/>
-              <a:t>21/02/2024</a:t>
+              <a:t>22/02/2024</a:t>
             </a:fld>
             <a:endParaRPr lang="en-GB"/>
           </a:p>
@@ -2326,7 +2363,7 @@
           <a:p>
             <a:fld id="{3B77BCC9-A08B-43F3-8C63-89D7FCC7AA26}" type="datetimeFigureOut">
               <a:rPr lang="en-GB" smtClean="0"/>
-              <a:t>21/02/2024</a:t>
+              <a:t>22/02/2024</a:t>
             </a:fld>
             <a:endParaRPr lang="en-GB"/>
           </a:p>
@@ -2639,7 +2676,7 @@
           <a:p>
             <a:fld id="{3B77BCC9-A08B-43F3-8C63-89D7FCC7AA26}" type="datetimeFigureOut">
               <a:rPr lang="en-GB" smtClean="0"/>
-              <a:t>21/02/2024</a:t>
+              <a:t>22/02/2024</a:t>
             </a:fld>
             <a:endParaRPr lang="en-GB"/>
           </a:p>
@@ -2928,7 +2965,7 @@
           <a:p>
             <a:fld id="{3B77BCC9-A08B-43F3-8C63-89D7FCC7AA26}" type="datetimeFigureOut">
               <a:rPr lang="en-GB" smtClean="0"/>
-              <a:t>21/02/2024</a:t>
+              <a:t>22/02/2024</a:t>
             </a:fld>
             <a:endParaRPr lang="en-GB"/>
           </a:p>
@@ -3171,7 +3208,7 @@
           <a:p>
             <a:fld id="{3B77BCC9-A08B-43F3-8C63-89D7FCC7AA26}" type="datetimeFigureOut">
               <a:rPr lang="en-GB" smtClean="0"/>
-              <a:t>21/02/2024</a:t>
+              <a:t>22/02/2024</a:t>
             </a:fld>
             <a:endParaRPr lang="en-GB"/>
           </a:p>
@@ -4063,7 +4100,7 @@
           <p:spPr>
             <a:xfrm>
               <a:off x="203199" y="88066"/>
-              <a:ext cx="5168835" cy="523220"/>
+              <a:ext cx="5968871" cy="523220"/>
             </a:xfrm>
             <a:prstGeom prst="rect">
               <a:avLst/>
@@ -4079,10 +4116,10 @@
               <a:r>
                 <a:rPr lang="en-GB" sz="2800" dirty="0">
                   <a:solidFill>
-                    <a:srgbClr val="FF0000"/>
+                    <a:srgbClr val="0000FF"/>
                   </a:solidFill>
                 </a:rPr>
-                <a:t>Initial experimental measurement:</a:t>
+                <a:t>Initial experimental measurement (x):</a:t>
               </a:r>
             </a:p>
           </p:txBody>
@@ -4306,7 +4343,7 @@
                     <a:srgbClr val="FF0000"/>
                   </a:solidFill>
                 </a:rPr>
-                <a:t>Initial guessed model:</a:t>
+                <a:t>Initial guessed model (-):</a:t>
               </a:r>
             </a:p>
           </p:txBody>

--- a/Bayes_opt_class_figures.pptx
+++ b/Bayes_opt_class_figures.pptx
@@ -117,6 +117,7 @@
 <file path=ppt/revisionInfo.xml><?xml version="1.0" encoding="utf-8"?>
 <p1510:revInfo xmlns:a="http://schemas.openxmlformats.org/drawingml/2006/main" xmlns:r="http://schemas.openxmlformats.org/officeDocument/2006/relationships" xmlns:p1510="http://schemas.microsoft.com/office/powerpoint/2015/10/main">
   <p1510:revLst>
+    <p1510:client id="{639CD7A3-5F3B-4B41-A2B8-6310F3B24D9F}" v="15" dt="2024-02-22T10:58:48.873"/>
     <p1510:client id="{6918F3BF-B876-4D7F-ACB7-6EACB3BF9493}" v="156" dt="2024-02-21T17:25:56.434"/>
   </p1510:revLst>
 </p1510:revInfo>
@@ -358,18 +359,26 @@
   <pc:docChgLst>
     <pc:chgData name="Xue Fang" userId="f4fd03da-ff91-4627-89d1-41988e51401f" providerId="ADAL" clId="{639CD7A3-5F3B-4B41-A2B8-6310F3B24D9F}"/>
     <pc:docChg chg="modSld">
-      <pc:chgData name="Xue Fang" userId="f4fd03da-ff91-4627-89d1-41988e51401f" providerId="ADAL" clId="{639CD7A3-5F3B-4B41-A2B8-6310F3B24D9F}" dt="2024-02-22T09:08:00.923" v="13" actId="20577"/>
+      <pc:chgData name="Xue Fang" userId="f4fd03da-ff91-4627-89d1-41988e51401f" providerId="ADAL" clId="{639CD7A3-5F3B-4B41-A2B8-6310F3B24D9F}" dt="2024-02-22T10:58:48.873" v="109" actId="164"/>
       <pc:docMkLst>
         <pc:docMk/>
       </pc:docMkLst>
-      <pc:sldChg chg="modSp mod">
-        <pc:chgData name="Xue Fang" userId="f4fd03da-ff91-4627-89d1-41988e51401f" providerId="ADAL" clId="{639CD7A3-5F3B-4B41-A2B8-6310F3B24D9F}" dt="2024-02-22T09:08:00.923" v="13" actId="20577"/>
+      <pc:sldChg chg="addSp modSp mod">
+        <pc:chgData name="Xue Fang" userId="f4fd03da-ff91-4627-89d1-41988e51401f" providerId="ADAL" clId="{639CD7A3-5F3B-4B41-A2B8-6310F3B24D9F}" dt="2024-02-22T10:58:48.873" v="109" actId="164"/>
         <pc:sldMkLst>
           <pc:docMk/>
           <pc:sldMk cId="3844359513" sldId="257"/>
         </pc:sldMkLst>
         <pc:spChg chg="mod">
-          <ac:chgData name="Xue Fang" userId="f4fd03da-ff91-4627-89d1-41988e51401f" providerId="ADAL" clId="{639CD7A3-5F3B-4B41-A2B8-6310F3B24D9F}" dt="2024-02-22T09:07:55.266" v="5" actId="14100"/>
+          <ac:chgData name="Xue Fang" userId="f4fd03da-ff91-4627-89d1-41988e51401f" providerId="ADAL" clId="{639CD7A3-5F3B-4B41-A2B8-6310F3B24D9F}" dt="2024-02-22T10:57:21.797" v="17" actId="1076"/>
+          <ac:spMkLst>
+            <pc:docMk/>
+            <pc:sldMk cId="3844359513" sldId="257"/>
+            <ac:spMk id="2" creationId="{88C41444-1263-A1C2-15EA-7C7C05772980}"/>
+          </ac:spMkLst>
+        </pc:spChg>
+        <pc:spChg chg="mod">
+          <ac:chgData name="Xue Fang" userId="f4fd03da-ff91-4627-89d1-41988e51401f" providerId="ADAL" clId="{639CD7A3-5F3B-4B41-A2B8-6310F3B24D9F}" dt="2024-02-22T10:57:21.797" v="17" actId="1076"/>
           <ac:spMkLst>
             <pc:docMk/>
             <pc:sldMk cId="3844359513" sldId="257"/>
@@ -377,13 +386,165 @@
           </ac:spMkLst>
         </pc:spChg>
         <pc:spChg chg="mod">
-          <ac:chgData name="Xue Fang" userId="f4fd03da-ff91-4627-89d1-41988e51401f" providerId="ADAL" clId="{639CD7A3-5F3B-4B41-A2B8-6310F3B24D9F}" dt="2024-02-22T09:08:00.923" v="13" actId="20577"/>
+          <ac:chgData name="Xue Fang" userId="f4fd03da-ff91-4627-89d1-41988e51401f" providerId="ADAL" clId="{639CD7A3-5F3B-4B41-A2B8-6310F3B24D9F}" dt="2024-02-22T10:57:21.797" v="17" actId="1076"/>
+          <ac:spMkLst>
+            <pc:docMk/>
+            <pc:sldMk cId="3844359513" sldId="257"/>
+            <ac:spMk id="4" creationId="{293FEE9E-67E4-4F64-CD6C-AA52FD5B65F6}"/>
+          </ac:spMkLst>
+        </pc:spChg>
+        <pc:spChg chg="mod">
+          <ac:chgData name="Xue Fang" userId="f4fd03da-ff91-4627-89d1-41988e51401f" providerId="ADAL" clId="{639CD7A3-5F3B-4B41-A2B8-6310F3B24D9F}" dt="2024-02-22T10:57:21.797" v="17" actId="1076"/>
           <ac:spMkLst>
             <pc:docMk/>
             <pc:sldMk cId="3844359513" sldId="257"/>
             <ac:spMk id="5" creationId="{3360FB2B-F81E-F609-5B1C-EB03ABF97F90}"/>
           </ac:spMkLst>
         </pc:spChg>
+        <pc:spChg chg="mod">
+          <ac:chgData name="Xue Fang" userId="f4fd03da-ff91-4627-89d1-41988e51401f" providerId="ADAL" clId="{639CD7A3-5F3B-4B41-A2B8-6310F3B24D9F}" dt="2024-02-22T10:57:21.797" v="17" actId="1076"/>
+          <ac:spMkLst>
+            <pc:docMk/>
+            <pc:sldMk cId="3844359513" sldId="257"/>
+            <ac:spMk id="6" creationId="{05EB1224-B767-7BD5-31CA-C5185210D224}"/>
+          </ac:spMkLst>
+        </pc:spChg>
+        <pc:spChg chg="mod">
+          <ac:chgData name="Xue Fang" userId="f4fd03da-ff91-4627-89d1-41988e51401f" providerId="ADAL" clId="{639CD7A3-5F3B-4B41-A2B8-6310F3B24D9F}" dt="2024-02-22T10:57:21.797" v="17" actId="1076"/>
+          <ac:spMkLst>
+            <pc:docMk/>
+            <pc:sldMk cId="3844359513" sldId="257"/>
+            <ac:spMk id="7" creationId="{F942E4DC-33D6-1506-0D46-9FF64DC3D1DD}"/>
+          </ac:spMkLst>
+        </pc:spChg>
+        <pc:spChg chg="mod">
+          <ac:chgData name="Xue Fang" userId="f4fd03da-ff91-4627-89d1-41988e51401f" providerId="ADAL" clId="{639CD7A3-5F3B-4B41-A2B8-6310F3B24D9F}" dt="2024-02-22T10:57:21.797" v="17" actId="1076"/>
+          <ac:spMkLst>
+            <pc:docMk/>
+            <pc:sldMk cId="3844359513" sldId="257"/>
+            <ac:spMk id="8" creationId="{3FBA804C-A4EC-4EEE-2C9B-AF887583748C}"/>
+          </ac:spMkLst>
+        </pc:spChg>
+        <pc:spChg chg="mod">
+          <ac:chgData name="Xue Fang" userId="f4fd03da-ff91-4627-89d1-41988e51401f" providerId="ADAL" clId="{639CD7A3-5F3B-4B41-A2B8-6310F3B24D9F}" dt="2024-02-22T10:57:21.797" v="17" actId="1076"/>
+          <ac:spMkLst>
+            <pc:docMk/>
+            <pc:sldMk cId="3844359513" sldId="257"/>
+            <ac:spMk id="9" creationId="{D6D2912D-4F5B-8777-0D82-EDF34E7E9642}"/>
+          </ac:spMkLst>
+        </pc:spChg>
+        <pc:spChg chg="mod">
+          <ac:chgData name="Xue Fang" userId="f4fd03da-ff91-4627-89d1-41988e51401f" providerId="ADAL" clId="{639CD7A3-5F3B-4B41-A2B8-6310F3B24D9F}" dt="2024-02-22T10:57:21.797" v="17" actId="1076"/>
+          <ac:spMkLst>
+            <pc:docMk/>
+            <pc:sldMk cId="3844359513" sldId="257"/>
+            <ac:spMk id="10" creationId="{502D1161-ED81-E6E0-7EB6-9C0C6AE3E03F}"/>
+          </ac:spMkLst>
+        </pc:spChg>
+        <pc:spChg chg="add mod">
+          <ac:chgData name="Xue Fang" userId="f4fd03da-ff91-4627-89d1-41988e51401f" providerId="ADAL" clId="{639CD7A3-5F3B-4B41-A2B8-6310F3B24D9F}" dt="2024-02-22T10:58:48.873" v="109" actId="164"/>
+          <ac:spMkLst>
+            <pc:docMk/>
+            <pc:sldMk cId="3844359513" sldId="257"/>
+            <ac:spMk id="11" creationId="{4AD266B3-D32C-30A6-CA12-2ED5F556F47C}"/>
+          </ac:spMkLst>
+        </pc:spChg>
+        <pc:spChg chg="add mod">
+          <ac:chgData name="Xue Fang" userId="f4fd03da-ff91-4627-89d1-41988e51401f" providerId="ADAL" clId="{639CD7A3-5F3B-4B41-A2B8-6310F3B24D9F}" dt="2024-02-22T10:58:48.873" v="109" actId="164"/>
+          <ac:spMkLst>
+            <pc:docMk/>
+            <pc:sldMk cId="3844359513" sldId="257"/>
+            <ac:spMk id="12" creationId="{33FB85F8-45A0-B30F-17FA-8DC6A57B8C6B}"/>
+          </ac:spMkLst>
+        </pc:spChg>
+        <pc:spChg chg="mod">
+          <ac:chgData name="Xue Fang" userId="f4fd03da-ff91-4627-89d1-41988e51401f" providerId="ADAL" clId="{639CD7A3-5F3B-4B41-A2B8-6310F3B24D9F}" dt="2024-02-22T10:57:21.797" v="17" actId="1076"/>
+          <ac:spMkLst>
+            <pc:docMk/>
+            <pc:sldMk cId="3844359513" sldId="257"/>
+            <ac:spMk id="14" creationId="{2A00DE30-C758-BEC7-838C-4836C6AE440B}"/>
+          </ac:spMkLst>
+        </pc:spChg>
+        <pc:spChg chg="mod">
+          <ac:chgData name="Xue Fang" userId="f4fd03da-ff91-4627-89d1-41988e51401f" providerId="ADAL" clId="{639CD7A3-5F3B-4B41-A2B8-6310F3B24D9F}" dt="2024-02-22T10:57:21.797" v="17" actId="1076"/>
+          <ac:spMkLst>
+            <pc:docMk/>
+            <pc:sldMk cId="3844359513" sldId="257"/>
+            <ac:spMk id="15" creationId="{2F3031E7-D7AB-88A4-C8DF-4D3C29D7E0CC}"/>
+          </ac:spMkLst>
+        </pc:spChg>
+        <pc:spChg chg="mod">
+          <ac:chgData name="Xue Fang" userId="f4fd03da-ff91-4627-89d1-41988e51401f" providerId="ADAL" clId="{639CD7A3-5F3B-4B41-A2B8-6310F3B24D9F}" dt="2024-02-22T10:57:21.797" v="17" actId="1076"/>
+          <ac:spMkLst>
+            <pc:docMk/>
+            <pc:sldMk cId="3844359513" sldId="257"/>
+            <ac:spMk id="16" creationId="{EE2DE779-9867-13ED-AFD2-A1F0EA0F649C}"/>
+          </ac:spMkLst>
+        </pc:spChg>
+        <pc:spChg chg="mod">
+          <ac:chgData name="Xue Fang" userId="f4fd03da-ff91-4627-89d1-41988e51401f" providerId="ADAL" clId="{639CD7A3-5F3B-4B41-A2B8-6310F3B24D9F}" dt="2024-02-22T10:57:21.797" v="17" actId="1076"/>
+          <ac:spMkLst>
+            <pc:docMk/>
+            <pc:sldMk cId="3844359513" sldId="257"/>
+            <ac:spMk id="18" creationId="{41A232C9-DBE2-7B3A-7832-EE6B52544856}"/>
+          </ac:spMkLst>
+        </pc:spChg>
+        <pc:spChg chg="mod">
+          <ac:chgData name="Xue Fang" userId="f4fd03da-ff91-4627-89d1-41988e51401f" providerId="ADAL" clId="{639CD7A3-5F3B-4B41-A2B8-6310F3B24D9F}" dt="2024-02-22T10:57:21.797" v="17" actId="1076"/>
+          <ac:spMkLst>
+            <pc:docMk/>
+            <pc:sldMk cId="3844359513" sldId="257"/>
+            <ac:spMk id="19" creationId="{6DC08CD8-08F9-C3D8-163A-3B7464B8C89D}"/>
+          </ac:spMkLst>
+        </pc:spChg>
+        <pc:grpChg chg="add mod">
+          <ac:chgData name="Xue Fang" userId="f4fd03da-ff91-4627-89d1-41988e51401f" providerId="ADAL" clId="{639CD7A3-5F3B-4B41-A2B8-6310F3B24D9F}" dt="2024-02-22T10:58:48.873" v="109" actId="164"/>
+          <ac:grpSpMkLst>
+            <pc:docMk/>
+            <pc:sldMk cId="3844359513" sldId="257"/>
+            <ac:grpSpMk id="13" creationId="{0A38060D-5F93-4693-AC2A-59AC2802E635}"/>
+          </ac:grpSpMkLst>
+        </pc:grpChg>
+        <pc:grpChg chg="mod">
+          <ac:chgData name="Xue Fang" userId="f4fd03da-ff91-4627-89d1-41988e51401f" providerId="ADAL" clId="{639CD7A3-5F3B-4B41-A2B8-6310F3B24D9F}" dt="2024-02-22T10:58:48.873" v="109" actId="164"/>
+          <ac:grpSpMkLst>
+            <pc:docMk/>
+            <pc:sldMk cId="3844359513" sldId="257"/>
+            <ac:grpSpMk id="20" creationId="{7293D786-ECFB-0D32-9A24-2D9DF724122E}"/>
+          </ac:grpSpMkLst>
+        </pc:grpChg>
+        <pc:picChg chg="mod">
+          <ac:chgData name="Xue Fang" userId="f4fd03da-ff91-4627-89d1-41988e51401f" providerId="ADAL" clId="{639CD7A3-5F3B-4B41-A2B8-6310F3B24D9F}" dt="2024-02-22T10:57:21.797" v="17" actId="1076"/>
+          <ac:picMkLst>
+            <pc:docMk/>
+            <pc:sldMk cId="3844359513" sldId="257"/>
+            <ac:picMk id="1026" creationId="{6D8CAFEC-1D59-1FA8-DB0E-90C3BCD883F2}"/>
+          </ac:picMkLst>
+        </pc:picChg>
+        <pc:picChg chg="mod">
+          <ac:chgData name="Xue Fang" userId="f4fd03da-ff91-4627-89d1-41988e51401f" providerId="ADAL" clId="{639CD7A3-5F3B-4B41-A2B8-6310F3B24D9F}" dt="2024-02-22T10:57:21.797" v="17" actId="1076"/>
+          <ac:picMkLst>
+            <pc:docMk/>
+            <pc:sldMk cId="3844359513" sldId="257"/>
+            <ac:picMk id="1028" creationId="{06663F3C-754C-7622-0D4D-2D9FBB10E94A}"/>
+          </ac:picMkLst>
+        </pc:picChg>
+        <pc:picChg chg="mod">
+          <ac:chgData name="Xue Fang" userId="f4fd03da-ff91-4627-89d1-41988e51401f" providerId="ADAL" clId="{639CD7A3-5F3B-4B41-A2B8-6310F3B24D9F}" dt="2024-02-22T10:57:21.797" v="17" actId="1076"/>
+          <ac:picMkLst>
+            <pc:docMk/>
+            <pc:sldMk cId="3844359513" sldId="257"/>
+            <ac:picMk id="1038" creationId="{23826D61-7A4F-1F05-C7E5-3E0262EE941C}"/>
+          </ac:picMkLst>
+        </pc:picChg>
+        <pc:picChg chg="mod">
+          <ac:chgData name="Xue Fang" userId="f4fd03da-ff91-4627-89d1-41988e51401f" providerId="ADAL" clId="{639CD7A3-5F3B-4B41-A2B8-6310F3B24D9F}" dt="2024-02-22T10:57:21.797" v="17" actId="1076"/>
+          <ac:picMkLst>
+            <pc:docMk/>
+            <pc:sldMk cId="3844359513" sldId="257"/>
+            <ac:picMk id="1040" creationId="{B15353C7-4921-D7C8-1203-2A6CF164DBB2}"/>
+          </ac:picMkLst>
+        </pc:picChg>
       </pc:sldChg>
     </pc:docChg>
   </pc:docChgLst>
@@ -3707,10 +3868,10 @@
       </p:grpSpPr>
       <p:grpSp>
         <p:nvGrpSpPr>
-          <p:cNvPr id="20" name="Group 19">
+          <p:cNvPr id="13" name="Group 12">
             <a:extLst>
               <a:ext uri="{FF2B5EF4-FFF2-40B4-BE49-F238E27FC236}">
-                <a16:creationId xmlns:a16="http://schemas.microsoft.com/office/drawing/2014/main" id="{7293D786-ECFB-0D32-9A24-2D9DF724122E}"/>
+                <a16:creationId xmlns:a16="http://schemas.microsoft.com/office/drawing/2014/main" id="{0A38060D-5F93-4693-AC2A-59AC2802E635}"/>
               </a:ext>
             </a:extLst>
           </p:cNvPr>
@@ -3720,163 +3881,2107 @@
         <p:grpSpPr>
           <a:xfrm>
             <a:off x="0" y="0"/>
-            <a:ext cx="11988800" cy="12431949"/>
+            <a:ext cx="11941362" cy="12431949"/>
             <a:chOff x="0" y="0"/>
-            <a:chExt cx="11988800" cy="12431949"/>
+            <a:chExt cx="11941362" cy="12431949"/>
           </a:xfrm>
         </p:grpSpPr>
-        <p:sp>
-          <p:nvSpPr>
-            <p:cNvPr id="19" name="Rectangle 18">
+        <p:grpSp>
+          <p:nvGrpSpPr>
+            <p:cNvPr id="20" name="Group 19">
               <a:extLst>
                 <a:ext uri="{FF2B5EF4-FFF2-40B4-BE49-F238E27FC236}">
-                  <a16:creationId xmlns:a16="http://schemas.microsoft.com/office/drawing/2014/main" id="{6DC08CD8-08F9-C3D8-163A-3B7464B8C89D}"/>
+                  <a16:creationId xmlns:a16="http://schemas.microsoft.com/office/drawing/2014/main" id="{7293D786-ECFB-0D32-9A24-2D9DF724122E}"/>
                 </a:ext>
               </a:extLst>
             </p:cNvPr>
-            <p:cNvSpPr/>
+            <p:cNvGrpSpPr/>
             <p:nvPr/>
-          </p:nvSpPr>
-          <p:spPr>
+          </p:nvGrpSpPr>
+          <p:grpSpPr>
             <a:xfrm>
-              <a:off x="203199" y="0"/>
-              <a:ext cx="11535029" cy="12431949"/>
+              <a:off x="0" y="0"/>
+              <a:ext cx="11941362" cy="12431949"/>
+              <a:chOff x="0" y="0"/>
+              <a:chExt cx="11941362" cy="12431949"/>
             </a:xfrm>
-            <a:prstGeom prst="rect">
-              <a:avLst/>
-            </a:prstGeom>
-            <a:solidFill>
-              <a:schemeClr val="bg1"/>
-            </a:solidFill>
-            <a:ln>
+          </p:grpSpPr>
+          <p:sp>
+            <p:nvSpPr>
+              <p:cNvPr id="19" name="Rectangle 18">
+                <a:extLst>
+                  <a:ext uri="{FF2B5EF4-FFF2-40B4-BE49-F238E27FC236}">
+                    <a16:creationId xmlns:a16="http://schemas.microsoft.com/office/drawing/2014/main" id="{6DC08CD8-08F9-C3D8-163A-3B7464B8C89D}"/>
+                  </a:ext>
+                </a:extLst>
+              </p:cNvPr>
+              <p:cNvSpPr/>
+              <p:nvPr/>
+            </p:nvSpPr>
+            <p:spPr>
+              <a:xfrm>
+                <a:off x="203199" y="0"/>
+                <a:ext cx="11535029" cy="12431949"/>
+              </a:xfrm>
+              <a:prstGeom prst="rect">
+                <a:avLst/>
+              </a:prstGeom>
+              <a:solidFill>
+                <a:schemeClr val="bg1"/>
+              </a:solidFill>
+              <a:ln>
+                <a:noFill/>
+              </a:ln>
+            </p:spPr>
+            <p:style>
+              <a:lnRef idx="2">
+                <a:schemeClr val="accent1">
+                  <a:shade val="15000"/>
+                </a:schemeClr>
+              </a:lnRef>
+              <a:fillRef idx="1">
+                <a:schemeClr val="accent1"/>
+              </a:fillRef>
+              <a:effectRef idx="0">
+                <a:schemeClr val="accent1"/>
+              </a:effectRef>
+              <a:fontRef idx="minor">
+                <a:schemeClr val="lt1"/>
+              </a:fontRef>
+            </p:style>
+            <p:txBody>
+              <a:bodyPr rtlCol="0" anchor="ctr"/>
+              <a:lstStyle/>
+              <a:p>
+                <a:pPr algn="ctr"/>
+                <a:endParaRPr lang="en-GB"/>
+              </a:p>
+            </p:txBody>
+          </p:sp>
+          <p:pic>
+            <p:nvPicPr>
+              <p:cNvPr id="1026" name="Picture 2">
+                <a:extLst>
+                  <a:ext uri="{FF2B5EF4-FFF2-40B4-BE49-F238E27FC236}">
+                    <a16:creationId xmlns:a16="http://schemas.microsoft.com/office/drawing/2014/main" id="{6D8CAFEC-1D59-1FA8-DB0E-90C3BCD883F2}"/>
+                  </a:ext>
+                </a:extLst>
+              </p:cNvPr>
+              <p:cNvPicPr>
+                <a:picLocks noChangeAspect="1" noChangeArrowheads="1"/>
+              </p:cNvPicPr>
+              <p:nvPr/>
+            </p:nvPicPr>
+            <p:blipFill>
+              <a:blip r:embed="rId2">
+                <a:extLst>
+                  <a:ext uri="{28A0092B-C50C-407E-A947-70E740481C1C}">
+                    <a14:useLocalDpi xmlns:a14="http://schemas.microsoft.com/office/drawing/2010/main" val="0"/>
+                  </a:ext>
+                </a:extLst>
+              </a:blip>
+              <a:srcRect/>
+              <a:stretch>
+                <a:fillRect/>
+              </a:stretch>
+            </p:blipFill>
+            <p:spPr bwMode="auto">
+              <a:xfrm>
+                <a:off x="203200" y="518364"/>
+                <a:ext cx="3505200" cy="2390775"/>
+              </a:xfrm>
+              <a:prstGeom prst="rect">
+                <a:avLst/>
+              </a:prstGeom>
               <a:noFill/>
-            </a:ln>
-          </p:spPr>
-          <p:style>
-            <a:lnRef idx="2">
-              <a:schemeClr val="accent1">
-                <a:shade val="15000"/>
-              </a:schemeClr>
-            </a:lnRef>
-            <a:fillRef idx="1">
-              <a:schemeClr val="accent1"/>
-            </a:fillRef>
-            <a:effectRef idx="0">
-              <a:schemeClr val="accent1"/>
-            </a:effectRef>
-            <a:fontRef idx="minor">
-              <a:schemeClr val="lt1"/>
-            </a:fontRef>
-          </p:style>
-          <p:txBody>
-            <a:bodyPr rtlCol="0" anchor="ctr"/>
-            <a:lstStyle/>
-            <a:p>
-              <a:pPr algn="ctr"/>
-              <a:endParaRPr lang="en-GB"/>
-            </a:p>
-          </p:txBody>
-        </p:sp>
-        <p:pic>
-          <p:nvPicPr>
-            <p:cNvPr id="1026" name="Picture 2">
+              <a:extLst>
+                <a:ext uri="{909E8E84-426E-40DD-AFC4-6F175D3DCCD1}">
+                  <a14:hiddenFill xmlns:a14="http://schemas.microsoft.com/office/drawing/2010/main">
+                    <a:solidFill>
+                      <a:srgbClr val="FFFFFF"/>
+                    </a:solidFill>
+                  </a14:hiddenFill>
+                </a:ext>
+              </a:extLst>
+            </p:spPr>
+          </p:pic>
+          <p:pic>
+            <p:nvPicPr>
+              <p:cNvPr id="1028" name="Picture 4">
+                <a:extLst>
+                  <a:ext uri="{FF2B5EF4-FFF2-40B4-BE49-F238E27FC236}">
+                    <a16:creationId xmlns:a16="http://schemas.microsoft.com/office/drawing/2014/main" id="{06663F3C-754C-7622-0D4D-2D9FBB10E94A}"/>
+                  </a:ext>
+                </a:extLst>
+              </p:cNvPr>
+              <p:cNvPicPr>
+                <a:picLocks noChangeAspect="1" noChangeArrowheads="1"/>
+              </p:cNvPicPr>
+              <p:nvPr/>
+            </p:nvPicPr>
+            <p:blipFill>
+              <a:blip r:embed="rId3">
+                <a:extLst>
+                  <a:ext uri="{28A0092B-C50C-407E-A947-70E740481C1C}">
+                    <a14:useLocalDpi xmlns:a14="http://schemas.microsoft.com/office/drawing/2010/main" val="0"/>
+                  </a:ext>
+                </a:extLst>
+              </a:blip>
+              <a:srcRect/>
+              <a:stretch>
+                <a:fillRect/>
+              </a:stretch>
+            </p:blipFill>
+            <p:spPr bwMode="auto">
+              <a:xfrm>
+                <a:off x="203200" y="3061139"/>
+                <a:ext cx="3505200" cy="2362200"/>
+              </a:xfrm>
+              <a:prstGeom prst="rect">
+                <a:avLst/>
+              </a:prstGeom>
+              <a:noFill/>
+              <a:extLst>
+                <a:ext uri="{909E8E84-426E-40DD-AFC4-6F175D3DCCD1}">
+                  <a14:hiddenFill xmlns:a14="http://schemas.microsoft.com/office/drawing/2010/main">
+                    <a:solidFill>
+                      <a:srgbClr val="FFFFFF"/>
+                    </a:solidFill>
+                  </a14:hiddenFill>
+                </a:ext>
+              </a:extLst>
+            </p:spPr>
+          </p:pic>
+          <p:sp>
+            <p:nvSpPr>
+              <p:cNvPr id="2" name="Rectangle 5">
+                <a:extLst>
+                  <a:ext uri="{FF2B5EF4-FFF2-40B4-BE49-F238E27FC236}">
+                    <a16:creationId xmlns:a16="http://schemas.microsoft.com/office/drawing/2014/main" id="{88C41444-1263-A1C2-15EA-7C7C05772980}"/>
+                  </a:ext>
+                </a:extLst>
+              </p:cNvPr>
+              <p:cNvSpPr>
+                <a:spLocks noChangeArrowheads="1"/>
+              </p:cNvSpPr>
+              <p:nvPr/>
+            </p:nvSpPr>
+            <p:spPr bwMode="auto">
+              <a:xfrm>
+                <a:off x="4179122" y="2254049"/>
+                <a:ext cx="7762240" cy="553998"/>
+              </a:xfrm>
+              <a:prstGeom prst="rect">
+                <a:avLst/>
+              </a:prstGeom>
+              <a:solidFill>
+                <a:srgbClr val="FFFFFF"/>
+              </a:solidFill>
+              <a:ln>
+                <a:noFill/>
+              </a:ln>
+              <a:effectLst/>
+              <a:extLst>
+                <a:ext uri="{91240B29-F687-4F45-9708-019B960494DF}">
+                  <a14:hiddenLine xmlns:a14="http://schemas.microsoft.com/office/drawing/2010/main" w="9525">
+                    <a:solidFill>
+                      <a:schemeClr val="tx1"/>
+                    </a:solidFill>
+                    <a:miter lim="800000"/>
+                    <a:headEnd/>
+                    <a:tailEnd/>
+                  </a14:hiddenLine>
+                </a:ext>
+                <a:ext uri="{AF507438-7753-43E0-B8FC-AC1667EBCBE1}">
+                  <a14:hiddenEffects xmlns:a14="http://schemas.microsoft.com/office/drawing/2010/main">
+                    <a:effectLst>
+                      <a:outerShdw dist="35921" dir="2700000" algn="ctr" rotWithShape="0">
+                        <a:schemeClr val="bg2"/>
+                      </a:outerShdw>
+                    </a:effectLst>
+                  </a14:hiddenEffects>
+                </a:ext>
+              </a:extLst>
+            </p:spPr>
+            <p:txBody>
+              <a:bodyPr vert="horz" wrap="square" lIns="0" tIns="0" rIns="0" bIns="0" numCol="1" anchor="ctr" anchorCtr="0" compatLnSpc="1">
+                <a:prstTxWarp prst="textNoShape">
+                  <a:avLst/>
+                </a:prstTxWarp>
+                <a:spAutoFit/>
+              </a:bodyPr>
+              <a:lstStyle/>
+              <a:p>
+                <a:pPr marL="0" marR="0" lvl="0" indent="0" algn="l" defTabSz="914400" rtl="0" eaLnBrk="0" fontAlgn="base" latinLnBrk="0" hangingPunct="0">
+                  <a:lnSpc>
+                    <a:spcPct val="100000"/>
+                  </a:lnSpc>
+                  <a:spcBef>
+                    <a:spcPct val="0"/>
+                  </a:spcBef>
+                  <a:spcAft>
+                    <a:spcPct val="0"/>
+                  </a:spcAft>
+                  <a:buClrTx/>
+                  <a:buSzTx/>
+                  <a:buFontTx/>
+                  <a:buNone/>
+                  <a:tabLst/>
+                </a:pPr>
+                <a:r>
+                  <a:rPr kumimoji="0" lang="en-US" altLang="en-US" b="0" i="0" u="none" strike="noStrike" cap="none" normalizeH="0" baseline="0" dirty="0" err="1">
+                    <a:ln>
+                      <a:noFill/>
+                    </a:ln>
+                    <a:solidFill>
+                      <a:srgbClr val="000000"/>
+                    </a:solidFill>
+                    <a:effectLst/>
+                    <a:latin typeface="Arial Unicode MS"/>
+                    <a:ea typeface="Courier New" panose="02070309020205020404" pitchFamily="49" charset="0"/>
+                  </a:rPr>
+                  <a:t>GaussianProcessRegressor</a:t>
+                </a:r>
+                <a:endParaRPr kumimoji="0" lang="en-US" altLang="en-US" b="0" i="0" u="none" strike="noStrike" cap="none" normalizeH="0" baseline="0" dirty="0">
+                  <a:ln>
+                    <a:noFill/>
+                  </a:ln>
+                  <a:solidFill>
+                    <a:srgbClr val="000000"/>
+                  </a:solidFill>
+                  <a:effectLst/>
+                  <a:latin typeface="Arial Unicode MS"/>
+                  <a:ea typeface="Courier New" panose="02070309020205020404" pitchFamily="49" charset="0"/>
+                </a:endParaRPr>
+              </a:p>
+              <a:p>
+                <a:pPr marL="0" marR="0" lvl="0" indent="0" algn="l" defTabSz="914400" rtl="0" eaLnBrk="0" fontAlgn="base" latinLnBrk="0" hangingPunct="0">
+                  <a:lnSpc>
+                    <a:spcPct val="100000"/>
+                  </a:lnSpc>
+                  <a:spcBef>
+                    <a:spcPct val="0"/>
+                  </a:spcBef>
+                  <a:spcAft>
+                    <a:spcPct val="0"/>
+                  </a:spcAft>
+                  <a:buClrTx/>
+                  <a:buSzTx/>
+                  <a:buFontTx/>
+                  <a:buNone/>
+                  <a:tabLst/>
+                </a:pPr>
+                <a:r>
+                  <a:rPr kumimoji="0" lang="en-US" altLang="en-US" b="0" i="0" u="none" strike="noStrike" cap="none" normalizeH="0" baseline="0" dirty="0">
+                    <a:ln>
+                      <a:noFill/>
+                    </a:ln>
+                    <a:solidFill>
+                      <a:srgbClr val="000000"/>
+                    </a:solidFill>
+                    <a:effectLst/>
+                    <a:latin typeface="Arial Unicode MS"/>
+                    <a:ea typeface="Courier New" panose="02070309020205020404" pitchFamily="49" charset="0"/>
+                  </a:rPr>
+                  <a:t>(alpha=0.1, kernel=1**2 * RBF(</a:t>
+                </a:r>
+                <a:r>
+                  <a:rPr kumimoji="0" lang="en-US" altLang="en-US" b="0" i="0" u="none" strike="noStrike" cap="none" normalizeH="0" baseline="0" dirty="0" err="1">
+                    <a:ln>
+                      <a:noFill/>
+                    </a:ln>
+                    <a:solidFill>
+                      <a:srgbClr val="000000"/>
+                    </a:solidFill>
+                    <a:effectLst/>
+                    <a:latin typeface="Arial Unicode MS"/>
+                    <a:ea typeface="Courier New" panose="02070309020205020404" pitchFamily="49" charset="0"/>
+                  </a:rPr>
+                  <a:t>length_scale</a:t>
+                </a:r>
+                <a:r>
+                  <a:rPr kumimoji="0" lang="en-US" altLang="en-US" b="0" i="0" u="none" strike="noStrike" cap="none" normalizeH="0" baseline="0" dirty="0">
+                    <a:ln>
+                      <a:noFill/>
+                    </a:ln>
+                    <a:solidFill>
+                      <a:srgbClr val="000000"/>
+                    </a:solidFill>
+                    <a:effectLst/>
+                    <a:latin typeface="Arial Unicode MS"/>
+                    <a:ea typeface="Courier New" panose="02070309020205020404" pitchFamily="49" charset="0"/>
+                  </a:rPr>
+                  <a:t>=1) + 0**2, </a:t>
+                </a:r>
+                <a:r>
+                  <a:rPr kumimoji="0" lang="en-US" altLang="en-US" b="0" i="0" u="none" strike="noStrike" cap="none" normalizeH="0" baseline="0" dirty="0" err="1">
+                    <a:ln>
+                      <a:noFill/>
+                    </a:ln>
+                    <a:solidFill>
+                      <a:srgbClr val="000000"/>
+                    </a:solidFill>
+                    <a:effectLst/>
+                    <a:latin typeface="Arial Unicode MS"/>
+                    <a:ea typeface="Courier New" panose="02070309020205020404" pitchFamily="49" charset="0"/>
+                  </a:rPr>
+                  <a:t>random_state</a:t>
+                </a:r>
+                <a:r>
+                  <a:rPr kumimoji="0" lang="en-US" altLang="en-US" b="0" i="0" u="none" strike="noStrike" cap="none" normalizeH="0" baseline="0" dirty="0">
+                    <a:ln>
+                      <a:noFill/>
+                    </a:ln>
+                    <a:solidFill>
+                      <a:srgbClr val="000000"/>
+                    </a:solidFill>
+                    <a:effectLst/>
+                    <a:latin typeface="Arial Unicode MS"/>
+                    <a:ea typeface="Courier New" panose="02070309020205020404" pitchFamily="49" charset="0"/>
+                  </a:rPr>
+                  <a:t>=1)</a:t>
+                </a:r>
+                <a:r>
+                  <a:rPr kumimoji="0" lang="en-US" altLang="en-US" sz="1400" b="0" i="0" u="none" strike="noStrike" cap="none" normalizeH="0" baseline="0" dirty="0">
+                    <a:ln>
+                      <a:noFill/>
+                    </a:ln>
+                    <a:solidFill>
+                      <a:schemeClr val="tx1"/>
+                    </a:solidFill>
+                    <a:effectLst/>
+                  </a:rPr>
+                  <a:t> </a:t>
+                </a:r>
+                <a:endParaRPr kumimoji="0" lang="en-US" altLang="en-US" sz="4000" b="0" i="0" u="none" strike="noStrike" cap="none" normalizeH="0" baseline="0" dirty="0">
+                  <a:ln>
+                    <a:noFill/>
+                  </a:ln>
+                  <a:solidFill>
+                    <a:schemeClr val="tx1"/>
+                  </a:solidFill>
+                  <a:effectLst/>
+                  <a:latin typeface="Arial" panose="020B0604020202020204" pitchFamily="34" charset="0"/>
+                </a:endParaRPr>
+              </a:p>
+            </p:txBody>
+          </p:sp>
+          <p:sp>
+            <p:nvSpPr>
+              <p:cNvPr id="3" name="TextBox 2">
+                <a:extLst>
+                  <a:ext uri="{FF2B5EF4-FFF2-40B4-BE49-F238E27FC236}">
+                    <a16:creationId xmlns:a16="http://schemas.microsoft.com/office/drawing/2014/main" id="{0553C903-2457-C35D-5F19-E82761B0045B}"/>
+                  </a:ext>
+                </a:extLst>
+              </p:cNvPr>
+              <p:cNvSpPr txBox="1"/>
+              <p:nvPr/>
+            </p:nvSpPr>
+            <p:spPr>
+              <a:xfrm>
+                <a:off x="203199" y="88066"/>
+                <a:ext cx="5968871" cy="523220"/>
+              </a:xfrm>
+              <a:prstGeom prst="rect">
+                <a:avLst/>
+              </a:prstGeom>
+              <a:noFill/>
+            </p:spPr>
+            <p:txBody>
+              <a:bodyPr wrap="square" rtlCol="0">
+                <a:spAutoFit/>
+              </a:bodyPr>
+              <a:lstStyle/>
+              <a:p>
+                <a:r>
+                  <a:rPr lang="en-GB" sz="2800" dirty="0">
+                    <a:solidFill>
+                      <a:srgbClr val="0000FF"/>
+                    </a:solidFill>
+                  </a:rPr>
+                  <a:t>Initial experimental measurement (x):</a:t>
+                </a:r>
+              </a:p>
+            </p:txBody>
+          </p:sp>
+          <p:sp>
+            <p:nvSpPr>
+              <p:cNvPr id="4" name="Rectangle 6">
+                <a:extLst>
+                  <a:ext uri="{FF2B5EF4-FFF2-40B4-BE49-F238E27FC236}">
+                    <a16:creationId xmlns:a16="http://schemas.microsoft.com/office/drawing/2014/main" id="{293FEE9E-67E4-4F64-CD6C-AA52FD5B65F6}"/>
+                  </a:ext>
+                </a:extLst>
+              </p:cNvPr>
+              <p:cNvSpPr>
+                <a:spLocks noChangeArrowheads="1"/>
+              </p:cNvSpPr>
+              <p:nvPr/>
+            </p:nvSpPr>
+            <p:spPr bwMode="auto">
+              <a:xfrm>
+                <a:off x="4226562" y="3575101"/>
+                <a:ext cx="5451813" cy="307777"/>
+              </a:xfrm>
+              <a:prstGeom prst="rect">
+                <a:avLst/>
+              </a:prstGeom>
+              <a:solidFill>
+                <a:srgbClr val="FFFFFF"/>
+              </a:solidFill>
+              <a:ln>
+                <a:noFill/>
+              </a:ln>
+              <a:effectLst/>
+              <a:extLst>
+                <a:ext uri="{91240B29-F687-4F45-9708-019B960494DF}">
+                  <a14:hiddenLine xmlns:a14="http://schemas.microsoft.com/office/drawing/2010/main" w="9525">
+                    <a:solidFill>
+                      <a:schemeClr val="tx1"/>
+                    </a:solidFill>
+                    <a:miter lim="800000"/>
+                    <a:headEnd/>
+                    <a:tailEnd/>
+                  </a14:hiddenLine>
+                </a:ext>
+                <a:ext uri="{AF507438-7753-43E0-B8FC-AC1667EBCBE1}">
+                  <a14:hiddenEffects xmlns:a14="http://schemas.microsoft.com/office/drawing/2010/main">
+                    <a:effectLst>
+                      <a:outerShdw dist="35921" dir="2700000" algn="ctr" rotWithShape="0">
+                        <a:schemeClr val="bg2"/>
+                      </a:outerShdw>
+                    </a:effectLst>
+                  </a14:hiddenEffects>
+                </a:ext>
+              </a:extLst>
+            </p:spPr>
+            <p:txBody>
+              <a:bodyPr vert="horz" wrap="none" lIns="0" tIns="0" rIns="0" bIns="0" numCol="1" anchor="ctr" anchorCtr="0" compatLnSpc="1">
+                <a:prstTxWarp prst="textNoShape">
+                  <a:avLst/>
+                </a:prstTxWarp>
+                <a:spAutoFit/>
+              </a:bodyPr>
+              <a:lstStyle/>
+              <a:p>
+                <a:pPr marL="0" marR="0" lvl="0" indent="0" algn="l" defTabSz="914400" rtl="0" eaLnBrk="0" fontAlgn="base" latinLnBrk="0" hangingPunct="0">
+                  <a:lnSpc>
+                    <a:spcPct val="100000"/>
+                  </a:lnSpc>
+                  <a:spcBef>
+                    <a:spcPct val="0"/>
+                  </a:spcBef>
+                  <a:spcAft>
+                    <a:spcPct val="0"/>
+                  </a:spcAft>
+                  <a:buClrTx/>
+                  <a:buSzTx/>
+                  <a:buFontTx/>
+                  <a:buNone/>
+                  <a:tabLst/>
+                </a:pPr>
+                <a:r>
+                  <a:rPr kumimoji="0" lang="en-US" altLang="en-US" sz="2000" b="0" i="0" u="none" strike="noStrike" cap="none" normalizeH="0" baseline="0" dirty="0">
+                    <a:ln>
+                      <a:noFill/>
+                    </a:ln>
+                    <a:solidFill>
+                      <a:srgbClr val="FF0000"/>
+                    </a:solidFill>
+                    <a:effectLst/>
+                    <a:latin typeface="Arial Unicode MS"/>
+                    <a:ea typeface="Courier New" panose="02070309020205020404" pitchFamily="49" charset="0"/>
+                  </a:rPr>
+                  <a:t>13.2</a:t>
+                </a:r>
+                <a:r>
+                  <a:rPr kumimoji="0" lang="en-US" altLang="en-US" sz="2000" b="0" i="0" u="none" strike="noStrike" cap="none" normalizeH="0" baseline="0" dirty="0">
+                    <a:ln>
+                      <a:noFill/>
+                    </a:ln>
+                    <a:solidFill>
+                      <a:srgbClr val="000000"/>
+                    </a:solidFill>
+                    <a:effectLst/>
+                    <a:latin typeface="Arial Unicode MS"/>
+                    <a:ea typeface="Courier New" panose="02070309020205020404" pitchFamily="49" charset="0"/>
+                  </a:rPr>
+                  <a:t>**2 * RBF(</a:t>
+                </a:r>
+                <a:r>
+                  <a:rPr kumimoji="0" lang="en-US" altLang="en-US" sz="2000" b="0" i="0" u="none" strike="noStrike" cap="none" normalizeH="0" baseline="0" dirty="0" err="1">
+                    <a:ln>
+                      <a:noFill/>
+                    </a:ln>
+                    <a:solidFill>
+                      <a:srgbClr val="000000"/>
+                    </a:solidFill>
+                    <a:effectLst/>
+                    <a:latin typeface="Arial Unicode MS"/>
+                    <a:ea typeface="Courier New" panose="02070309020205020404" pitchFamily="49" charset="0"/>
+                  </a:rPr>
+                  <a:t>length_scale</a:t>
+                </a:r>
+                <a:r>
+                  <a:rPr kumimoji="0" lang="en-US" altLang="en-US" sz="2000" b="0" i="0" u="none" strike="noStrike" cap="none" normalizeH="0" baseline="0" dirty="0">
+                    <a:ln>
+                      <a:noFill/>
+                    </a:ln>
+                    <a:solidFill>
+                      <a:srgbClr val="000000"/>
+                    </a:solidFill>
+                    <a:effectLst/>
+                    <a:latin typeface="Arial Unicode MS"/>
+                    <a:ea typeface="Courier New" panose="02070309020205020404" pitchFamily="49" charset="0"/>
+                  </a:rPr>
+                  <a:t>=</a:t>
+                </a:r>
+                <a:r>
+                  <a:rPr kumimoji="0" lang="en-US" altLang="en-US" sz="2000" b="0" i="0" u="none" strike="noStrike" cap="none" normalizeH="0" baseline="0" dirty="0">
+                    <a:ln>
+                      <a:noFill/>
+                    </a:ln>
+                    <a:solidFill>
+                      <a:srgbClr val="FF0000"/>
+                    </a:solidFill>
+                    <a:effectLst/>
+                    <a:latin typeface="Arial Unicode MS"/>
+                    <a:ea typeface="Courier New" panose="02070309020205020404" pitchFamily="49" charset="0"/>
+                  </a:rPr>
+                  <a:t>6.76</a:t>
+                </a:r>
+                <a:r>
+                  <a:rPr kumimoji="0" lang="en-US" altLang="en-US" sz="2000" b="0" i="0" u="none" strike="noStrike" cap="none" normalizeH="0" baseline="0" dirty="0">
+                    <a:ln>
+                      <a:noFill/>
+                    </a:ln>
+                    <a:solidFill>
+                      <a:srgbClr val="000000"/>
+                    </a:solidFill>
+                    <a:effectLst/>
+                    <a:latin typeface="Arial Unicode MS"/>
+                    <a:ea typeface="Courier New" panose="02070309020205020404" pitchFamily="49" charset="0"/>
+                  </a:rPr>
+                  <a:t>) + 0.00318**2</a:t>
+                </a:r>
+                <a:r>
+                  <a:rPr kumimoji="0" lang="en-US" altLang="en-US" sz="1600" b="0" i="0" u="none" strike="noStrike" cap="none" normalizeH="0" baseline="0" dirty="0">
+                    <a:ln>
+                      <a:noFill/>
+                    </a:ln>
+                    <a:solidFill>
+                      <a:schemeClr val="tx1"/>
+                    </a:solidFill>
+                    <a:effectLst/>
+                  </a:rPr>
+                  <a:t> </a:t>
+                </a:r>
+                <a:endParaRPr kumimoji="0" lang="en-US" altLang="en-US" sz="4400" b="0" i="0" u="none" strike="noStrike" cap="none" normalizeH="0" baseline="0" dirty="0">
+                  <a:ln>
+                    <a:noFill/>
+                  </a:ln>
+                  <a:solidFill>
+                    <a:schemeClr val="tx1"/>
+                  </a:solidFill>
+                  <a:effectLst/>
+                  <a:latin typeface="Arial" panose="020B0604020202020204" pitchFamily="34" charset="0"/>
+                </a:endParaRPr>
+              </a:p>
+            </p:txBody>
+          </p:sp>
+          <p:sp>
+            <p:nvSpPr>
+              <p:cNvPr id="5" name="TextBox 4">
+                <a:extLst>
+                  <a:ext uri="{FF2B5EF4-FFF2-40B4-BE49-F238E27FC236}">
+                    <a16:creationId xmlns:a16="http://schemas.microsoft.com/office/drawing/2014/main" id="{3360FB2B-F81E-F609-5B1C-EB03ABF97F90}"/>
+                  </a:ext>
+                </a:extLst>
+              </p:cNvPr>
+              <p:cNvSpPr txBox="1"/>
+              <p:nvPr/>
+            </p:nvSpPr>
+            <p:spPr>
+              <a:xfrm>
+                <a:off x="4108002" y="1670674"/>
+                <a:ext cx="3952240" cy="523220"/>
+              </a:xfrm>
+              <a:prstGeom prst="rect">
+                <a:avLst/>
+              </a:prstGeom>
+              <a:noFill/>
+            </p:spPr>
+            <p:txBody>
+              <a:bodyPr wrap="square" rtlCol="0">
+                <a:spAutoFit/>
+              </a:bodyPr>
+              <a:lstStyle/>
+              <a:p>
+                <a:r>
+                  <a:rPr lang="en-GB" sz="2800" dirty="0">
+                    <a:solidFill>
+                      <a:schemeClr val="accent2">
+                        <a:lumMod val="75000"/>
+                      </a:schemeClr>
+                    </a:solidFill>
+                  </a:rPr>
+                  <a:t>Initial guessed model:</a:t>
+                </a:r>
+              </a:p>
+            </p:txBody>
+          </p:sp>
+          <p:sp>
+            <p:nvSpPr>
+              <p:cNvPr id="6" name="TextBox 5">
+                <a:extLst>
+                  <a:ext uri="{FF2B5EF4-FFF2-40B4-BE49-F238E27FC236}">
+                    <a16:creationId xmlns:a16="http://schemas.microsoft.com/office/drawing/2014/main" id="{05EB1224-B767-7BD5-31CA-C5185210D224}"/>
+                  </a:ext>
+                </a:extLst>
+              </p:cNvPr>
+              <p:cNvSpPr txBox="1"/>
+              <p:nvPr/>
+            </p:nvSpPr>
+            <p:spPr>
+              <a:xfrm>
+                <a:off x="4155442" y="3112041"/>
+                <a:ext cx="4328160" cy="461665"/>
+              </a:xfrm>
+              <a:prstGeom prst="rect">
+                <a:avLst/>
+              </a:prstGeom>
+              <a:noFill/>
+            </p:spPr>
+            <p:txBody>
+              <a:bodyPr wrap="square" rtlCol="0">
+                <a:spAutoFit/>
+              </a:bodyPr>
+              <a:lstStyle/>
+              <a:p>
+                <a:r>
+                  <a:rPr lang="en-GB" sz="2400" dirty="0"/>
+                  <a:t>First round refined model:</a:t>
+                </a:r>
+              </a:p>
+            </p:txBody>
+          </p:sp>
+          <p:sp>
+            <p:nvSpPr>
+              <p:cNvPr id="7" name="Rectangle 7">
+                <a:extLst>
+                  <a:ext uri="{FF2B5EF4-FFF2-40B4-BE49-F238E27FC236}">
+                    <a16:creationId xmlns:a16="http://schemas.microsoft.com/office/drawing/2014/main" id="{F942E4DC-33D6-1506-0D46-9FF64DC3D1DD}"/>
+                  </a:ext>
+                </a:extLst>
+              </p:cNvPr>
+              <p:cNvSpPr>
+                <a:spLocks noChangeArrowheads="1"/>
+              </p:cNvSpPr>
+              <p:nvPr/>
+            </p:nvSpPr>
+            <p:spPr bwMode="auto">
+              <a:xfrm>
+                <a:off x="4232914" y="4175424"/>
+                <a:ext cx="7282811" cy="276999"/>
+              </a:xfrm>
+              <a:prstGeom prst="rect">
+                <a:avLst/>
+              </a:prstGeom>
+              <a:solidFill>
+                <a:srgbClr val="FFFFFF"/>
+              </a:solidFill>
+              <a:ln>
+                <a:noFill/>
+              </a:ln>
+              <a:effectLst/>
+              <a:extLst>
+                <a:ext uri="{91240B29-F687-4F45-9708-019B960494DF}">
+                  <a14:hiddenLine xmlns:a14="http://schemas.microsoft.com/office/drawing/2010/main" w="9525">
+                    <a:solidFill>
+                      <a:schemeClr val="tx1"/>
+                    </a:solidFill>
+                    <a:miter lim="800000"/>
+                    <a:headEnd/>
+                    <a:tailEnd/>
+                  </a14:hiddenLine>
+                </a:ext>
+                <a:ext uri="{AF507438-7753-43E0-B8FC-AC1667EBCBE1}">
+                  <a14:hiddenEffects xmlns:a14="http://schemas.microsoft.com/office/drawing/2010/main">
+                    <a:effectLst>
+                      <a:outerShdw dist="35921" dir="2700000" algn="ctr" rotWithShape="0">
+                        <a:schemeClr val="bg2"/>
+                      </a:outerShdw>
+                    </a:effectLst>
+                  </a14:hiddenEffects>
+                </a:ext>
+              </a:extLst>
+            </p:spPr>
+            <p:txBody>
+              <a:bodyPr vert="horz" wrap="square" lIns="0" tIns="0" rIns="0" bIns="0" numCol="1" anchor="ctr" anchorCtr="0" compatLnSpc="1">
+                <a:prstTxWarp prst="textNoShape">
+                  <a:avLst/>
+                </a:prstTxWarp>
+                <a:spAutoFit/>
+              </a:bodyPr>
+              <a:lstStyle/>
+              <a:p>
+                <a:pPr marL="0" marR="0" lvl="0" indent="0" algn="l" defTabSz="914400" rtl="0" eaLnBrk="0" fontAlgn="base" latinLnBrk="0" hangingPunct="0">
+                  <a:lnSpc>
+                    <a:spcPct val="100000"/>
+                  </a:lnSpc>
+                  <a:spcBef>
+                    <a:spcPct val="0"/>
+                  </a:spcBef>
+                  <a:spcAft>
+                    <a:spcPct val="0"/>
+                  </a:spcAft>
+                  <a:buClrTx/>
+                  <a:buSzTx/>
+                  <a:buFontTx/>
+                  <a:buNone/>
+                  <a:tabLst/>
+                </a:pPr>
+                <a:r>
+                  <a:rPr kumimoji="0" lang="en-US" altLang="en-US" b="0" i="0" u="none" strike="noStrike" cap="none" normalizeH="0" baseline="0" dirty="0">
+                    <a:ln>
+                      <a:noFill/>
+                    </a:ln>
+                    <a:solidFill>
+                      <a:srgbClr val="000000"/>
+                    </a:solidFill>
+                    <a:effectLst/>
+                    <a:latin typeface="Arial Unicode MS"/>
+                    <a:ea typeface="Courier New" panose="02070309020205020404" pitchFamily="49" charset="0"/>
+                  </a:rPr>
+                  <a:t>Initial guess of x</a:t>
+                </a:r>
+                <a:r>
+                  <a:rPr kumimoji="0" lang="en-US" altLang="en-US" b="0" i="0" u="none" strike="noStrike" cap="none" normalizeH="0" baseline="-25000" dirty="0">
+                    <a:ln>
+                      <a:noFill/>
+                    </a:ln>
+                    <a:solidFill>
+                      <a:srgbClr val="000000"/>
+                    </a:solidFill>
+                    <a:effectLst/>
+                    <a:latin typeface="Arial Unicode MS"/>
+                    <a:ea typeface="Courier New" panose="02070309020205020404" pitchFamily="49" charset="0"/>
+                  </a:rPr>
+                  <a:t>0</a:t>
+                </a:r>
+                <a:r>
+                  <a:rPr kumimoji="0" lang="en-US" altLang="en-US" b="0" i="0" u="none" strike="noStrike" cap="none" normalizeH="0" baseline="0" dirty="0">
+                    <a:ln>
+                      <a:noFill/>
+                    </a:ln>
+                    <a:solidFill>
+                      <a:srgbClr val="000000"/>
+                    </a:solidFill>
+                    <a:effectLst/>
+                    <a:latin typeface="Arial Unicode MS"/>
+                    <a:ea typeface="Courier New" panose="02070309020205020404" pitchFamily="49" charset="0"/>
+                  </a:rPr>
+                  <a:t>: </a:t>
+                </a:r>
+                <a:r>
+                  <a:rPr kumimoji="0" lang="en-US" altLang="en-US" b="0" i="0" u="none" strike="noStrike" cap="none" normalizeH="0" baseline="0" dirty="0">
+                    <a:ln>
+                      <a:noFill/>
+                    </a:ln>
+                    <a:solidFill>
+                      <a:schemeClr val="accent6">
+                        <a:lumMod val="75000"/>
+                      </a:schemeClr>
+                    </a:solidFill>
+                    <a:effectLst/>
+                    <a:latin typeface="Arial Unicode MS"/>
+                    <a:ea typeface="Courier New" panose="02070309020205020404" pitchFamily="49" charset="0"/>
+                  </a:rPr>
+                  <a:t>0.5</a:t>
+                </a:r>
+                <a:r>
+                  <a:rPr kumimoji="0" lang="en-US" altLang="en-US" b="0" i="0" u="none" strike="noStrike" cap="none" normalizeH="0" baseline="0" dirty="0">
+                    <a:ln>
+                      <a:noFill/>
+                    </a:ln>
+                    <a:solidFill>
+                      <a:srgbClr val="000000"/>
+                    </a:solidFill>
+                    <a:effectLst/>
+                    <a:latin typeface="Arial Unicode MS"/>
+                    <a:ea typeface="Courier New" panose="02070309020205020404" pitchFamily="49" charset="0"/>
+                  </a:rPr>
+                  <a:t> -&gt;</a:t>
+                </a:r>
+                <a:r>
+                  <a:rPr lang="en-US" altLang="en-US" dirty="0">
+                    <a:solidFill>
+                      <a:srgbClr val="000000"/>
+                    </a:solidFill>
+                    <a:latin typeface="Arial Unicode MS"/>
+                    <a:ea typeface="Courier New" panose="02070309020205020404" pitchFamily="49" charset="0"/>
+                  </a:rPr>
+                  <a:t> </a:t>
+                </a:r>
+                <a:r>
+                  <a:rPr kumimoji="0" lang="en-US" altLang="en-US" b="0" i="0" u="none" strike="noStrike" cap="none" normalizeH="0" baseline="0" dirty="0">
+                    <a:ln>
+                      <a:noFill/>
+                    </a:ln>
+                    <a:solidFill>
+                      <a:srgbClr val="000000"/>
+                    </a:solidFill>
+                    <a:effectLst/>
+                    <a:latin typeface="Arial Unicode MS"/>
+                    <a:ea typeface="Courier New" panose="02070309020205020404" pitchFamily="49" charset="0"/>
+                  </a:rPr>
+                  <a:t>Recommended next x to go: [</a:t>
+                </a:r>
+                <a:r>
+                  <a:rPr kumimoji="0" lang="en-US" altLang="en-US" b="0" i="0" u="none" strike="noStrike" cap="none" normalizeH="0" baseline="0" dirty="0">
+                    <a:ln>
+                      <a:noFill/>
+                    </a:ln>
+                    <a:solidFill>
+                      <a:srgbClr val="FF0000"/>
+                    </a:solidFill>
+                    <a:effectLst/>
+                    <a:latin typeface="Arial Unicode MS"/>
+                    <a:ea typeface="Courier New" panose="02070309020205020404" pitchFamily="49" charset="0"/>
+                  </a:rPr>
+                  <a:t>1.35567387</a:t>
+                </a:r>
+                <a:r>
+                  <a:rPr kumimoji="0" lang="en-US" altLang="en-US" b="0" i="0" u="none" strike="noStrike" cap="none" normalizeH="0" baseline="0" dirty="0">
+                    <a:ln>
+                      <a:noFill/>
+                    </a:ln>
+                    <a:solidFill>
+                      <a:srgbClr val="000000"/>
+                    </a:solidFill>
+                    <a:effectLst/>
+                    <a:latin typeface="Arial Unicode MS"/>
+                    <a:ea typeface="Courier New" panose="02070309020205020404" pitchFamily="49" charset="0"/>
+                  </a:rPr>
+                  <a:t>]</a:t>
+                </a:r>
+                <a:r>
+                  <a:rPr kumimoji="0" lang="en-US" altLang="en-US" sz="1400" b="0" i="0" u="none" strike="noStrike" cap="none" normalizeH="0" baseline="0" dirty="0">
+                    <a:ln>
+                      <a:noFill/>
+                    </a:ln>
+                    <a:solidFill>
+                      <a:schemeClr val="tx1"/>
+                    </a:solidFill>
+                    <a:effectLst/>
+                  </a:rPr>
+                  <a:t> </a:t>
+                </a:r>
+                <a:endParaRPr kumimoji="0" lang="en-US" altLang="en-US" sz="4000" b="0" i="0" u="none" strike="noStrike" cap="none" normalizeH="0" baseline="0" dirty="0">
+                  <a:ln>
+                    <a:noFill/>
+                  </a:ln>
+                  <a:solidFill>
+                    <a:schemeClr val="tx1"/>
+                  </a:solidFill>
+                  <a:effectLst/>
+                  <a:latin typeface="Arial" panose="020B0604020202020204" pitchFamily="34" charset="0"/>
+                </a:endParaRPr>
+              </a:p>
+            </p:txBody>
+          </p:sp>
+          <p:sp>
+            <p:nvSpPr>
+              <p:cNvPr id="8" name="Rectangle 7">
+                <a:extLst>
+                  <a:ext uri="{FF2B5EF4-FFF2-40B4-BE49-F238E27FC236}">
+                    <a16:creationId xmlns:a16="http://schemas.microsoft.com/office/drawing/2014/main" id="{3FBA804C-A4EC-4EEE-2C9B-AF887583748C}"/>
+                  </a:ext>
+                </a:extLst>
+              </p:cNvPr>
+              <p:cNvSpPr>
+                <a:spLocks noChangeArrowheads="1"/>
+              </p:cNvSpPr>
+              <p:nvPr/>
+            </p:nvSpPr>
+            <p:spPr bwMode="auto">
+              <a:xfrm>
+                <a:off x="470539" y="5572827"/>
+                <a:ext cx="9978386" cy="369332"/>
+              </a:xfrm>
+              <a:prstGeom prst="rect">
+                <a:avLst/>
+              </a:prstGeom>
+              <a:solidFill>
+                <a:srgbClr val="FFFFFF"/>
+              </a:solidFill>
+              <a:ln>
+                <a:noFill/>
+              </a:ln>
+              <a:effectLst/>
+              <a:extLst>
+                <a:ext uri="{91240B29-F687-4F45-9708-019B960494DF}">
+                  <a14:hiddenLine xmlns:a14="http://schemas.microsoft.com/office/drawing/2010/main" w="9525">
+                    <a:solidFill>
+                      <a:schemeClr val="tx1"/>
+                    </a:solidFill>
+                    <a:miter lim="800000"/>
+                    <a:headEnd/>
+                    <a:tailEnd/>
+                  </a14:hiddenLine>
+                </a:ext>
+                <a:ext uri="{AF507438-7753-43E0-B8FC-AC1667EBCBE1}">
+                  <a14:hiddenEffects xmlns:a14="http://schemas.microsoft.com/office/drawing/2010/main">
+                    <a:effectLst>
+                      <a:outerShdw dist="35921" dir="2700000" algn="ctr" rotWithShape="0">
+                        <a:schemeClr val="bg2"/>
+                      </a:outerShdw>
+                    </a:effectLst>
+                  </a14:hiddenEffects>
+                </a:ext>
+              </a:extLst>
+            </p:spPr>
+            <p:txBody>
+              <a:bodyPr vert="horz" wrap="square" lIns="0" tIns="0" rIns="0" bIns="0" numCol="1" anchor="ctr" anchorCtr="0" compatLnSpc="1">
+                <a:prstTxWarp prst="textNoShape">
+                  <a:avLst/>
+                </a:prstTxWarp>
+                <a:spAutoFit/>
+              </a:bodyPr>
+              <a:lstStyle/>
+              <a:p>
+                <a:pPr marL="0" marR="0" lvl="0" indent="0" algn="l" defTabSz="914400" rtl="0" eaLnBrk="0" fontAlgn="base" latinLnBrk="0" hangingPunct="0">
+                  <a:lnSpc>
+                    <a:spcPct val="100000"/>
+                  </a:lnSpc>
+                  <a:spcBef>
+                    <a:spcPct val="0"/>
+                  </a:spcBef>
+                  <a:spcAft>
+                    <a:spcPct val="0"/>
+                  </a:spcAft>
+                  <a:buClrTx/>
+                  <a:buSzTx/>
+                  <a:buFontTx/>
+                  <a:buNone/>
+                  <a:tabLst/>
+                </a:pPr>
+                <a:r>
+                  <a:rPr kumimoji="0" lang="en-US" altLang="en-US" b="0" i="0" u="none" strike="noStrike" cap="none" normalizeH="0" baseline="0" dirty="0">
+                    <a:ln>
+                      <a:noFill/>
+                    </a:ln>
+                    <a:solidFill>
+                      <a:srgbClr val="FF0000"/>
+                    </a:solidFill>
+                    <a:effectLst/>
+                    <a:latin typeface="Arial Unicode MS"/>
+                    <a:ea typeface="Courier New" panose="02070309020205020404" pitchFamily="49" charset="0"/>
+                  </a:rPr>
+                  <a:t>Add new data point x = 0.004 to experimental set </a:t>
+                </a:r>
+                <a:r>
+                  <a:rPr kumimoji="0" lang="en-US" altLang="en-US" b="0" i="0" u="none" strike="noStrike" cap="none" normalizeH="0" baseline="0" dirty="0">
+                    <a:ln>
+                      <a:noFill/>
+                    </a:ln>
+                    <a:solidFill>
+                      <a:srgbClr val="000000"/>
+                    </a:solidFill>
+                    <a:effectLst/>
+                    <a:latin typeface="Arial Unicode MS"/>
+                    <a:ea typeface="Courier New" panose="02070309020205020404" pitchFamily="49" charset="0"/>
+                  </a:rPr>
+                  <a:t>-&gt; </a:t>
+                </a:r>
+                <a:r>
+                  <a:rPr kumimoji="0" lang="en-US" altLang="en-US" sz="2400" b="0" i="0" u="none" strike="noStrike" cap="none" normalizeH="0" baseline="0" dirty="0">
+                    <a:ln>
+                      <a:noFill/>
+                    </a:ln>
+                    <a:solidFill>
+                      <a:srgbClr val="000000"/>
+                    </a:solidFill>
+                    <a:effectLst/>
+                    <a:latin typeface="Arial Unicode MS"/>
+                    <a:ea typeface="Courier New" panose="02070309020205020404" pitchFamily="49" charset="0"/>
+                  </a:rPr>
+                  <a:t>second round refined model: </a:t>
+                </a:r>
+                <a:endParaRPr kumimoji="0" lang="en-US" altLang="en-US" sz="4000" b="0" i="0" u="none" strike="noStrike" cap="none" normalizeH="0" baseline="0" dirty="0">
+                  <a:ln>
+                    <a:noFill/>
+                  </a:ln>
+                  <a:solidFill>
+                    <a:schemeClr val="tx1"/>
+                  </a:solidFill>
+                  <a:effectLst/>
+                  <a:latin typeface="Arial" panose="020B0604020202020204" pitchFamily="34" charset="0"/>
+                </a:endParaRPr>
+              </a:p>
+            </p:txBody>
+          </p:sp>
+          <p:sp>
+            <p:nvSpPr>
+              <p:cNvPr id="9" name="Rectangle 8">
+                <a:extLst>
+                  <a:ext uri="{FF2B5EF4-FFF2-40B4-BE49-F238E27FC236}">
+                    <a16:creationId xmlns:a16="http://schemas.microsoft.com/office/drawing/2014/main" id="{D6D2912D-4F5B-8777-0D82-EDF34E7E9642}"/>
+                  </a:ext>
+                </a:extLst>
+              </p:cNvPr>
+              <p:cNvSpPr>
+                <a:spLocks noChangeArrowheads="1"/>
+              </p:cNvSpPr>
+              <p:nvPr/>
+            </p:nvSpPr>
+            <p:spPr bwMode="auto">
+              <a:xfrm>
+                <a:off x="4155440" y="6048513"/>
+                <a:ext cx="5939786" cy="307777"/>
+              </a:xfrm>
+              <a:prstGeom prst="rect">
+                <a:avLst/>
+              </a:prstGeom>
+              <a:solidFill>
+                <a:srgbClr val="FFFFFF"/>
+              </a:solidFill>
+              <a:ln>
+                <a:noFill/>
+              </a:ln>
+              <a:effectLst/>
+              <a:extLst>
+                <a:ext uri="{91240B29-F687-4F45-9708-019B960494DF}">
+                  <a14:hiddenLine xmlns:a14="http://schemas.microsoft.com/office/drawing/2010/main" w="9525">
+                    <a:solidFill>
+                      <a:schemeClr val="tx1"/>
+                    </a:solidFill>
+                    <a:miter lim="800000"/>
+                    <a:headEnd/>
+                    <a:tailEnd/>
+                  </a14:hiddenLine>
+                </a:ext>
+                <a:ext uri="{AF507438-7753-43E0-B8FC-AC1667EBCBE1}">
+                  <a14:hiddenEffects xmlns:a14="http://schemas.microsoft.com/office/drawing/2010/main">
+                    <a:effectLst>
+                      <a:outerShdw dist="35921" dir="2700000" algn="ctr" rotWithShape="0">
+                        <a:schemeClr val="bg2"/>
+                      </a:outerShdw>
+                    </a:effectLst>
+                  </a14:hiddenEffects>
+                </a:ext>
+              </a:extLst>
+            </p:spPr>
+            <p:txBody>
+              <a:bodyPr vert="horz" wrap="square" lIns="0" tIns="0" rIns="0" bIns="0" numCol="1" anchor="ctr" anchorCtr="0" compatLnSpc="1">
+                <a:prstTxWarp prst="textNoShape">
+                  <a:avLst/>
+                </a:prstTxWarp>
+                <a:spAutoFit/>
+              </a:bodyPr>
+              <a:lstStyle/>
+              <a:p>
+                <a:pPr marL="0" marR="0" lvl="0" indent="0" algn="l" defTabSz="914400" rtl="0" eaLnBrk="0" fontAlgn="base" latinLnBrk="0" hangingPunct="0">
+                  <a:lnSpc>
+                    <a:spcPct val="100000"/>
+                  </a:lnSpc>
+                  <a:spcBef>
+                    <a:spcPct val="0"/>
+                  </a:spcBef>
+                  <a:spcAft>
+                    <a:spcPct val="0"/>
+                  </a:spcAft>
+                  <a:buClrTx/>
+                  <a:buSzTx/>
+                  <a:buFontTx/>
+                  <a:buNone/>
+                  <a:tabLst/>
+                </a:pPr>
+                <a:r>
+                  <a:rPr kumimoji="0" lang="en-US" altLang="en-US" sz="2000" b="0" i="0" u="none" strike="noStrike" cap="none" normalizeH="0" baseline="0" dirty="0">
+                    <a:ln>
+                      <a:noFill/>
+                    </a:ln>
+                    <a:solidFill>
+                      <a:srgbClr val="FF0000"/>
+                    </a:solidFill>
+                    <a:effectLst/>
+                    <a:latin typeface="Arial Unicode MS"/>
+                    <a:ea typeface="Courier New" panose="02070309020205020404" pitchFamily="49" charset="0"/>
+                  </a:rPr>
+                  <a:t>12.2</a:t>
+                </a:r>
+                <a:r>
+                  <a:rPr kumimoji="0" lang="en-US" altLang="en-US" sz="2000" b="0" i="0" u="none" strike="noStrike" cap="none" normalizeH="0" baseline="0" dirty="0">
+                    <a:ln>
+                      <a:noFill/>
+                    </a:ln>
+                    <a:solidFill>
+                      <a:srgbClr val="000000"/>
+                    </a:solidFill>
+                    <a:effectLst/>
+                    <a:latin typeface="Arial Unicode MS"/>
+                    <a:ea typeface="Courier New" panose="02070309020205020404" pitchFamily="49" charset="0"/>
+                  </a:rPr>
+                  <a:t>**2 * RBF(</a:t>
+                </a:r>
+                <a:r>
+                  <a:rPr kumimoji="0" lang="en-US" altLang="en-US" sz="2000" b="0" i="0" u="none" strike="noStrike" cap="none" normalizeH="0" baseline="0" dirty="0" err="1">
+                    <a:ln>
+                      <a:noFill/>
+                    </a:ln>
+                    <a:solidFill>
+                      <a:srgbClr val="000000"/>
+                    </a:solidFill>
+                    <a:effectLst/>
+                    <a:latin typeface="Arial Unicode MS"/>
+                    <a:ea typeface="Courier New" panose="02070309020205020404" pitchFamily="49" charset="0"/>
+                  </a:rPr>
+                  <a:t>length_scale</a:t>
+                </a:r>
+                <a:r>
+                  <a:rPr kumimoji="0" lang="en-US" altLang="en-US" sz="2000" b="0" i="0" u="none" strike="noStrike" cap="none" normalizeH="0" baseline="0" dirty="0">
+                    <a:ln>
+                      <a:noFill/>
+                    </a:ln>
+                    <a:solidFill>
+                      <a:srgbClr val="000000"/>
+                    </a:solidFill>
+                    <a:effectLst/>
+                    <a:latin typeface="Arial Unicode MS"/>
+                    <a:ea typeface="Courier New" panose="02070309020205020404" pitchFamily="49" charset="0"/>
+                  </a:rPr>
+                  <a:t>=</a:t>
+                </a:r>
+                <a:r>
+                  <a:rPr kumimoji="0" lang="en-US" altLang="en-US" sz="2000" b="0" i="0" u="none" strike="noStrike" cap="none" normalizeH="0" baseline="0" dirty="0">
+                    <a:ln>
+                      <a:noFill/>
+                    </a:ln>
+                    <a:solidFill>
+                      <a:srgbClr val="FF0000"/>
+                    </a:solidFill>
+                    <a:effectLst/>
+                    <a:latin typeface="Arial Unicode MS"/>
+                    <a:ea typeface="Courier New" panose="02070309020205020404" pitchFamily="49" charset="0"/>
+                  </a:rPr>
+                  <a:t>3.67</a:t>
+                </a:r>
+                <a:r>
+                  <a:rPr kumimoji="0" lang="en-US" altLang="en-US" sz="2000" b="0" i="0" u="none" strike="noStrike" cap="none" normalizeH="0" baseline="0" dirty="0">
+                    <a:ln>
+                      <a:noFill/>
+                    </a:ln>
+                    <a:solidFill>
+                      <a:srgbClr val="000000"/>
+                    </a:solidFill>
+                    <a:effectLst/>
+                    <a:latin typeface="Arial Unicode MS"/>
+                    <a:ea typeface="Courier New" panose="02070309020205020404" pitchFamily="49" charset="0"/>
+                  </a:rPr>
+                  <a:t>) + 0.00318**2</a:t>
+                </a:r>
+                <a:r>
+                  <a:rPr kumimoji="0" lang="en-US" altLang="en-US" sz="1600" b="0" i="0" u="none" strike="noStrike" cap="none" normalizeH="0" baseline="0" dirty="0">
+                    <a:ln>
+                      <a:noFill/>
+                    </a:ln>
+                    <a:solidFill>
+                      <a:schemeClr val="tx1"/>
+                    </a:solidFill>
+                    <a:effectLst/>
+                  </a:rPr>
+                  <a:t> </a:t>
+                </a:r>
+                <a:endParaRPr kumimoji="0" lang="en-US" altLang="en-US" sz="4400" b="0" i="0" u="none" strike="noStrike" cap="none" normalizeH="0" baseline="0" dirty="0">
+                  <a:ln>
+                    <a:noFill/>
+                  </a:ln>
+                  <a:solidFill>
+                    <a:schemeClr val="tx1"/>
+                  </a:solidFill>
+                  <a:effectLst/>
+                  <a:latin typeface="Arial" panose="020B0604020202020204" pitchFamily="34" charset="0"/>
+                </a:endParaRPr>
+              </a:p>
+            </p:txBody>
+          </p:sp>
+          <p:sp>
+            <p:nvSpPr>
+              <p:cNvPr id="10" name="Rectangle 7">
+                <a:extLst>
+                  <a:ext uri="{FF2B5EF4-FFF2-40B4-BE49-F238E27FC236}">
+                    <a16:creationId xmlns:a16="http://schemas.microsoft.com/office/drawing/2014/main" id="{502D1161-ED81-E6E0-7EB6-9C0C6AE3E03F}"/>
+                  </a:ext>
+                </a:extLst>
+              </p:cNvPr>
+              <p:cNvSpPr>
+                <a:spLocks noChangeArrowheads="1"/>
+              </p:cNvSpPr>
+              <p:nvPr/>
+            </p:nvSpPr>
+            <p:spPr bwMode="auto">
+              <a:xfrm>
+                <a:off x="4155440" y="6440621"/>
+                <a:ext cx="7403465" cy="276999"/>
+              </a:xfrm>
+              <a:prstGeom prst="rect">
+                <a:avLst/>
+              </a:prstGeom>
+              <a:solidFill>
+                <a:srgbClr val="FFFFFF"/>
+              </a:solidFill>
+              <a:ln>
+                <a:noFill/>
+              </a:ln>
+              <a:effectLst/>
+              <a:extLst>
+                <a:ext uri="{91240B29-F687-4F45-9708-019B960494DF}">
+                  <a14:hiddenLine xmlns:a14="http://schemas.microsoft.com/office/drawing/2010/main" w="9525">
+                    <a:solidFill>
+                      <a:schemeClr val="tx1"/>
+                    </a:solidFill>
+                    <a:miter lim="800000"/>
+                    <a:headEnd/>
+                    <a:tailEnd/>
+                  </a14:hiddenLine>
+                </a:ext>
+                <a:ext uri="{AF507438-7753-43E0-B8FC-AC1667EBCBE1}">
+                  <a14:hiddenEffects xmlns:a14="http://schemas.microsoft.com/office/drawing/2010/main">
+                    <a:effectLst>
+                      <a:outerShdw dist="35921" dir="2700000" algn="ctr" rotWithShape="0">
+                        <a:schemeClr val="bg2"/>
+                      </a:outerShdw>
+                    </a:effectLst>
+                  </a14:hiddenEffects>
+                </a:ext>
+              </a:extLst>
+            </p:spPr>
+            <p:txBody>
+              <a:bodyPr vert="horz" wrap="square" lIns="0" tIns="0" rIns="0" bIns="0" numCol="1" anchor="ctr" anchorCtr="0" compatLnSpc="1">
+                <a:prstTxWarp prst="textNoShape">
+                  <a:avLst/>
+                </a:prstTxWarp>
+                <a:spAutoFit/>
+              </a:bodyPr>
+              <a:lstStyle/>
+              <a:p>
+                <a:pPr marL="0" marR="0" lvl="0" indent="0" algn="l" defTabSz="914400" rtl="0" eaLnBrk="0" fontAlgn="base" latinLnBrk="0" hangingPunct="0">
+                  <a:lnSpc>
+                    <a:spcPct val="100000"/>
+                  </a:lnSpc>
+                  <a:spcBef>
+                    <a:spcPct val="0"/>
+                  </a:spcBef>
+                  <a:spcAft>
+                    <a:spcPct val="0"/>
+                  </a:spcAft>
+                  <a:buClrTx/>
+                  <a:buSzTx/>
+                  <a:buFontTx/>
+                  <a:buNone/>
+                  <a:tabLst/>
+                </a:pPr>
+                <a:r>
+                  <a:rPr kumimoji="0" lang="en-US" altLang="en-US" b="0" i="0" u="none" strike="noStrike" cap="none" normalizeH="0" baseline="0" dirty="0">
+                    <a:ln>
+                      <a:noFill/>
+                    </a:ln>
+                    <a:solidFill>
+                      <a:srgbClr val="000000"/>
+                    </a:solidFill>
+                    <a:effectLst/>
+                    <a:latin typeface="Arial Unicode MS"/>
+                    <a:ea typeface="Courier New" panose="02070309020205020404" pitchFamily="49" charset="0"/>
+                  </a:rPr>
+                  <a:t>Initial guess of x</a:t>
+                </a:r>
+                <a:r>
+                  <a:rPr kumimoji="0" lang="en-US" altLang="en-US" b="0" i="0" u="none" strike="noStrike" cap="none" normalizeH="0" baseline="-25000" dirty="0">
+                    <a:ln>
+                      <a:noFill/>
+                    </a:ln>
+                    <a:solidFill>
+                      <a:srgbClr val="000000"/>
+                    </a:solidFill>
+                    <a:effectLst/>
+                    <a:latin typeface="Arial Unicode MS"/>
+                    <a:ea typeface="Courier New" panose="02070309020205020404" pitchFamily="49" charset="0"/>
+                  </a:rPr>
+                  <a:t>0</a:t>
+                </a:r>
+                <a:r>
+                  <a:rPr kumimoji="0" lang="en-US" altLang="en-US" b="0" i="0" u="none" strike="noStrike" cap="none" normalizeH="0" baseline="0" dirty="0">
+                    <a:ln>
+                      <a:noFill/>
+                    </a:ln>
+                    <a:solidFill>
+                      <a:srgbClr val="000000"/>
+                    </a:solidFill>
+                    <a:effectLst/>
+                    <a:latin typeface="Arial Unicode MS"/>
+                    <a:ea typeface="Courier New" panose="02070309020205020404" pitchFamily="49" charset="0"/>
+                  </a:rPr>
+                  <a:t>: </a:t>
+                </a:r>
+                <a:r>
+                  <a:rPr kumimoji="0" lang="en-US" altLang="en-US" b="0" i="0" u="none" strike="noStrike" cap="none" normalizeH="0" baseline="0" dirty="0">
+                    <a:ln>
+                      <a:noFill/>
+                    </a:ln>
+                    <a:solidFill>
+                      <a:schemeClr val="accent6">
+                        <a:lumMod val="75000"/>
+                      </a:schemeClr>
+                    </a:solidFill>
+                    <a:effectLst/>
+                    <a:latin typeface="Arial Unicode MS"/>
+                    <a:ea typeface="Courier New" panose="02070309020205020404" pitchFamily="49" charset="0"/>
+                  </a:rPr>
+                  <a:t>0.5</a:t>
+                </a:r>
+                <a:r>
+                  <a:rPr kumimoji="0" lang="en-US" altLang="en-US" b="0" i="0" u="none" strike="noStrike" cap="none" normalizeH="0" baseline="0" dirty="0">
+                    <a:ln>
+                      <a:noFill/>
+                    </a:ln>
+                    <a:solidFill>
+                      <a:srgbClr val="000000"/>
+                    </a:solidFill>
+                    <a:effectLst/>
+                    <a:latin typeface="Arial Unicode MS"/>
+                    <a:ea typeface="Courier New" panose="02070309020205020404" pitchFamily="49" charset="0"/>
+                  </a:rPr>
+                  <a:t> -&gt;</a:t>
+                </a:r>
+                <a:r>
+                  <a:rPr lang="en-US" altLang="en-US" dirty="0">
+                    <a:solidFill>
+                      <a:srgbClr val="000000"/>
+                    </a:solidFill>
+                    <a:latin typeface="Arial Unicode MS"/>
+                    <a:ea typeface="Courier New" panose="02070309020205020404" pitchFamily="49" charset="0"/>
+                  </a:rPr>
+                  <a:t> </a:t>
+                </a:r>
+                <a:r>
+                  <a:rPr kumimoji="0" lang="en-US" altLang="en-US" b="0" i="0" u="none" strike="noStrike" cap="none" normalizeH="0" baseline="0" dirty="0">
+                    <a:ln>
+                      <a:noFill/>
+                    </a:ln>
+                    <a:solidFill>
+                      <a:srgbClr val="000000"/>
+                    </a:solidFill>
+                    <a:effectLst/>
+                    <a:latin typeface="Arial Unicode MS"/>
+                    <a:ea typeface="Courier New" panose="02070309020205020404" pitchFamily="49" charset="0"/>
+                  </a:rPr>
+                  <a:t>Recommended next x to go: [</a:t>
+                </a:r>
+                <a:r>
+                  <a:rPr kumimoji="0" lang="en-US" altLang="en-US" sz="1800" b="0" i="0" u="none" strike="noStrike" cap="none" normalizeH="0" baseline="0" dirty="0">
+                    <a:ln>
+                      <a:noFill/>
+                    </a:ln>
+                    <a:solidFill>
+                      <a:srgbClr val="FF0000"/>
+                    </a:solidFill>
+                    <a:effectLst/>
+                    <a:latin typeface="Arial Unicode MS"/>
+                    <a:ea typeface="Courier New" panose="02070309020205020404" pitchFamily="49" charset="0"/>
+                  </a:rPr>
+                  <a:t>-1.41735332</a:t>
+                </a:r>
+                <a:r>
+                  <a:rPr kumimoji="0" lang="en-US" altLang="en-US" b="0" i="0" u="none" strike="noStrike" cap="none" normalizeH="0" baseline="0" dirty="0">
+                    <a:ln>
+                      <a:noFill/>
+                    </a:ln>
+                    <a:solidFill>
+                      <a:srgbClr val="000000"/>
+                    </a:solidFill>
+                    <a:effectLst/>
+                    <a:latin typeface="Arial Unicode MS"/>
+                    <a:ea typeface="Courier New" panose="02070309020205020404" pitchFamily="49" charset="0"/>
+                  </a:rPr>
+                  <a:t>]</a:t>
+                </a:r>
+                <a:r>
+                  <a:rPr kumimoji="0" lang="en-US" altLang="en-US" sz="1400" b="0" i="0" u="none" strike="noStrike" cap="none" normalizeH="0" baseline="0" dirty="0">
+                    <a:ln>
+                      <a:noFill/>
+                    </a:ln>
+                    <a:solidFill>
+                      <a:schemeClr val="tx1"/>
+                    </a:solidFill>
+                    <a:effectLst/>
+                  </a:rPr>
+                  <a:t> </a:t>
+                </a:r>
+                <a:endParaRPr kumimoji="0" lang="en-US" altLang="en-US" sz="4000" b="0" i="0" u="none" strike="noStrike" cap="none" normalizeH="0" baseline="0" dirty="0">
+                  <a:ln>
+                    <a:noFill/>
+                  </a:ln>
+                  <a:solidFill>
+                    <a:schemeClr val="tx1"/>
+                  </a:solidFill>
+                  <a:effectLst/>
+                  <a:latin typeface="Arial" panose="020B0604020202020204" pitchFamily="34" charset="0"/>
+                </a:endParaRPr>
+              </a:p>
+            </p:txBody>
+          </p:sp>
+          <p:sp>
+            <p:nvSpPr>
+              <p:cNvPr id="14" name="Rectangle 12">
+                <a:extLst>
+                  <a:ext uri="{FF2B5EF4-FFF2-40B4-BE49-F238E27FC236}">
+                    <a16:creationId xmlns:a16="http://schemas.microsoft.com/office/drawing/2014/main" id="{2A00DE30-C758-BEC7-838C-4836C6AE440B}"/>
+                  </a:ext>
+                </a:extLst>
+              </p:cNvPr>
+              <p:cNvSpPr>
+                <a:spLocks noChangeArrowheads="1"/>
+              </p:cNvSpPr>
+              <p:nvPr/>
+            </p:nvSpPr>
+            <p:spPr bwMode="auto">
+              <a:xfrm>
+                <a:off x="0" y="90100"/>
+                <a:ext cx="65" cy="276999"/>
+              </a:xfrm>
+              <a:prstGeom prst="rect">
+                <a:avLst/>
+              </a:prstGeom>
+              <a:solidFill>
+                <a:srgbClr val="FFFFFF"/>
+              </a:solidFill>
+              <a:ln>
+                <a:noFill/>
+              </a:ln>
+              <a:effectLst/>
+              <a:extLst>
+                <a:ext uri="{91240B29-F687-4F45-9708-019B960494DF}">
+                  <a14:hiddenLine xmlns:a14="http://schemas.microsoft.com/office/drawing/2010/main" w="9525">
+                    <a:solidFill>
+                      <a:schemeClr val="tx1"/>
+                    </a:solidFill>
+                    <a:miter lim="800000"/>
+                    <a:headEnd/>
+                    <a:tailEnd/>
+                  </a14:hiddenLine>
+                </a:ext>
+                <a:ext uri="{AF507438-7753-43E0-B8FC-AC1667EBCBE1}">
+                  <a14:hiddenEffects xmlns:a14="http://schemas.microsoft.com/office/drawing/2010/main">
+                    <a:effectLst>
+                      <a:outerShdw dist="35921" dir="2700000" algn="ctr" rotWithShape="0">
+                        <a:schemeClr val="bg2"/>
+                      </a:outerShdw>
+                    </a:effectLst>
+                  </a14:hiddenEffects>
+                </a:ext>
+              </a:extLst>
+            </p:spPr>
+            <p:txBody>
+              <a:bodyPr vert="horz" wrap="none" lIns="0" tIns="0" rIns="0" bIns="0" numCol="1" anchor="ctr" anchorCtr="0" compatLnSpc="1">
+                <a:prstTxWarp prst="textNoShape">
+                  <a:avLst/>
+                </a:prstTxWarp>
+                <a:spAutoFit/>
+              </a:bodyPr>
+              <a:lstStyle/>
+              <a:p>
+                <a:pPr marL="0" marR="0" lvl="0" indent="0" algn="l" defTabSz="914400" rtl="0" eaLnBrk="0" fontAlgn="base" latinLnBrk="0" hangingPunct="0">
+                  <a:lnSpc>
+                    <a:spcPct val="100000"/>
+                  </a:lnSpc>
+                  <a:spcBef>
+                    <a:spcPct val="0"/>
+                  </a:spcBef>
+                  <a:spcAft>
+                    <a:spcPct val="0"/>
+                  </a:spcAft>
+                  <a:buClrTx/>
+                  <a:buSzTx/>
+                  <a:buFontTx/>
+                  <a:buNone/>
+                  <a:tabLst/>
+                </a:pPr>
+                <a:endParaRPr kumimoji="0" lang="en-US" altLang="en-US" sz="1800" b="0" i="0" u="none" strike="noStrike" cap="none" normalizeH="0" baseline="0" dirty="0">
+                  <a:ln>
+                    <a:noFill/>
+                  </a:ln>
+                  <a:solidFill>
+                    <a:schemeClr val="tx1"/>
+                  </a:solidFill>
+                  <a:effectLst/>
+                  <a:latin typeface="Arial" panose="020B0604020202020204" pitchFamily="34" charset="0"/>
+                </a:endParaRPr>
+              </a:p>
+            </p:txBody>
+          </p:sp>
+          <p:pic>
+            <p:nvPicPr>
+              <p:cNvPr id="1038" name="Picture 14">
+                <a:extLst>
+                  <a:ext uri="{FF2B5EF4-FFF2-40B4-BE49-F238E27FC236}">
+                    <a16:creationId xmlns:a16="http://schemas.microsoft.com/office/drawing/2014/main" id="{23826D61-7A4F-1F05-C7E5-3E0262EE941C}"/>
+                  </a:ext>
+                </a:extLst>
+              </p:cNvPr>
+              <p:cNvPicPr>
+                <a:picLocks noChangeAspect="1" noChangeArrowheads="1"/>
+              </p:cNvPicPr>
+              <p:nvPr/>
+            </p:nvPicPr>
+            <p:blipFill>
+              <a:blip r:embed="rId4">
+                <a:extLst>
+                  <a:ext uri="{28A0092B-C50C-407E-A947-70E740481C1C}">
+                    <a14:useLocalDpi xmlns:a14="http://schemas.microsoft.com/office/drawing/2010/main" val="0"/>
+                  </a:ext>
+                </a:extLst>
+              </a:blip>
+              <a:srcRect/>
+              <a:stretch>
+                <a:fillRect/>
+              </a:stretch>
+            </p:blipFill>
+            <p:spPr bwMode="auto">
+              <a:xfrm>
+                <a:off x="203200" y="5978355"/>
+                <a:ext cx="3505200" cy="2362200"/>
+              </a:xfrm>
+              <a:prstGeom prst="rect">
+                <a:avLst/>
+              </a:prstGeom>
+              <a:noFill/>
+              <a:extLst>
+                <a:ext uri="{909E8E84-426E-40DD-AFC4-6F175D3DCCD1}">
+                  <a14:hiddenFill xmlns:a14="http://schemas.microsoft.com/office/drawing/2010/main">
+                    <a:solidFill>
+                      <a:srgbClr val="FFFFFF"/>
+                    </a:solidFill>
+                  </a14:hiddenFill>
+                </a:ext>
+              </a:extLst>
+            </p:spPr>
+          </p:pic>
+          <p:sp>
+            <p:nvSpPr>
+              <p:cNvPr id="15" name="Rectangle 7">
+                <a:extLst>
+                  <a:ext uri="{FF2B5EF4-FFF2-40B4-BE49-F238E27FC236}">
+                    <a16:creationId xmlns:a16="http://schemas.microsoft.com/office/drawing/2014/main" id="{2F3031E7-D7AB-88A4-C8DF-4D3C29D7E0CC}"/>
+                  </a:ext>
+                </a:extLst>
+              </p:cNvPr>
+              <p:cNvSpPr>
+                <a:spLocks noChangeArrowheads="1"/>
+              </p:cNvSpPr>
+              <p:nvPr/>
+            </p:nvSpPr>
+            <p:spPr bwMode="auto">
+              <a:xfrm>
+                <a:off x="453707" y="8446909"/>
+                <a:ext cx="7403465" cy="553998"/>
+              </a:xfrm>
+              <a:prstGeom prst="rect">
+                <a:avLst/>
+              </a:prstGeom>
+              <a:solidFill>
+                <a:srgbClr val="FFFFFF"/>
+              </a:solidFill>
+              <a:ln>
+                <a:noFill/>
+              </a:ln>
+              <a:effectLst/>
+              <a:extLst>
+                <a:ext uri="{91240B29-F687-4F45-9708-019B960494DF}">
+                  <a14:hiddenLine xmlns:a14="http://schemas.microsoft.com/office/drawing/2010/main" w="9525">
+                    <a:solidFill>
+                      <a:schemeClr val="tx1"/>
+                    </a:solidFill>
+                    <a:miter lim="800000"/>
+                    <a:headEnd/>
+                    <a:tailEnd/>
+                  </a14:hiddenLine>
+                </a:ext>
+                <a:ext uri="{AF507438-7753-43E0-B8FC-AC1667EBCBE1}">
+                  <a14:hiddenEffects xmlns:a14="http://schemas.microsoft.com/office/drawing/2010/main">
+                    <a:effectLst>
+                      <a:outerShdw dist="35921" dir="2700000" algn="ctr" rotWithShape="0">
+                        <a:schemeClr val="bg2"/>
+                      </a:outerShdw>
+                    </a:effectLst>
+                  </a14:hiddenEffects>
+                </a:ext>
+              </a:extLst>
+            </p:spPr>
+            <p:txBody>
+              <a:bodyPr vert="horz" wrap="square" lIns="0" tIns="0" rIns="0" bIns="0" numCol="1" anchor="ctr" anchorCtr="0" compatLnSpc="1">
+                <a:prstTxWarp prst="textNoShape">
+                  <a:avLst/>
+                </a:prstTxWarp>
+                <a:spAutoFit/>
+              </a:bodyPr>
+              <a:lstStyle/>
+              <a:p>
+                <a:pPr marL="0" marR="0" lvl="0" indent="0" algn="l" defTabSz="914400" rtl="0" eaLnBrk="0" fontAlgn="base" latinLnBrk="0" hangingPunct="0">
+                  <a:lnSpc>
+                    <a:spcPct val="100000"/>
+                  </a:lnSpc>
+                  <a:spcBef>
+                    <a:spcPct val="0"/>
+                  </a:spcBef>
+                  <a:spcAft>
+                    <a:spcPct val="0"/>
+                  </a:spcAft>
+                  <a:buClrTx/>
+                  <a:buSzTx/>
+                  <a:buFontTx/>
+                  <a:buNone/>
+                  <a:tabLst/>
+                </a:pPr>
+                <a:r>
+                  <a:rPr kumimoji="0" lang="en-US" altLang="en-US" b="0" i="0" u="none" strike="noStrike" cap="none" normalizeH="0" baseline="0" dirty="0">
+                    <a:ln>
+                      <a:noFill/>
+                    </a:ln>
+                    <a:solidFill>
+                      <a:srgbClr val="000000"/>
+                    </a:solidFill>
+                    <a:effectLst/>
+                    <a:latin typeface="Arial Unicode MS"/>
+                    <a:ea typeface="Courier New" panose="02070309020205020404" pitchFamily="49" charset="0"/>
+                  </a:rPr>
+                  <a:t>Initial guess of x</a:t>
+                </a:r>
+                <a:r>
+                  <a:rPr kumimoji="0" lang="en-US" altLang="en-US" b="0" i="0" u="none" strike="noStrike" cap="none" normalizeH="0" baseline="-25000" dirty="0">
+                    <a:ln>
+                      <a:noFill/>
+                    </a:ln>
+                    <a:solidFill>
+                      <a:srgbClr val="000000"/>
+                    </a:solidFill>
+                    <a:effectLst/>
+                    <a:latin typeface="Arial Unicode MS"/>
+                    <a:ea typeface="Courier New" panose="02070309020205020404" pitchFamily="49" charset="0"/>
+                  </a:rPr>
+                  <a:t>0</a:t>
+                </a:r>
+                <a:r>
+                  <a:rPr kumimoji="0" lang="en-US" altLang="en-US" b="0" i="0" u="none" strike="noStrike" cap="none" normalizeH="0" baseline="0" dirty="0">
+                    <a:ln>
+                      <a:noFill/>
+                    </a:ln>
+                    <a:solidFill>
+                      <a:srgbClr val="000000"/>
+                    </a:solidFill>
+                    <a:effectLst/>
+                    <a:latin typeface="Arial Unicode MS"/>
+                    <a:ea typeface="Courier New" panose="02070309020205020404" pitchFamily="49" charset="0"/>
+                  </a:rPr>
+                  <a:t>: </a:t>
+                </a:r>
+                <a:r>
+                  <a:rPr kumimoji="0" lang="en-US" altLang="en-US" b="0" i="0" u="none" strike="noStrike" cap="none" normalizeH="0" baseline="0" dirty="0">
+                    <a:ln>
+                      <a:noFill/>
+                    </a:ln>
+                    <a:solidFill>
+                      <a:schemeClr val="accent5">
+                        <a:lumMod val="75000"/>
+                      </a:schemeClr>
+                    </a:solidFill>
+                    <a:effectLst/>
+                    <a:latin typeface="Arial Unicode MS"/>
+                    <a:ea typeface="Courier New" panose="02070309020205020404" pitchFamily="49" charset="0"/>
+                  </a:rPr>
+                  <a:t>-0.006 (and add results to the prior experimental set) </a:t>
+                </a:r>
+              </a:p>
+              <a:p>
+                <a:pPr marL="0" marR="0" lvl="0" indent="0" algn="l" defTabSz="914400" rtl="0" eaLnBrk="0" fontAlgn="base" latinLnBrk="0" hangingPunct="0">
+                  <a:lnSpc>
+                    <a:spcPct val="100000"/>
+                  </a:lnSpc>
+                  <a:spcBef>
+                    <a:spcPct val="0"/>
+                  </a:spcBef>
+                  <a:spcAft>
+                    <a:spcPct val="0"/>
+                  </a:spcAft>
+                  <a:buClrTx/>
+                  <a:buSzTx/>
+                  <a:buFontTx/>
+                  <a:buNone/>
+                  <a:tabLst/>
+                </a:pPr>
+                <a:r>
+                  <a:rPr kumimoji="0" lang="en-US" altLang="en-US" b="0" i="0" u="none" strike="noStrike" cap="none" normalizeH="0" baseline="0" dirty="0">
+                    <a:ln>
+                      <a:noFill/>
+                    </a:ln>
+                    <a:solidFill>
+                      <a:srgbClr val="000000"/>
+                    </a:solidFill>
+                    <a:effectLst/>
+                    <a:latin typeface="Arial Unicode MS"/>
+                    <a:ea typeface="Courier New" panose="02070309020205020404" pitchFamily="49" charset="0"/>
+                  </a:rPr>
+                  <a:t>-&gt;</a:t>
+                </a:r>
+                <a:r>
+                  <a:rPr lang="en-US" altLang="en-US" dirty="0">
+                    <a:solidFill>
+                      <a:srgbClr val="000000"/>
+                    </a:solidFill>
+                    <a:latin typeface="Arial Unicode MS"/>
+                    <a:ea typeface="Courier New" panose="02070309020205020404" pitchFamily="49" charset="0"/>
+                  </a:rPr>
+                  <a:t> </a:t>
+                </a:r>
+                <a:r>
+                  <a:rPr kumimoji="0" lang="en-US" altLang="en-US" b="0" i="0" u="none" strike="noStrike" cap="none" normalizeH="0" baseline="0" dirty="0">
+                    <a:ln>
+                      <a:noFill/>
+                    </a:ln>
+                    <a:solidFill>
+                      <a:srgbClr val="000000"/>
+                    </a:solidFill>
+                    <a:effectLst/>
+                    <a:latin typeface="Arial Unicode MS"/>
+                    <a:ea typeface="Courier New" panose="02070309020205020404" pitchFamily="49" charset="0"/>
+                  </a:rPr>
+                  <a:t>Recommended next x to go: [</a:t>
+                </a:r>
+                <a:r>
+                  <a:rPr kumimoji="0" lang="en-US" altLang="en-US" sz="1800" b="0" i="0" u="none" strike="noStrike" cap="none" normalizeH="0" baseline="0" dirty="0">
+                    <a:ln>
+                      <a:noFill/>
+                    </a:ln>
+                    <a:solidFill>
+                      <a:srgbClr val="FF0000"/>
+                    </a:solidFill>
+                    <a:effectLst/>
+                    <a:latin typeface="Arial Unicode MS"/>
+                    <a:ea typeface="Courier New" panose="02070309020205020404" pitchFamily="49" charset="0"/>
+                  </a:rPr>
+                  <a:t>-1.45539305</a:t>
+                </a:r>
+                <a:r>
+                  <a:rPr kumimoji="0" lang="en-US" altLang="en-US" b="0" i="0" u="none" strike="noStrike" cap="none" normalizeH="0" baseline="0" dirty="0">
+                    <a:ln>
+                      <a:noFill/>
+                    </a:ln>
+                    <a:solidFill>
+                      <a:srgbClr val="000000"/>
+                    </a:solidFill>
+                    <a:effectLst/>
+                    <a:latin typeface="Arial Unicode MS"/>
+                    <a:ea typeface="Courier New" panose="02070309020205020404" pitchFamily="49" charset="0"/>
+                  </a:rPr>
+                  <a:t>]</a:t>
+                </a:r>
+                <a:r>
+                  <a:rPr kumimoji="0" lang="en-US" altLang="en-US" sz="1400" b="0" i="0" u="none" strike="noStrike" cap="none" normalizeH="0" baseline="0" dirty="0">
+                    <a:ln>
+                      <a:noFill/>
+                    </a:ln>
+                    <a:solidFill>
+                      <a:schemeClr val="tx1"/>
+                    </a:solidFill>
+                    <a:effectLst/>
+                  </a:rPr>
+                  <a:t> </a:t>
+                </a:r>
+                <a:endParaRPr kumimoji="0" lang="en-US" altLang="en-US" sz="4000" b="0" i="0" u="none" strike="noStrike" cap="none" normalizeH="0" baseline="0" dirty="0">
+                  <a:ln>
+                    <a:noFill/>
+                  </a:ln>
+                  <a:solidFill>
+                    <a:schemeClr val="tx1"/>
+                  </a:solidFill>
+                  <a:effectLst/>
+                  <a:latin typeface="Arial" panose="020B0604020202020204" pitchFamily="34" charset="0"/>
+                </a:endParaRPr>
+              </a:p>
+            </p:txBody>
+          </p:sp>
+          <p:pic>
+            <p:nvPicPr>
+              <p:cNvPr id="1040" name="Picture 16">
+                <a:extLst>
+                  <a:ext uri="{FF2B5EF4-FFF2-40B4-BE49-F238E27FC236}">
+                    <a16:creationId xmlns:a16="http://schemas.microsoft.com/office/drawing/2014/main" id="{B15353C7-4921-D7C8-1203-2A6CF164DBB2}"/>
+                  </a:ext>
+                </a:extLst>
+              </p:cNvPr>
+              <p:cNvPicPr>
+                <a:picLocks noChangeAspect="1" noChangeArrowheads="1"/>
+              </p:cNvPicPr>
+              <p:nvPr/>
+            </p:nvPicPr>
+            <p:blipFill>
+              <a:blip r:embed="rId5">
+                <a:extLst>
+                  <a:ext uri="{28A0092B-C50C-407E-A947-70E740481C1C}">
+                    <a14:useLocalDpi xmlns:a14="http://schemas.microsoft.com/office/drawing/2010/main" val="0"/>
+                  </a:ext>
+                </a:extLst>
+              </a:blip>
+              <a:srcRect/>
+              <a:stretch>
+                <a:fillRect/>
+              </a:stretch>
+            </p:blipFill>
+            <p:spPr bwMode="auto">
+              <a:xfrm>
+                <a:off x="203200" y="9053527"/>
+                <a:ext cx="3505200" cy="2362200"/>
+              </a:xfrm>
+              <a:prstGeom prst="rect">
+                <a:avLst/>
+              </a:prstGeom>
+              <a:noFill/>
+              <a:extLst>
+                <a:ext uri="{909E8E84-426E-40DD-AFC4-6F175D3DCCD1}">
+                  <a14:hiddenFill xmlns:a14="http://schemas.microsoft.com/office/drawing/2010/main">
+                    <a:solidFill>
+                      <a:srgbClr val="FFFFFF"/>
+                    </a:solidFill>
+                  </a14:hiddenFill>
+                </a:ext>
+              </a:extLst>
+            </p:spPr>
+          </p:pic>
+          <p:sp>
+            <p:nvSpPr>
+              <p:cNvPr id="16" name="Rectangle 17">
+                <a:extLst>
+                  <a:ext uri="{FF2B5EF4-FFF2-40B4-BE49-F238E27FC236}">
+                    <a16:creationId xmlns:a16="http://schemas.microsoft.com/office/drawing/2014/main" id="{EE2DE779-9867-13ED-AFD2-A1F0EA0F649C}"/>
+                  </a:ext>
+                </a:extLst>
+              </p:cNvPr>
+              <p:cNvSpPr>
+                <a:spLocks noChangeArrowheads="1"/>
+              </p:cNvSpPr>
+              <p:nvPr/>
+            </p:nvSpPr>
+            <p:spPr bwMode="auto">
+              <a:xfrm>
+                <a:off x="4194177" y="9537039"/>
+                <a:ext cx="5862312" cy="307777"/>
+              </a:xfrm>
+              <a:prstGeom prst="rect">
+                <a:avLst/>
+              </a:prstGeom>
+              <a:solidFill>
+                <a:srgbClr val="FFFFFF"/>
+              </a:solidFill>
+              <a:ln>
+                <a:noFill/>
+              </a:ln>
+              <a:effectLst/>
+              <a:extLst>
+                <a:ext uri="{91240B29-F687-4F45-9708-019B960494DF}">
+                  <a14:hiddenLine xmlns:a14="http://schemas.microsoft.com/office/drawing/2010/main" w="9525">
+                    <a:solidFill>
+                      <a:schemeClr val="tx1"/>
+                    </a:solidFill>
+                    <a:miter lim="800000"/>
+                    <a:headEnd/>
+                    <a:tailEnd/>
+                  </a14:hiddenLine>
+                </a:ext>
+                <a:ext uri="{AF507438-7753-43E0-B8FC-AC1667EBCBE1}">
+                  <a14:hiddenEffects xmlns:a14="http://schemas.microsoft.com/office/drawing/2010/main">
+                    <a:effectLst>
+                      <a:outerShdw dist="35921" dir="2700000" algn="ctr" rotWithShape="0">
+                        <a:schemeClr val="bg2"/>
+                      </a:outerShdw>
+                    </a:effectLst>
+                  </a14:hiddenEffects>
+                </a:ext>
+              </a:extLst>
+            </p:spPr>
+            <p:txBody>
+              <a:bodyPr vert="horz" wrap="square" lIns="0" tIns="0" rIns="0" bIns="0" numCol="1" anchor="ctr" anchorCtr="0" compatLnSpc="1">
+                <a:prstTxWarp prst="textNoShape">
+                  <a:avLst/>
+                </a:prstTxWarp>
+                <a:spAutoFit/>
+              </a:bodyPr>
+              <a:lstStyle/>
+              <a:p>
+                <a:pPr marL="0" marR="0" lvl="0" indent="0" algn="l" defTabSz="914400" rtl="0" eaLnBrk="0" fontAlgn="base" latinLnBrk="0" hangingPunct="0">
+                  <a:lnSpc>
+                    <a:spcPct val="100000"/>
+                  </a:lnSpc>
+                  <a:spcBef>
+                    <a:spcPct val="0"/>
+                  </a:spcBef>
+                  <a:spcAft>
+                    <a:spcPct val="0"/>
+                  </a:spcAft>
+                  <a:buClrTx/>
+                  <a:buSzTx/>
+                  <a:buFontTx/>
+                  <a:buNone/>
+                  <a:tabLst/>
+                </a:pPr>
+                <a:r>
+                  <a:rPr kumimoji="0" lang="en-US" altLang="en-US" sz="2000" b="0" i="0" u="none" strike="noStrike" cap="none" normalizeH="0" baseline="0" dirty="0">
+                    <a:ln>
+                      <a:noFill/>
+                    </a:ln>
+                    <a:solidFill>
+                      <a:srgbClr val="000000"/>
+                    </a:solidFill>
+                    <a:effectLst/>
+                    <a:latin typeface="Arial Unicode MS"/>
+                    <a:ea typeface="Courier New" panose="02070309020205020404" pitchFamily="49" charset="0"/>
+                  </a:rPr>
+                  <a:t>12.2**2 * RBF(</a:t>
+                </a:r>
+                <a:r>
+                  <a:rPr kumimoji="0" lang="en-US" altLang="en-US" sz="2000" b="0" i="0" u="none" strike="noStrike" cap="none" normalizeH="0" baseline="0" dirty="0" err="1">
+                    <a:ln>
+                      <a:noFill/>
+                    </a:ln>
+                    <a:solidFill>
+                      <a:srgbClr val="000000"/>
+                    </a:solidFill>
+                    <a:effectLst/>
+                    <a:latin typeface="Arial Unicode MS"/>
+                    <a:ea typeface="Courier New" panose="02070309020205020404" pitchFamily="49" charset="0"/>
+                  </a:rPr>
+                  <a:t>length_scale</a:t>
+                </a:r>
+                <a:r>
+                  <a:rPr kumimoji="0" lang="en-US" altLang="en-US" sz="2000" b="0" i="0" u="none" strike="noStrike" cap="none" normalizeH="0" baseline="0" dirty="0">
+                    <a:ln>
+                      <a:noFill/>
+                    </a:ln>
+                    <a:solidFill>
+                      <a:srgbClr val="000000"/>
+                    </a:solidFill>
+                    <a:effectLst/>
+                    <a:latin typeface="Arial Unicode MS"/>
+                    <a:ea typeface="Courier New" panose="02070309020205020404" pitchFamily="49" charset="0"/>
+                  </a:rPr>
+                  <a:t>=</a:t>
+                </a:r>
+                <a:r>
+                  <a:rPr kumimoji="0" lang="en-US" altLang="en-US" sz="2000" b="0" i="0" u="none" strike="noStrike" cap="none" normalizeH="0" baseline="0" dirty="0">
+                    <a:ln>
+                      <a:noFill/>
+                    </a:ln>
+                    <a:solidFill>
+                      <a:srgbClr val="FF0000"/>
+                    </a:solidFill>
+                    <a:effectLst/>
+                    <a:latin typeface="Arial Unicode MS"/>
+                    <a:ea typeface="Courier New" panose="02070309020205020404" pitchFamily="49" charset="0"/>
+                  </a:rPr>
+                  <a:t>3.63</a:t>
+                </a:r>
+                <a:r>
+                  <a:rPr kumimoji="0" lang="en-US" altLang="en-US" sz="2000" b="0" i="0" u="none" strike="noStrike" cap="none" normalizeH="0" baseline="0" dirty="0">
+                    <a:ln>
+                      <a:noFill/>
+                    </a:ln>
+                    <a:solidFill>
+                      <a:srgbClr val="000000"/>
+                    </a:solidFill>
+                    <a:effectLst/>
+                    <a:latin typeface="Arial Unicode MS"/>
+                    <a:ea typeface="Courier New" panose="02070309020205020404" pitchFamily="49" charset="0"/>
+                  </a:rPr>
+                  <a:t>) + 0.00318**2</a:t>
+                </a:r>
+                <a:r>
+                  <a:rPr kumimoji="0" lang="en-US" altLang="en-US" sz="1600" b="0" i="0" u="none" strike="noStrike" cap="none" normalizeH="0" baseline="0" dirty="0">
+                    <a:ln>
+                      <a:noFill/>
+                    </a:ln>
+                    <a:solidFill>
+                      <a:schemeClr val="tx1"/>
+                    </a:solidFill>
+                    <a:effectLst/>
+                  </a:rPr>
+                  <a:t> </a:t>
+                </a:r>
+                <a:endParaRPr kumimoji="0" lang="en-US" altLang="en-US" sz="4400" b="0" i="0" u="none" strike="noStrike" cap="none" normalizeH="0" baseline="0" dirty="0">
+                  <a:ln>
+                    <a:noFill/>
+                  </a:ln>
+                  <a:solidFill>
+                    <a:schemeClr val="tx1"/>
+                  </a:solidFill>
+                  <a:effectLst/>
+                  <a:latin typeface="Arial" panose="020B0604020202020204" pitchFamily="34" charset="0"/>
+                </a:endParaRPr>
+              </a:p>
+            </p:txBody>
+          </p:sp>
+          <p:sp>
+            <p:nvSpPr>
+              <p:cNvPr id="18" name="TextBox 17">
+                <a:extLst>
+                  <a:ext uri="{FF2B5EF4-FFF2-40B4-BE49-F238E27FC236}">
+                    <a16:creationId xmlns:a16="http://schemas.microsoft.com/office/drawing/2014/main" id="{41A232C9-DBE2-7B3A-7832-EE6B52544856}"/>
+                  </a:ext>
+                </a:extLst>
+              </p:cNvPr>
+              <p:cNvSpPr txBox="1"/>
+              <p:nvPr/>
+            </p:nvSpPr>
+            <p:spPr>
+              <a:xfrm>
+                <a:off x="4155439" y="9100870"/>
+                <a:ext cx="6096000" cy="461665"/>
+              </a:xfrm>
+              <a:prstGeom prst="rect">
+                <a:avLst/>
+              </a:prstGeom>
+              <a:noFill/>
+            </p:spPr>
+            <p:txBody>
+              <a:bodyPr wrap="square">
+                <a:spAutoFit/>
+              </a:bodyPr>
+              <a:lstStyle/>
+              <a:p>
+                <a:r>
+                  <a:rPr kumimoji="0" lang="en-US" altLang="en-US" sz="2400" b="0" i="0" u="none" strike="noStrike" cap="none" normalizeH="0" baseline="0" dirty="0">
+                    <a:ln>
+                      <a:noFill/>
+                    </a:ln>
+                    <a:solidFill>
+                      <a:srgbClr val="000000"/>
+                    </a:solidFill>
+                    <a:effectLst/>
+                    <a:latin typeface="Arial Unicode MS"/>
+                    <a:ea typeface="Courier New" panose="02070309020205020404" pitchFamily="49" charset="0"/>
+                  </a:rPr>
+                  <a:t>refined model:</a:t>
+                </a:r>
+                <a:endParaRPr lang="en-GB" sz="2400" dirty="0"/>
+              </a:p>
+            </p:txBody>
+          </p:sp>
+        </p:grpSp>
+        <p:sp>
+          <p:nvSpPr>
+            <p:cNvPr id="11" name="Rectangle 1">
               <a:extLst>
                 <a:ext uri="{FF2B5EF4-FFF2-40B4-BE49-F238E27FC236}">
-                  <a16:creationId xmlns:a16="http://schemas.microsoft.com/office/drawing/2014/main" id="{6D8CAFEC-1D59-1FA8-DB0E-90C3BCD883F2}"/>
-                </a:ext>
-              </a:extLst>
-            </p:cNvPr>
-            <p:cNvPicPr>
-              <a:picLocks noChangeAspect="1" noChangeArrowheads="1"/>
-            </p:cNvPicPr>
-            <p:nvPr/>
-          </p:nvPicPr>
-          <p:blipFill>
-            <a:blip r:embed="rId2">
-              <a:extLst>
-                <a:ext uri="{28A0092B-C50C-407E-A947-70E740481C1C}">
-                  <a14:useLocalDpi xmlns:a14="http://schemas.microsoft.com/office/drawing/2010/main" val="0"/>
-                </a:ext>
-              </a:extLst>
-            </a:blip>
-            <a:srcRect/>
-            <a:stretch>
-              <a:fillRect/>
-            </a:stretch>
-          </p:blipFill>
-          <p:spPr bwMode="auto">
-            <a:xfrm>
-              <a:off x="203200" y="518364"/>
-              <a:ext cx="3505200" cy="2390775"/>
-            </a:xfrm>
-            <a:prstGeom prst="rect">
-              <a:avLst/>
-            </a:prstGeom>
-            <a:noFill/>
-            <a:extLst>
-              <a:ext uri="{909E8E84-426E-40DD-AFC4-6F175D3DCCD1}">
-                <a14:hiddenFill xmlns:a14="http://schemas.microsoft.com/office/drawing/2010/main">
-                  <a:solidFill>
-                    <a:srgbClr val="FFFFFF"/>
-                  </a:solidFill>
-                </a14:hiddenFill>
-              </a:ext>
-            </a:extLst>
-          </p:spPr>
-        </p:pic>
-        <p:pic>
-          <p:nvPicPr>
-            <p:cNvPr id="1028" name="Picture 4">
-              <a:extLst>
-                <a:ext uri="{FF2B5EF4-FFF2-40B4-BE49-F238E27FC236}">
-                  <a16:creationId xmlns:a16="http://schemas.microsoft.com/office/drawing/2014/main" id="{06663F3C-754C-7622-0D4D-2D9FBB10E94A}"/>
-                </a:ext>
-              </a:extLst>
-            </p:cNvPr>
-            <p:cNvPicPr>
-              <a:picLocks noChangeAspect="1" noChangeArrowheads="1"/>
-            </p:cNvPicPr>
-            <p:nvPr/>
-          </p:nvPicPr>
-          <p:blipFill>
-            <a:blip r:embed="rId3">
-              <a:extLst>
-                <a:ext uri="{28A0092B-C50C-407E-A947-70E740481C1C}">
-                  <a14:useLocalDpi xmlns:a14="http://schemas.microsoft.com/office/drawing/2010/main" val="0"/>
-                </a:ext>
-              </a:extLst>
-            </a:blip>
-            <a:srcRect/>
-            <a:stretch>
-              <a:fillRect/>
-            </a:stretch>
-          </p:blipFill>
-          <p:spPr bwMode="auto">
-            <a:xfrm>
-              <a:off x="203200" y="3061139"/>
-              <a:ext cx="3505200" cy="2362200"/>
-            </a:xfrm>
-            <a:prstGeom prst="rect">
-              <a:avLst/>
-            </a:prstGeom>
-            <a:noFill/>
-            <a:extLst>
-              <a:ext uri="{909E8E84-426E-40DD-AFC4-6F175D3DCCD1}">
-                <a14:hiddenFill xmlns:a14="http://schemas.microsoft.com/office/drawing/2010/main">
-                  <a:solidFill>
-                    <a:srgbClr val="FFFFFF"/>
-                  </a:solidFill>
-                </a14:hiddenFill>
-              </a:ext>
-            </a:extLst>
-          </p:spPr>
-        </p:pic>
-        <p:sp>
-          <p:nvSpPr>
-            <p:cNvPr id="2" name="Rectangle 5">
-              <a:extLst>
-                <a:ext uri="{FF2B5EF4-FFF2-40B4-BE49-F238E27FC236}">
-                  <a16:creationId xmlns:a16="http://schemas.microsoft.com/office/drawing/2014/main" id="{88C41444-1263-A1C2-15EA-7C7C05772980}"/>
+                  <a16:creationId xmlns:a16="http://schemas.microsoft.com/office/drawing/2014/main" id="{4AD266B3-D32C-30A6-CA12-2ED5F556F47C}"/>
                 </a:ext>
               </a:extLst>
             </p:cNvPr>
@@ -3887,20 +5992,25 @@
           </p:nvSpPr>
           <p:spPr bwMode="auto">
             <a:xfrm>
-              <a:off x="4226560" y="1340514"/>
-              <a:ext cx="7762240" cy="553998"/>
+              <a:off x="4108002" y="1036001"/>
+              <a:ext cx="6078414" cy="400110"/>
             </a:xfrm>
             <a:prstGeom prst="rect">
               <a:avLst/>
             </a:prstGeom>
-            <a:solidFill>
-              <a:srgbClr val="FFFFFF"/>
-            </a:solidFill>
+            <a:noFill/>
             <a:ln>
               <a:noFill/>
             </a:ln>
             <a:effectLst/>
             <a:extLst>
+              <a:ext uri="{909E8E84-426E-40DD-AFC4-6F175D3DCCD1}">
+                <a14:hiddenFill xmlns:a14="http://schemas.microsoft.com/office/drawing/2010/main">
+                  <a:solidFill>
+                    <a:schemeClr val="accent1"/>
+                  </a:solidFill>
+                </a14:hiddenFill>
+              </a:ext>
               <a:ext uri="{91240B29-F687-4F45-9708-019B960494DF}">
                 <a14:hiddenLine xmlns:a14="http://schemas.microsoft.com/office/drawing/2010/main" w="9525">
                   <a:solidFill>
@@ -3923,13 +6033,140 @@
             </a:extLst>
           </p:spPr>
           <p:txBody>
-            <a:bodyPr vert="horz" wrap="square" lIns="0" tIns="0" rIns="0" bIns="0" numCol="1" anchor="ctr" anchorCtr="0" compatLnSpc="1">
+            <a:bodyPr vert="horz" wrap="square" lIns="91440" tIns="45720" rIns="91440" bIns="45720" numCol="1" anchor="ctr" anchorCtr="0" compatLnSpc="1">
               <a:prstTxWarp prst="textNoShape">
                 <a:avLst/>
               </a:prstTxWarp>
               <a:spAutoFit/>
             </a:bodyPr>
-            <a:lstStyle/>
+            <a:lstStyle>
+              <a:lvl1pPr eaLnBrk="0" fontAlgn="base" hangingPunct="0">
+                <a:spcBef>
+                  <a:spcPct val="30000"/>
+                </a:spcBef>
+                <a:spcAft>
+                  <a:spcPct val="0"/>
+                </a:spcAft>
+                <a:defRPr sz="1200">
+                  <a:solidFill>
+                    <a:schemeClr val="tx1"/>
+                  </a:solidFill>
+                  <a:latin typeface="Arial" panose="020B0604020202020204" pitchFamily="34" charset="0"/>
+                </a:defRPr>
+              </a:lvl1pPr>
+              <a:lvl2pPr eaLnBrk="0" fontAlgn="base" hangingPunct="0">
+                <a:spcBef>
+                  <a:spcPct val="30000"/>
+                </a:spcBef>
+                <a:spcAft>
+                  <a:spcPct val="0"/>
+                </a:spcAft>
+                <a:defRPr sz="1200">
+                  <a:solidFill>
+                    <a:schemeClr val="tx1"/>
+                  </a:solidFill>
+                  <a:latin typeface="Arial" panose="020B0604020202020204" pitchFamily="34" charset="0"/>
+                </a:defRPr>
+              </a:lvl2pPr>
+              <a:lvl3pPr eaLnBrk="0" fontAlgn="base" hangingPunct="0">
+                <a:spcBef>
+                  <a:spcPct val="30000"/>
+                </a:spcBef>
+                <a:spcAft>
+                  <a:spcPct val="0"/>
+                </a:spcAft>
+                <a:defRPr sz="1200">
+                  <a:solidFill>
+                    <a:schemeClr val="tx1"/>
+                  </a:solidFill>
+                  <a:latin typeface="Arial" panose="020B0604020202020204" pitchFamily="34" charset="0"/>
+                </a:defRPr>
+              </a:lvl3pPr>
+              <a:lvl4pPr eaLnBrk="0" fontAlgn="base" hangingPunct="0">
+                <a:spcBef>
+                  <a:spcPct val="30000"/>
+                </a:spcBef>
+                <a:spcAft>
+                  <a:spcPct val="0"/>
+                </a:spcAft>
+                <a:defRPr sz="1200">
+                  <a:solidFill>
+                    <a:schemeClr val="tx1"/>
+                  </a:solidFill>
+                  <a:latin typeface="Arial" panose="020B0604020202020204" pitchFamily="34" charset="0"/>
+                </a:defRPr>
+              </a:lvl4pPr>
+              <a:lvl5pPr eaLnBrk="0" fontAlgn="base" hangingPunct="0">
+                <a:spcBef>
+                  <a:spcPct val="30000"/>
+                </a:spcBef>
+                <a:spcAft>
+                  <a:spcPct val="0"/>
+                </a:spcAft>
+                <a:defRPr sz="1200">
+                  <a:solidFill>
+                    <a:schemeClr val="tx1"/>
+                  </a:solidFill>
+                  <a:latin typeface="Arial" panose="020B0604020202020204" pitchFamily="34" charset="0"/>
+                </a:defRPr>
+              </a:lvl5pPr>
+              <a:lvl6pPr eaLnBrk="0" fontAlgn="base" hangingPunct="0">
+                <a:spcBef>
+                  <a:spcPct val="30000"/>
+                </a:spcBef>
+                <a:spcAft>
+                  <a:spcPct val="0"/>
+                </a:spcAft>
+                <a:defRPr sz="1200">
+                  <a:solidFill>
+                    <a:schemeClr val="tx1"/>
+                  </a:solidFill>
+                  <a:latin typeface="Arial" panose="020B0604020202020204" pitchFamily="34" charset="0"/>
+                </a:defRPr>
+              </a:lvl6pPr>
+              <a:lvl7pPr eaLnBrk="0" fontAlgn="base" hangingPunct="0">
+                <a:spcBef>
+                  <a:spcPct val="30000"/>
+                </a:spcBef>
+                <a:spcAft>
+                  <a:spcPct val="0"/>
+                </a:spcAft>
+                <a:defRPr sz="1200">
+                  <a:solidFill>
+                    <a:schemeClr val="tx1"/>
+                  </a:solidFill>
+                  <a:latin typeface="Arial" panose="020B0604020202020204" pitchFamily="34" charset="0"/>
+                </a:defRPr>
+              </a:lvl7pPr>
+              <a:lvl8pPr eaLnBrk="0" fontAlgn="base" hangingPunct="0">
+                <a:spcBef>
+                  <a:spcPct val="30000"/>
+                </a:spcBef>
+                <a:spcAft>
+                  <a:spcPct val="0"/>
+                </a:spcAft>
+                <a:defRPr sz="1200">
+                  <a:solidFill>
+                    <a:schemeClr val="tx1"/>
+                  </a:solidFill>
+                  <a:latin typeface="Arial" panose="020B0604020202020204" pitchFamily="34" charset="0"/>
+                </a:defRPr>
+              </a:lvl8pPr>
+              <a:lvl9pPr eaLnBrk="0" fontAlgn="base" hangingPunct="0">
+                <a:spcBef>
+                  <a:spcPct val="30000"/>
+                </a:spcBef>
+                <a:spcAft>
+                  <a:spcPct val="0"/>
+                </a:spcAft>
+                <a:defRPr sz="1200">
+                  <a:solidFill>
+                    <a:schemeClr val="tx1"/>
+                  </a:solidFill>
+                  <a:latin typeface="Arial" panose="020B0604020202020204" pitchFamily="34" charset="0"/>
+                </a:defRPr>
+              </a:lvl9pPr>
+            </a:lstStyle>
             <a:p>
               <a:pPr marL="0" marR="0" lvl="0" indent="0" algn="l" defTabSz="914400" rtl="0" eaLnBrk="0" fontAlgn="base" latinLnBrk="0" hangingPunct="0">
                 <a:lnSpc>
@@ -3948,120 +6185,7 @@
                 <a:tabLst/>
               </a:pPr>
               <a:r>
-                <a:rPr kumimoji="0" lang="en-US" altLang="en-US" b="0" i="0" u="none" strike="noStrike" cap="none" normalizeH="0" baseline="0" dirty="0" err="1">
-                  <a:ln>
-                    <a:noFill/>
-                  </a:ln>
-                  <a:solidFill>
-                    <a:srgbClr val="000000"/>
-                  </a:solidFill>
-                  <a:effectLst/>
-                  <a:latin typeface="Arial Unicode MS"/>
-                  <a:ea typeface="Courier New" panose="02070309020205020404" pitchFamily="49" charset="0"/>
-                </a:rPr>
-                <a:t>GaussianProcessRegressor</a:t>
-              </a:r>
-              <a:endParaRPr kumimoji="0" lang="en-US" altLang="en-US" b="0" i="0" u="none" strike="noStrike" cap="none" normalizeH="0" baseline="0" dirty="0">
-                <a:ln>
-                  <a:noFill/>
-                </a:ln>
-                <a:solidFill>
-                  <a:srgbClr val="000000"/>
-                </a:solidFill>
-                <a:effectLst/>
-                <a:latin typeface="Arial Unicode MS"/>
-                <a:ea typeface="Courier New" panose="02070309020205020404" pitchFamily="49" charset="0"/>
-              </a:endParaRPr>
-            </a:p>
-            <a:p>
-              <a:pPr marL="0" marR="0" lvl="0" indent="0" algn="l" defTabSz="914400" rtl="0" eaLnBrk="0" fontAlgn="base" latinLnBrk="0" hangingPunct="0">
-                <a:lnSpc>
-                  <a:spcPct val="100000"/>
-                </a:lnSpc>
-                <a:spcBef>
-                  <a:spcPct val="0"/>
-                </a:spcBef>
-                <a:spcAft>
-                  <a:spcPct val="0"/>
-                </a:spcAft>
-                <a:buClrTx/>
-                <a:buSzTx/>
-                <a:buFontTx/>
-                <a:buNone/>
-                <a:tabLst/>
-              </a:pPr>
-              <a:r>
-                <a:rPr kumimoji="0" lang="en-US" altLang="en-US" b="0" i="0" u="none" strike="noStrike" cap="none" normalizeH="0" baseline="0" dirty="0">
-                  <a:ln>
-                    <a:noFill/>
-                  </a:ln>
-                  <a:solidFill>
-                    <a:srgbClr val="000000"/>
-                  </a:solidFill>
-                  <a:effectLst/>
-                  <a:latin typeface="Arial Unicode MS"/>
-                  <a:ea typeface="Courier New" panose="02070309020205020404" pitchFamily="49" charset="0"/>
-                </a:rPr>
-                <a:t>(alpha=0.1, kernel=1**2 * RBF(</a:t>
-              </a:r>
-              <a:r>
-                <a:rPr kumimoji="0" lang="en-US" altLang="en-US" b="0" i="0" u="none" strike="noStrike" cap="none" normalizeH="0" baseline="0" dirty="0" err="1">
-                  <a:ln>
-                    <a:noFill/>
-                  </a:ln>
-                  <a:solidFill>
-                    <a:srgbClr val="000000"/>
-                  </a:solidFill>
-                  <a:effectLst/>
-                  <a:latin typeface="Arial Unicode MS"/>
-                  <a:ea typeface="Courier New" panose="02070309020205020404" pitchFamily="49" charset="0"/>
-                </a:rPr>
-                <a:t>length_scale</a:t>
-              </a:r>
-              <a:r>
-                <a:rPr kumimoji="0" lang="en-US" altLang="en-US" b="0" i="0" u="none" strike="noStrike" cap="none" normalizeH="0" baseline="0" dirty="0">
-                  <a:ln>
-                    <a:noFill/>
-                  </a:ln>
-                  <a:solidFill>
-                    <a:srgbClr val="000000"/>
-                  </a:solidFill>
-                  <a:effectLst/>
-                  <a:latin typeface="Arial Unicode MS"/>
-                  <a:ea typeface="Courier New" panose="02070309020205020404" pitchFamily="49" charset="0"/>
-                </a:rPr>
-                <a:t>=1) + 0**2, </a:t>
-              </a:r>
-              <a:r>
-                <a:rPr kumimoji="0" lang="en-US" altLang="en-US" b="0" i="0" u="none" strike="noStrike" cap="none" normalizeH="0" baseline="0" dirty="0" err="1">
-                  <a:ln>
-                    <a:noFill/>
-                  </a:ln>
-                  <a:solidFill>
-                    <a:srgbClr val="000000"/>
-                  </a:solidFill>
-                  <a:effectLst/>
-                  <a:latin typeface="Arial Unicode MS"/>
-                  <a:ea typeface="Courier New" panose="02070309020205020404" pitchFamily="49" charset="0"/>
-                </a:rPr>
-                <a:t>random_state</a:t>
-              </a:r>
-              <a:r>
-                <a:rPr kumimoji="0" lang="en-US" altLang="en-US" b="0" i="0" u="none" strike="noStrike" cap="none" normalizeH="0" baseline="0" dirty="0">
-                  <a:ln>
-                    <a:noFill/>
-                  </a:ln>
-                  <a:solidFill>
-                    <a:srgbClr val="000000"/>
-                  </a:solidFill>
-                  <a:effectLst/>
-                  <a:latin typeface="Arial Unicode MS"/>
-                  <a:ea typeface="Courier New" panose="02070309020205020404" pitchFamily="49" charset="0"/>
-                </a:rPr>
-                <a:t>=1)</a:t>
-              </a:r>
-              <a:r>
-                <a:rPr kumimoji="0" lang="en-US" altLang="en-US" sz="1400" b="0" i="0" u="none" strike="noStrike" cap="none" normalizeH="0" baseline="0" dirty="0">
+                <a:rPr kumimoji="0" lang="en-US" altLang="en-US" sz="2000" b="1" i="0" u="none" strike="noStrike" cap="none" normalizeH="0" dirty="0">
                   <a:ln>
                     <a:noFill/>
                   </a:ln>
@@ -4069,28 +6193,253 @@
                     <a:schemeClr val="tx1"/>
                   </a:solidFill>
                   <a:effectLst/>
+                  <a:latin typeface="+mj-lt"/>
+                </a:rPr>
+                <a:t>Y</a:t>
+              </a:r>
+              <a:r>
+                <a:rPr kumimoji="0" lang="en-US" altLang="en-US" sz="2000" b="1" i="0" u="none" strike="noStrike" cap="none" normalizeH="0" dirty="0">
+                  <a:ln>
+                    <a:noFill/>
+                  </a:ln>
+                  <a:solidFill>
+                    <a:srgbClr val="212121"/>
+                  </a:solidFill>
+                  <a:effectLst/>
+                  <a:latin typeface="+mj-lt"/>
                 </a:rPr>
                 <a:t> </a:t>
               </a:r>
-              <a:endParaRPr kumimoji="0" lang="en-US" altLang="en-US" sz="4000" b="0" i="0" u="none" strike="noStrike" cap="none" normalizeH="0" baseline="0" dirty="0">
-                <a:ln>
-                  <a:noFill/>
-                </a:ln>
-                <a:solidFill>
-                  <a:schemeClr val="tx1"/>
-                </a:solidFill>
-                <a:effectLst/>
-                <a:latin typeface="Arial" panose="020B0604020202020204" pitchFamily="34" charset="0"/>
-              </a:endParaRPr>
+              <a:r>
+                <a:rPr kumimoji="0" lang="en-US" altLang="en-US" sz="2000" b="1" i="0" u="none" strike="noStrike" cap="none" normalizeH="0" dirty="0">
+                  <a:ln>
+                    <a:noFill/>
+                  </a:ln>
+                  <a:solidFill>
+                    <a:schemeClr val="tx1"/>
+                  </a:solidFill>
+                  <a:effectLst/>
+                  <a:latin typeface="+mj-lt"/>
+                </a:rPr>
+                <a:t>=</a:t>
+              </a:r>
+              <a:r>
+                <a:rPr kumimoji="0" lang="en-US" altLang="en-US" sz="2000" b="1" i="0" u="none" strike="noStrike" cap="none" normalizeH="0" dirty="0">
+                  <a:ln>
+                    <a:noFill/>
+                  </a:ln>
+                  <a:solidFill>
+                    <a:srgbClr val="212121"/>
+                  </a:solidFill>
+                  <a:effectLst/>
+                  <a:latin typeface="+mj-lt"/>
+                </a:rPr>
+                <a:t> 0.1</a:t>
+              </a:r>
+              <a:r>
+                <a:rPr kumimoji="0" lang="en-US" altLang="en-US" sz="2000" b="1" i="0" u="none" strike="noStrike" cap="none" normalizeH="0" dirty="0">
+                  <a:ln>
+                    <a:noFill/>
+                  </a:ln>
+                  <a:solidFill>
+                    <a:schemeClr val="tx1"/>
+                  </a:solidFill>
+                  <a:effectLst/>
+                  <a:latin typeface="+mj-lt"/>
+                </a:rPr>
+                <a:t>*X**</a:t>
+              </a:r>
+              <a:r>
+                <a:rPr kumimoji="0" lang="en-US" altLang="en-US" sz="2000" b="1" i="0" u="none" strike="noStrike" cap="none" normalizeH="0" dirty="0">
+                  <a:ln>
+                    <a:noFill/>
+                  </a:ln>
+                  <a:solidFill>
+                    <a:srgbClr val="212121"/>
+                  </a:solidFill>
+                  <a:effectLst/>
+                  <a:latin typeface="+mj-lt"/>
+                </a:rPr>
+                <a:t>2 </a:t>
+              </a:r>
+              <a:r>
+                <a:rPr kumimoji="0" lang="en-US" altLang="en-US" sz="2000" b="1" i="0" u="none" strike="noStrike" cap="none" normalizeH="0" dirty="0">
+                  <a:ln>
+                    <a:noFill/>
+                  </a:ln>
+                  <a:solidFill>
+                    <a:schemeClr val="tx1"/>
+                  </a:solidFill>
+                  <a:effectLst/>
+                  <a:latin typeface="+mj-lt"/>
+                </a:rPr>
+                <a:t>+</a:t>
+              </a:r>
+              <a:r>
+                <a:rPr kumimoji="0" lang="en-US" altLang="en-US" sz="2000" b="1" i="0" u="none" strike="noStrike" cap="none" normalizeH="0" dirty="0">
+                  <a:ln>
+                    <a:noFill/>
+                  </a:ln>
+                  <a:solidFill>
+                    <a:srgbClr val="212121"/>
+                  </a:solidFill>
+                  <a:effectLst/>
+                  <a:latin typeface="+mj-lt"/>
+                </a:rPr>
+                <a:t> </a:t>
+              </a:r>
+              <a:r>
+                <a:rPr kumimoji="0" lang="en-US" altLang="en-US" sz="2000" b="1" i="0" u="none" strike="noStrike" cap="none" normalizeH="0" dirty="0" err="1">
+                  <a:ln>
+                    <a:noFill/>
+                  </a:ln>
+                  <a:solidFill>
+                    <a:schemeClr val="tx1"/>
+                  </a:solidFill>
+                  <a:effectLst/>
+                  <a:latin typeface="+mj-lt"/>
+                </a:rPr>
+                <a:t>np.sin</a:t>
+              </a:r>
+              <a:r>
+                <a:rPr kumimoji="0" lang="en-US" altLang="en-US" sz="2000" b="1" i="0" u="none" strike="noStrike" cap="none" normalizeH="0" dirty="0">
+                  <a:ln>
+                    <a:noFill/>
+                  </a:ln>
+                  <a:solidFill>
+                    <a:srgbClr val="212121"/>
+                  </a:solidFill>
+                  <a:effectLst/>
+                  <a:latin typeface="+mj-lt"/>
+                </a:rPr>
+                <a:t>(</a:t>
+              </a:r>
+              <a:r>
+                <a:rPr kumimoji="0" lang="en-US" altLang="en-US" sz="2000" b="1" i="0" u="none" strike="noStrike" cap="none" normalizeH="0" dirty="0">
+                  <a:ln>
+                    <a:noFill/>
+                  </a:ln>
+                  <a:solidFill>
+                    <a:schemeClr val="tx1"/>
+                  </a:solidFill>
+                  <a:effectLst/>
+                  <a:latin typeface="+mj-lt"/>
+                </a:rPr>
+                <a:t>X</a:t>
+              </a:r>
+              <a:r>
+                <a:rPr kumimoji="0" lang="en-US" altLang="en-US" sz="2000" b="1" i="0" u="none" strike="noStrike" cap="none" normalizeH="0" dirty="0">
+                  <a:ln>
+                    <a:noFill/>
+                  </a:ln>
+                  <a:solidFill>
+                    <a:srgbClr val="212121"/>
+                  </a:solidFill>
+                  <a:effectLst/>
+                  <a:latin typeface="+mj-lt"/>
+                </a:rPr>
+                <a:t>) </a:t>
+              </a:r>
+              <a:r>
+                <a:rPr kumimoji="0" lang="en-US" altLang="en-US" sz="2000" b="1" i="0" u="none" strike="noStrike" cap="none" normalizeH="0" dirty="0">
+                  <a:ln>
+                    <a:noFill/>
+                  </a:ln>
+                  <a:solidFill>
+                    <a:schemeClr val="tx1"/>
+                  </a:solidFill>
+                  <a:effectLst/>
+                  <a:latin typeface="+mj-lt"/>
+                </a:rPr>
+                <a:t>+</a:t>
+              </a:r>
+              <a:r>
+                <a:rPr kumimoji="0" lang="en-US" altLang="en-US" sz="2000" b="1" i="0" u="none" strike="noStrike" cap="none" normalizeH="0" dirty="0">
+                  <a:ln>
+                    <a:noFill/>
+                  </a:ln>
+                  <a:solidFill>
+                    <a:srgbClr val="212121"/>
+                  </a:solidFill>
+                  <a:effectLst/>
+                  <a:latin typeface="+mj-lt"/>
+                </a:rPr>
+                <a:t> 0.2</a:t>
+              </a:r>
+              <a:r>
+                <a:rPr kumimoji="0" lang="en-US" altLang="en-US" sz="2000" b="1" i="0" u="none" strike="noStrike" cap="none" normalizeH="0" dirty="0">
+                  <a:ln>
+                    <a:noFill/>
+                  </a:ln>
+                  <a:solidFill>
+                    <a:schemeClr val="tx1"/>
+                  </a:solidFill>
+                  <a:effectLst/>
+                  <a:latin typeface="+mj-lt"/>
+                </a:rPr>
+                <a:t>*X</a:t>
+              </a:r>
+              <a:r>
+                <a:rPr kumimoji="0" lang="en-US" altLang="en-US" sz="2000" b="1" i="0" u="none" strike="noStrike" cap="none" normalizeH="0" dirty="0">
+                  <a:ln>
+                    <a:noFill/>
+                  </a:ln>
+                  <a:solidFill>
+                    <a:srgbClr val="212121"/>
+                  </a:solidFill>
+                  <a:effectLst/>
+                  <a:latin typeface="+mj-lt"/>
+                </a:rPr>
+                <a:t> </a:t>
+              </a:r>
+              <a:r>
+                <a:rPr kumimoji="0" lang="en-US" altLang="en-US" sz="2000" b="1" i="0" u="none" strike="noStrike" cap="none" normalizeH="0" dirty="0">
+                  <a:ln>
+                    <a:noFill/>
+                  </a:ln>
+                  <a:solidFill>
+                    <a:schemeClr val="tx1"/>
+                  </a:solidFill>
+                  <a:effectLst/>
+                  <a:latin typeface="+mj-lt"/>
+                </a:rPr>
+                <a:t>+</a:t>
+              </a:r>
+              <a:r>
+                <a:rPr kumimoji="0" lang="en-US" altLang="en-US" sz="2000" b="1" i="0" u="none" strike="noStrike" cap="none" normalizeH="0" dirty="0">
+                  <a:ln>
+                    <a:noFill/>
+                  </a:ln>
+                  <a:solidFill>
+                    <a:srgbClr val="212121"/>
+                  </a:solidFill>
+                  <a:effectLst/>
+                  <a:latin typeface="+mj-lt"/>
+                </a:rPr>
+                <a:t> 10</a:t>
+              </a:r>
+              <a:r>
+                <a:rPr kumimoji="0" lang="en-US" altLang="en-US" sz="2000" b="1" i="0" u="none" strike="noStrike" cap="none" normalizeH="0" dirty="0">
+                  <a:ln>
+                    <a:noFill/>
+                  </a:ln>
+                  <a:solidFill>
+                    <a:schemeClr val="tx1"/>
+                  </a:solidFill>
+                  <a:effectLst/>
+                  <a:latin typeface="+mj-lt"/>
+                </a:rPr>
+                <a:t> </a:t>
+              </a:r>
             </a:p>
           </p:txBody>
         </p:sp>
         <p:sp>
           <p:nvSpPr>
-            <p:cNvPr id="3" name="TextBox 2">
+            <p:cNvPr id="12" name="TextBox 11">
               <a:extLst>
                 <a:ext uri="{FF2B5EF4-FFF2-40B4-BE49-F238E27FC236}">
-                  <a16:creationId xmlns:a16="http://schemas.microsoft.com/office/drawing/2014/main" id="{0553C903-2457-C35D-5F19-E82761B0045B}"/>
+                  <a16:creationId xmlns:a16="http://schemas.microsoft.com/office/drawing/2014/main" id="{33FB85F8-45A0-B30F-17FA-8DC6A57B8C6B}"/>
                 </a:ext>
               </a:extLst>
             </p:cNvPr>
@@ -4099,8 +6448,8 @@
           </p:nvSpPr>
           <p:spPr>
             <a:xfrm>
-              <a:off x="203199" y="88066"/>
-              <a:ext cx="5968871" cy="523220"/>
+              <a:off x="4092059" y="634216"/>
+              <a:ext cx="5964430" cy="461665"/>
             </a:xfrm>
             <a:prstGeom prst="rect">
               <a:avLst/>
@@ -4114,1681 +6463,13 @@
             <a:lstStyle/>
             <a:p>
               <a:r>
-                <a:rPr lang="en-GB" sz="2800" dirty="0">
+                <a:rPr lang="en-GB" sz="2400" dirty="0">
                   <a:solidFill>
-                    <a:srgbClr val="0000FF"/>
+                    <a:srgbClr val="C00000"/>
                   </a:solidFill>
                 </a:rPr>
-                <a:t>Initial experimental measurement (x):</a:t>
+                <a:t>Theoretical model (-):</a:t>
               </a:r>
-            </a:p>
-          </p:txBody>
-        </p:sp>
-        <p:sp>
-          <p:nvSpPr>
-            <p:cNvPr id="4" name="Rectangle 6">
-              <a:extLst>
-                <a:ext uri="{FF2B5EF4-FFF2-40B4-BE49-F238E27FC236}">
-                  <a16:creationId xmlns:a16="http://schemas.microsoft.com/office/drawing/2014/main" id="{293FEE9E-67E4-4F64-CD6C-AA52FD5B65F6}"/>
-                </a:ext>
-              </a:extLst>
-            </p:cNvPr>
-            <p:cNvSpPr>
-              <a:spLocks noChangeArrowheads="1"/>
-            </p:cNvSpPr>
-            <p:nvPr/>
-          </p:nvSpPr>
-          <p:spPr bwMode="auto">
-            <a:xfrm>
-              <a:off x="4226562" y="3575101"/>
-              <a:ext cx="5451813" cy="307777"/>
-            </a:xfrm>
-            <a:prstGeom prst="rect">
-              <a:avLst/>
-            </a:prstGeom>
-            <a:solidFill>
-              <a:srgbClr val="FFFFFF"/>
-            </a:solidFill>
-            <a:ln>
-              <a:noFill/>
-            </a:ln>
-            <a:effectLst/>
-            <a:extLst>
-              <a:ext uri="{91240B29-F687-4F45-9708-019B960494DF}">
-                <a14:hiddenLine xmlns:a14="http://schemas.microsoft.com/office/drawing/2010/main" w="9525">
-                  <a:solidFill>
-                    <a:schemeClr val="tx1"/>
-                  </a:solidFill>
-                  <a:miter lim="800000"/>
-                  <a:headEnd/>
-                  <a:tailEnd/>
-                </a14:hiddenLine>
-              </a:ext>
-              <a:ext uri="{AF507438-7753-43E0-B8FC-AC1667EBCBE1}">
-                <a14:hiddenEffects xmlns:a14="http://schemas.microsoft.com/office/drawing/2010/main">
-                  <a:effectLst>
-                    <a:outerShdw dist="35921" dir="2700000" algn="ctr" rotWithShape="0">
-                      <a:schemeClr val="bg2"/>
-                    </a:outerShdw>
-                  </a:effectLst>
-                </a14:hiddenEffects>
-              </a:ext>
-            </a:extLst>
-          </p:spPr>
-          <p:txBody>
-            <a:bodyPr vert="horz" wrap="none" lIns="0" tIns="0" rIns="0" bIns="0" numCol="1" anchor="ctr" anchorCtr="0" compatLnSpc="1">
-              <a:prstTxWarp prst="textNoShape">
-                <a:avLst/>
-              </a:prstTxWarp>
-              <a:spAutoFit/>
-            </a:bodyPr>
-            <a:lstStyle/>
-            <a:p>
-              <a:pPr marL="0" marR="0" lvl="0" indent="0" algn="l" defTabSz="914400" rtl="0" eaLnBrk="0" fontAlgn="base" latinLnBrk="0" hangingPunct="0">
-                <a:lnSpc>
-                  <a:spcPct val="100000"/>
-                </a:lnSpc>
-                <a:spcBef>
-                  <a:spcPct val="0"/>
-                </a:spcBef>
-                <a:spcAft>
-                  <a:spcPct val="0"/>
-                </a:spcAft>
-                <a:buClrTx/>
-                <a:buSzTx/>
-                <a:buFontTx/>
-                <a:buNone/>
-                <a:tabLst/>
-              </a:pPr>
-              <a:r>
-                <a:rPr kumimoji="0" lang="en-US" altLang="en-US" sz="2000" b="0" i="0" u="none" strike="noStrike" cap="none" normalizeH="0" baseline="0" dirty="0">
-                  <a:ln>
-                    <a:noFill/>
-                  </a:ln>
-                  <a:solidFill>
-                    <a:srgbClr val="FF0000"/>
-                  </a:solidFill>
-                  <a:effectLst/>
-                  <a:latin typeface="Arial Unicode MS"/>
-                  <a:ea typeface="Courier New" panose="02070309020205020404" pitchFamily="49" charset="0"/>
-                </a:rPr>
-                <a:t>13.2</a:t>
-              </a:r>
-              <a:r>
-                <a:rPr kumimoji="0" lang="en-US" altLang="en-US" sz="2000" b="0" i="0" u="none" strike="noStrike" cap="none" normalizeH="0" baseline="0" dirty="0">
-                  <a:ln>
-                    <a:noFill/>
-                  </a:ln>
-                  <a:solidFill>
-                    <a:srgbClr val="000000"/>
-                  </a:solidFill>
-                  <a:effectLst/>
-                  <a:latin typeface="Arial Unicode MS"/>
-                  <a:ea typeface="Courier New" panose="02070309020205020404" pitchFamily="49" charset="0"/>
-                </a:rPr>
-                <a:t>**2 * RBF(</a:t>
-              </a:r>
-              <a:r>
-                <a:rPr kumimoji="0" lang="en-US" altLang="en-US" sz="2000" b="0" i="0" u="none" strike="noStrike" cap="none" normalizeH="0" baseline="0" dirty="0" err="1">
-                  <a:ln>
-                    <a:noFill/>
-                  </a:ln>
-                  <a:solidFill>
-                    <a:srgbClr val="000000"/>
-                  </a:solidFill>
-                  <a:effectLst/>
-                  <a:latin typeface="Arial Unicode MS"/>
-                  <a:ea typeface="Courier New" panose="02070309020205020404" pitchFamily="49" charset="0"/>
-                </a:rPr>
-                <a:t>length_scale</a:t>
-              </a:r>
-              <a:r>
-                <a:rPr kumimoji="0" lang="en-US" altLang="en-US" sz="2000" b="0" i="0" u="none" strike="noStrike" cap="none" normalizeH="0" baseline="0" dirty="0">
-                  <a:ln>
-                    <a:noFill/>
-                  </a:ln>
-                  <a:solidFill>
-                    <a:srgbClr val="000000"/>
-                  </a:solidFill>
-                  <a:effectLst/>
-                  <a:latin typeface="Arial Unicode MS"/>
-                  <a:ea typeface="Courier New" panose="02070309020205020404" pitchFamily="49" charset="0"/>
-                </a:rPr>
-                <a:t>=</a:t>
-              </a:r>
-              <a:r>
-                <a:rPr kumimoji="0" lang="en-US" altLang="en-US" sz="2000" b="0" i="0" u="none" strike="noStrike" cap="none" normalizeH="0" baseline="0" dirty="0">
-                  <a:ln>
-                    <a:noFill/>
-                  </a:ln>
-                  <a:solidFill>
-                    <a:srgbClr val="FF0000"/>
-                  </a:solidFill>
-                  <a:effectLst/>
-                  <a:latin typeface="Arial Unicode MS"/>
-                  <a:ea typeface="Courier New" panose="02070309020205020404" pitchFamily="49" charset="0"/>
-                </a:rPr>
-                <a:t>6.76</a:t>
-              </a:r>
-              <a:r>
-                <a:rPr kumimoji="0" lang="en-US" altLang="en-US" sz="2000" b="0" i="0" u="none" strike="noStrike" cap="none" normalizeH="0" baseline="0" dirty="0">
-                  <a:ln>
-                    <a:noFill/>
-                  </a:ln>
-                  <a:solidFill>
-                    <a:srgbClr val="000000"/>
-                  </a:solidFill>
-                  <a:effectLst/>
-                  <a:latin typeface="Arial Unicode MS"/>
-                  <a:ea typeface="Courier New" panose="02070309020205020404" pitchFamily="49" charset="0"/>
-                </a:rPr>
-                <a:t>) + 0.00318**2</a:t>
-              </a:r>
-              <a:r>
-                <a:rPr kumimoji="0" lang="en-US" altLang="en-US" sz="1600" b="0" i="0" u="none" strike="noStrike" cap="none" normalizeH="0" baseline="0" dirty="0">
-                  <a:ln>
-                    <a:noFill/>
-                  </a:ln>
-                  <a:solidFill>
-                    <a:schemeClr val="tx1"/>
-                  </a:solidFill>
-                  <a:effectLst/>
-                </a:rPr>
-                <a:t> </a:t>
-              </a:r>
-              <a:endParaRPr kumimoji="0" lang="en-US" altLang="en-US" sz="4400" b="0" i="0" u="none" strike="noStrike" cap="none" normalizeH="0" baseline="0" dirty="0">
-                <a:ln>
-                  <a:noFill/>
-                </a:ln>
-                <a:solidFill>
-                  <a:schemeClr val="tx1"/>
-                </a:solidFill>
-                <a:effectLst/>
-                <a:latin typeface="Arial" panose="020B0604020202020204" pitchFamily="34" charset="0"/>
-              </a:endParaRPr>
-            </a:p>
-          </p:txBody>
-        </p:sp>
-        <p:sp>
-          <p:nvSpPr>
-            <p:cNvPr id="5" name="TextBox 4">
-              <a:extLst>
-                <a:ext uri="{FF2B5EF4-FFF2-40B4-BE49-F238E27FC236}">
-                  <a16:creationId xmlns:a16="http://schemas.microsoft.com/office/drawing/2014/main" id="{3360FB2B-F81E-F609-5B1C-EB03ABF97F90}"/>
-                </a:ext>
-              </a:extLst>
-            </p:cNvPr>
-            <p:cNvSpPr txBox="1"/>
-            <p:nvPr/>
-          </p:nvSpPr>
-          <p:spPr>
-            <a:xfrm>
-              <a:off x="4155440" y="757139"/>
-              <a:ext cx="3952240" cy="523220"/>
-            </a:xfrm>
-            <a:prstGeom prst="rect">
-              <a:avLst/>
-            </a:prstGeom>
-            <a:noFill/>
-          </p:spPr>
-          <p:txBody>
-            <a:bodyPr wrap="square" rtlCol="0">
-              <a:spAutoFit/>
-            </a:bodyPr>
-            <a:lstStyle/>
-            <a:p>
-              <a:r>
-                <a:rPr lang="en-GB" sz="2800" dirty="0">
-                  <a:solidFill>
-                    <a:srgbClr val="FF0000"/>
-                  </a:solidFill>
-                </a:rPr>
-                <a:t>Initial guessed model (-):</a:t>
-              </a:r>
-            </a:p>
-          </p:txBody>
-        </p:sp>
-        <p:sp>
-          <p:nvSpPr>
-            <p:cNvPr id="6" name="TextBox 5">
-              <a:extLst>
-                <a:ext uri="{FF2B5EF4-FFF2-40B4-BE49-F238E27FC236}">
-                  <a16:creationId xmlns:a16="http://schemas.microsoft.com/office/drawing/2014/main" id="{05EB1224-B767-7BD5-31CA-C5185210D224}"/>
-                </a:ext>
-              </a:extLst>
-            </p:cNvPr>
-            <p:cNvSpPr txBox="1"/>
-            <p:nvPr/>
-          </p:nvSpPr>
-          <p:spPr>
-            <a:xfrm>
-              <a:off x="4155442" y="3112041"/>
-              <a:ext cx="4328160" cy="461665"/>
-            </a:xfrm>
-            <a:prstGeom prst="rect">
-              <a:avLst/>
-            </a:prstGeom>
-            <a:noFill/>
-          </p:spPr>
-          <p:txBody>
-            <a:bodyPr wrap="square" rtlCol="0">
-              <a:spAutoFit/>
-            </a:bodyPr>
-            <a:lstStyle/>
-            <a:p>
-              <a:r>
-                <a:rPr lang="en-GB" sz="2400" dirty="0"/>
-                <a:t>First round refined model:</a:t>
-              </a:r>
-            </a:p>
-          </p:txBody>
-        </p:sp>
-        <p:sp>
-          <p:nvSpPr>
-            <p:cNvPr id="7" name="Rectangle 7">
-              <a:extLst>
-                <a:ext uri="{FF2B5EF4-FFF2-40B4-BE49-F238E27FC236}">
-                  <a16:creationId xmlns:a16="http://schemas.microsoft.com/office/drawing/2014/main" id="{F942E4DC-33D6-1506-0D46-9FF64DC3D1DD}"/>
-                </a:ext>
-              </a:extLst>
-            </p:cNvPr>
-            <p:cNvSpPr>
-              <a:spLocks noChangeArrowheads="1"/>
-            </p:cNvSpPr>
-            <p:nvPr/>
-          </p:nvSpPr>
-          <p:spPr bwMode="auto">
-            <a:xfrm>
-              <a:off x="4232914" y="4175424"/>
-              <a:ext cx="7282811" cy="276999"/>
-            </a:xfrm>
-            <a:prstGeom prst="rect">
-              <a:avLst/>
-            </a:prstGeom>
-            <a:solidFill>
-              <a:srgbClr val="FFFFFF"/>
-            </a:solidFill>
-            <a:ln>
-              <a:noFill/>
-            </a:ln>
-            <a:effectLst/>
-            <a:extLst>
-              <a:ext uri="{91240B29-F687-4F45-9708-019B960494DF}">
-                <a14:hiddenLine xmlns:a14="http://schemas.microsoft.com/office/drawing/2010/main" w="9525">
-                  <a:solidFill>
-                    <a:schemeClr val="tx1"/>
-                  </a:solidFill>
-                  <a:miter lim="800000"/>
-                  <a:headEnd/>
-                  <a:tailEnd/>
-                </a14:hiddenLine>
-              </a:ext>
-              <a:ext uri="{AF507438-7753-43E0-B8FC-AC1667EBCBE1}">
-                <a14:hiddenEffects xmlns:a14="http://schemas.microsoft.com/office/drawing/2010/main">
-                  <a:effectLst>
-                    <a:outerShdw dist="35921" dir="2700000" algn="ctr" rotWithShape="0">
-                      <a:schemeClr val="bg2"/>
-                    </a:outerShdw>
-                  </a:effectLst>
-                </a14:hiddenEffects>
-              </a:ext>
-            </a:extLst>
-          </p:spPr>
-          <p:txBody>
-            <a:bodyPr vert="horz" wrap="square" lIns="0" tIns="0" rIns="0" bIns="0" numCol="1" anchor="ctr" anchorCtr="0" compatLnSpc="1">
-              <a:prstTxWarp prst="textNoShape">
-                <a:avLst/>
-              </a:prstTxWarp>
-              <a:spAutoFit/>
-            </a:bodyPr>
-            <a:lstStyle/>
-            <a:p>
-              <a:pPr marL="0" marR="0" lvl="0" indent="0" algn="l" defTabSz="914400" rtl="0" eaLnBrk="0" fontAlgn="base" latinLnBrk="0" hangingPunct="0">
-                <a:lnSpc>
-                  <a:spcPct val="100000"/>
-                </a:lnSpc>
-                <a:spcBef>
-                  <a:spcPct val="0"/>
-                </a:spcBef>
-                <a:spcAft>
-                  <a:spcPct val="0"/>
-                </a:spcAft>
-                <a:buClrTx/>
-                <a:buSzTx/>
-                <a:buFontTx/>
-                <a:buNone/>
-                <a:tabLst/>
-              </a:pPr>
-              <a:r>
-                <a:rPr kumimoji="0" lang="en-US" altLang="en-US" b="0" i="0" u="none" strike="noStrike" cap="none" normalizeH="0" baseline="0" dirty="0">
-                  <a:ln>
-                    <a:noFill/>
-                  </a:ln>
-                  <a:solidFill>
-                    <a:srgbClr val="000000"/>
-                  </a:solidFill>
-                  <a:effectLst/>
-                  <a:latin typeface="Arial Unicode MS"/>
-                  <a:ea typeface="Courier New" panose="02070309020205020404" pitchFamily="49" charset="0"/>
-                </a:rPr>
-                <a:t>Initial guess of x</a:t>
-              </a:r>
-              <a:r>
-                <a:rPr kumimoji="0" lang="en-US" altLang="en-US" b="0" i="0" u="none" strike="noStrike" cap="none" normalizeH="0" baseline="-25000" dirty="0">
-                  <a:ln>
-                    <a:noFill/>
-                  </a:ln>
-                  <a:solidFill>
-                    <a:srgbClr val="000000"/>
-                  </a:solidFill>
-                  <a:effectLst/>
-                  <a:latin typeface="Arial Unicode MS"/>
-                  <a:ea typeface="Courier New" panose="02070309020205020404" pitchFamily="49" charset="0"/>
-                </a:rPr>
-                <a:t>0</a:t>
-              </a:r>
-              <a:r>
-                <a:rPr kumimoji="0" lang="en-US" altLang="en-US" b="0" i="0" u="none" strike="noStrike" cap="none" normalizeH="0" baseline="0" dirty="0">
-                  <a:ln>
-                    <a:noFill/>
-                  </a:ln>
-                  <a:solidFill>
-                    <a:srgbClr val="000000"/>
-                  </a:solidFill>
-                  <a:effectLst/>
-                  <a:latin typeface="Arial Unicode MS"/>
-                  <a:ea typeface="Courier New" panose="02070309020205020404" pitchFamily="49" charset="0"/>
-                </a:rPr>
-                <a:t>: </a:t>
-              </a:r>
-              <a:r>
-                <a:rPr kumimoji="0" lang="en-US" altLang="en-US" b="0" i="0" u="none" strike="noStrike" cap="none" normalizeH="0" baseline="0" dirty="0">
-                  <a:ln>
-                    <a:noFill/>
-                  </a:ln>
-                  <a:solidFill>
-                    <a:schemeClr val="accent6">
-                      <a:lumMod val="75000"/>
-                    </a:schemeClr>
-                  </a:solidFill>
-                  <a:effectLst/>
-                  <a:latin typeface="Arial Unicode MS"/>
-                  <a:ea typeface="Courier New" panose="02070309020205020404" pitchFamily="49" charset="0"/>
-                </a:rPr>
-                <a:t>0.5</a:t>
-              </a:r>
-              <a:r>
-                <a:rPr kumimoji="0" lang="en-US" altLang="en-US" b="0" i="0" u="none" strike="noStrike" cap="none" normalizeH="0" baseline="0" dirty="0">
-                  <a:ln>
-                    <a:noFill/>
-                  </a:ln>
-                  <a:solidFill>
-                    <a:srgbClr val="000000"/>
-                  </a:solidFill>
-                  <a:effectLst/>
-                  <a:latin typeface="Arial Unicode MS"/>
-                  <a:ea typeface="Courier New" panose="02070309020205020404" pitchFamily="49" charset="0"/>
-                </a:rPr>
-                <a:t> -&gt;</a:t>
-              </a:r>
-              <a:r>
-                <a:rPr lang="en-US" altLang="en-US" dirty="0">
-                  <a:solidFill>
-                    <a:srgbClr val="000000"/>
-                  </a:solidFill>
-                  <a:latin typeface="Arial Unicode MS"/>
-                  <a:ea typeface="Courier New" panose="02070309020205020404" pitchFamily="49" charset="0"/>
-                </a:rPr>
-                <a:t> </a:t>
-              </a:r>
-              <a:r>
-                <a:rPr kumimoji="0" lang="en-US" altLang="en-US" b="0" i="0" u="none" strike="noStrike" cap="none" normalizeH="0" baseline="0" dirty="0">
-                  <a:ln>
-                    <a:noFill/>
-                  </a:ln>
-                  <a:solidFill>
-                    <a:srgbClr val="000000"/>
-                  </a:solidFill>
-                  <a:effectLst/>
-                  <a:latin typeface="Arial Unicode MS"/>
-                  <a:ea typeface="Courier New" panose="02070309020205020404" pitchFamily="49" charset="0"/>
-                </a:rPr>
-                <a:t>Recommended next x to go: [</a:t>
-              </a:r>
-              <a:r>
-                <a:rPr kumimoji="0" lang="en-US" altLang="en-US" b="0" i="0" u="none" strike="noStrike" cap="none" normalizeH="0" baseline="0" dirty="0">
-                  <a:ln>
-                    <a:noFill/>
-                  </a:ln>
-                  <a:solidFill>
-                    <a:srgbClr val="FF0000"/>
-                  </a:solidFill>
-                  <a:effectLst/>
-                  <a:latin typeface="Arial Unicode MS"/>
-                  <a:ea typeface="Courier New" panose="02070309020205020404" pitchFamily="49" charset="0"/>
-                </a:rPr>
-                <a:t>1.35567387</a:t>
-              </a:r>
-              <a:r>
-                <a:rPr kumimoji="0" lang="en-US" altLang="en-US" b="0" i="0" u="none" strike="noStrike" cap="none" normalizeH="0" baseline="0" dirty="0">
-                  <a:ln>
-                    <a:noFill/>
-                  </a:ln>
-                  <a:solidFill>
-                    <a:srgbClr val="000000"/>
-                  </a:solidFill>
-                  <a:effectLst/>
-                  <a:latin typeface="Arial Unicode MS"/>
-                  <a:ea typeface="Courier New" panose="02070309020205020404" pitchFamily="49" charset="0"/>
-                </a:rPr>
-                <a:t>]</a:t>
-              </a:r>
-              <a:r>
-                <a:rPr kumimoji="0" lang="en-US" altLang="en-US" sz="1400" b="0" i="0" u="none" strike="noStrike" cap="none" normalizeH="0" baseline="0" dirty="0">
-                  <a:ln>
-                    <a:noFill/>
-                  </a:ln>
-                  <a:solidFill>
-                    <a:schemeClr val="tx1"/>
-                  </a:solidFill>
-                  <a:effectLst/>
-                </a:rPr>
-                <a:t> </a:t>
-              </a:r>
-              <a:endParaRPr kumimoji="0" lang="en-US" altLang="en-US" sz="4000" b="0" i="0" u="none" strike="noStrike" cap="none" normalizeH="0" baseline="0" dirty="0">
-                <a:ln>
-                  <a:noFill/>
-                </a:ln>
-                <a:solidFill>
-                  <a:schemeClr val="tx1"/>
-                </a:solidFill>
-                <a:effectLst/>
-                <a:latin typeface="Arial" panose="020B0604020202020204" pitchFamily="34" charset="0"/>
-              </a:endParaRPr>
-            </a:p>
-          </p:txBody>
-        </p:sp>
-        <p:sp>
-          <p:nvSpPr>
-            <p:cNvPr id="8" name="Rectangle 7">
-              <a:extLst>
-                <a:ext uri="{FF2B5EF4-FFF2-40B4-BE49-F238E27FC236}">
-                  <a16:creationId xmlns:a16="http://schemas.microsoft.com/office/drawing/2014/main" id="{3FBA804C-A4EC-4EEE-2C9B-AF887583748C}"/>
-                </a:ext>
-              </a:extLst>
-            </p:cNvPr>
-            <p:cNvSpPr>
-              <a:spLocks noChangeArrowheads="1"/>
-            </p:cNvSpPr>
-            <p:nvPr/>
-          </p:nvSpPr>
-          <p:spPr bwMode="auto">
-            <a:xfrm>
-              <a:off x="470539" y="5572827"/>
-              <a:ext cx="9978386" cy="369332"/>
-            </a:xfrm>
-            <a:prstGeom prst="rect">
-              <a:avLst/>
-            </a:prstGeom>
-            <a:solidFill>
-              <a:srgbClr val="FFFFFF"/>
-            </a:solidFill>
-            <a:ln>
-              <a:noFill/>
-            </a:ln>
-            <a:effectLst/>
-            <a:extLst>
-              <a:ext uri="{91240B29-F687-4F45-9708-019B960494DF}">
-                <a14:hiddenLine xmlns:a14="http://schemas.microsoft.com/office/drawing/2010/main" w="9525">
-                  <a:solidFill>
-                    <a:schemeClr val="tx1"/>
-                  </a:solidFill>
-                  <a:miter lim="800000"/>
-                  <a:headEnd/>
-                  <a:tailEnd/>
-                </a14:hiddenLine>
-              </a:ext>
-              <a:ext uri="{AF507438-7753-43E0-B8FC-AC1667EBCBE1}">
-                <a14:hiddenEffects xmlns:a14="http://schemas.microsoft.com/office/drawing/2010/main">
-                  <a:effectLst>
-                    <a:outerShdw dist="35921" dir="2700000" algn="ctr" rotWithShape="0">
-                      <a:schemeClr val="bg2"/>
-                    </a:outerShdw>
-                  </a:effectLst>
-                </a14:hiddenEffects>
-              </a:ext>
-            </a:extLst>
-          </p:spPr>
-          <p:txBody>
-            <a:bodyPr vert="horz" wrap="square" lIns="0" tIns="0" rIns="0" bIns="0" numCol="1" anchor="ctr" anchorCtr="0" compatLnSpc="1">
-              <a:prstTxWarp prst="textNoShape">
-                <a:avLst/>
-              </a:prstTxWarp>
-              <a:spAutoFit/>
-            </a:bodyPr>
-            <a:lstStyle/>
-            <a:p>
-              <a:pPr marL="0" marR="0" lvl="0" indent="0" algn="l" defTabSz="914400" rtl="0" eaLnBrk="0" fontAlgn="base" latinLnBrk="0" hangingPunct="0">
-                <a:lnSpc>
-                  <a:spcPct val="100000"/>
-                </a:lnSpc>
-                <a:spcBef>
-                  <a:spcPct val="0"/>
-                </a:spcBef>
-                <a:spcAft>
-                  <a:spcPct val="0"/>
-                </a:spcAft>
-                <a:buClrTx/>
-                <a:buSzTx/>
-                <a:buFontTx/>
-                <a:buNone/>
-                <a:tabLst/>
-              </a:pPr>
-              <a:r>
-                <a:rPr kumimoji="0" lang="en-US" altLang="en-US" b="0" i="0" u="none" strike="noStrike" cap="none" normalizeH="0" baseline="0" dirty="0">
-                  <a:ln>
-                    <a:noFill/>
-                  </a:ln>
-                  <a:solidFill>
-                    <a:srgbClr val="FF0000"/>
-                  </a:solidFill>
-                  <a:effectLst/>
-                  <a:latin typeface="Arial Unicode MS"/>
-                  <a:ea typeface="Courier New" panose="02070309020205020404" pitchFamily="49" charset="0"/>
-                </a:rPr>
-                <a:t>Add new data point x = 0.004 to experimental set </a:t>
-              </a:r>
-              <a:r>
-                <a:rPr kumimoji="0" lang="en-US" altLang="en-US" b="0" i="0" u="none" strike="noStrike" cap="none" normalizeH="0" baseline="0" dirty="0">
-                  <a:ln>
-                    <a:noFill/>
-                  </a:ln>
-                  <a:solidFill>
-                    <a:srgbClr val="000000"/>
-                  </a:solidFill>
-                  <a:effectLst/>
-                  <a:latin typeface="Arial Unicode MS"/>
-                  <a:ea typeface="Courier New" panose="02070309020205020404" pitchFamily="49" charset="0"/>
-                </a:rPr>
-                <a:t>-&gt; </a:t>
-              </a:r>
-              <a:r>
-                <a:rPr kumimoji="0" lang="en-US" altLang="en-US" sz="2400" b="0" i="0" u="none" strike="noStrike" cap="none" normalizeH="0" baseline="0" dirty="0">
-                  <a:ln>
-                    <a:noFill/>
-                  </a:ln>
-                  <a:solidFill>
-                    <a:srgbClr val="000000"/>
-                  </a:solidFill>
-                  <a:effectLst/>
-                  <a:latin typeface="Arial Unicode MS"/>
-                  <a:ea typeface="Courier New" panose="02070309020205020404" pitchFamily="49" charset="0"/>
-                </a:rPr>
-                <a:t>second round refined model: </a:t>
-              </a:r>
-              <a:endParaRPr kumimoji="0" lang="en-US" altLang="en-US" sz="4000" b="0" i="0" u="none" strike="noStrike" cap="none" normalizeH="0" baseline="0" dirty="0">
-                <a:ln>
-                  <a:noFill/>
-                </a:ln>
-                <a:solidFill>
-                  <a:schemeClr val="tx1"/>
-                </a:solidFill>
-                <a:effectLst/>
-                <a:latin typeface="Arial" panose="020B0604020202020204" pitchFamily="34" charset="0"/>
-              </a:endParaRPr>
-            </a:p>
-          </p:txBody>
-        </p:sp>
-        <p:sp>
-          <p:nvSpPr>
-            <p:cNvPr id="9" name="Rectangle 8">
-              <a:extLst>
-                <a:ext uri="{FF2B5EF4-FFF2-40B4-BE49-F238E27FC236}">
-                  <a16:creationId xmlns:a16="http://schemas.microsoft.com/office/drawing/2014/main" id="{D6D2912D-4F5B-8777-0D82-EDF34E7E9642}"/>
-                </a:ext>
-              </a:extLst>
-            </p:cNvPr>
-            <p:cNvSpPr>
-              <a:spLocks noChangeArrowheads="1"/>
-            </p:cNvSpPr>
-            <p:nvPr/>
-          </p:nvSpPr>
-          <p:spPr bwMode="auto">
-            <a:xfrm>
-              <a:off x="4155440" y="6048513"/>
-              <a:ext cx="5939786" cy="307777"/>
-            </a:xfrm>
-            <a:prstGeom prst="rect">
-              <a:avLst/>
-            </a:prstGeom>
-            <a:solidFill>
-              <a:srgbClr val="FFFFFF"/>
-            </a:solidFill>
-            <a:ln>
-              <a:noFill/>
-            </a:ln>
-            <a:effectLst/>
-            <a:extLst>
-              <a:ext uri="{91240B29-F687-4F45-9708-019B960494DF}">
-                <a14:hiddenLine xmlns:a14="http://schemas.microsoft.com/office/drawing/2010/main" w="9525">
-                  <a:solidFill>
-                    <a:schemeClr val="tx1"/>
-                  </a:solidFill>
-                  <a:miter lim="800000"/>
-                  <a:headEnd/>
-                  <a:tailEnd/>
-                </a14:hiddenLine>
-              </a:ext>
-              <a:ext uri="{AF507438-7753-43E0-B8FC-AC1667EBCBE1}">
-                <a14:hiddenEffects xmlns:a14="http://schemas.microsoft.com/office/drawing/2010/main">
-                  <a:effectLst>
-                    <a:outerShdw dist="35921" dir="2700000" algn="ctr" rotWithShape="0">
-                      <a:schemeClr val="bg2"/>
-                    </a:outerShdw>
-                  </a:effectLst>
-                </a14:hiddenEffects>
-              </a:ext>
-            </a:extLst>
-          </p:spPr>
-          <p:txBody>
-            <a:bodyPr vert="horz" wrap="square" lIns="0" tIns="0" rIns="0" bIns="0" numCol="1" anchor="ctr" anchorCtr="0" compatLnSpc="1">
-              <a:prstTxWarp prst="textNoShape">
-                <a:avLst/>
-              </a:prstTxWarp>
-              <a:spAutoFit/>
-            </a:bodyPr>
-            <a:lstStyle/>
-            <a:p>
-              <a:pPr marL="0" marR="0" lvl="0" indent="0" algn="l" defTabSz="914400" rtl="0" eaLnBrk="0" fontAlgn="base" latinLnBrk="0" hangingPunct="0">
-                <a:lnSpc>
-                  <a:spcPct val="100000"/>
-                </a:lnSpc>
-                <a:spcBef>
-                  <a:spcPct val="0"/>
-                </a:spcBef>
-                <a:spcAft>
-                  <a:spcPct val="0"/>
-                </a:spcAft>
-                <a:buClrTx/>
-                <a:buSzTx/>
-                <a:buFontTx/>
-                <a:buNone/>
-                <a:tabLst/>
-              </a:pPr>
-              <a:r>
-                <a:rPr kumimoji="0" lang="en-US" altLang="en-US" sz="2000" b="0" i="0" u="none" strike="noStrike" cap="none" normalizeH="0" baseline="0" dirty="0">
-                  <a:ln>
-                    <a:noFill/>
-                  </a:ln>
-                  <a:solidFill>
-                    <a:srgbClr val="FF0000"/>
-                  </a:solidFill>
-                  <a:effectLst/>
-                  <a:latin typeface="Arial Unicode MS"/>
-                  <a:ea typeface="Courier New" panose="02070309020205020404" pitchFamily="49" charset="0"/>
-                </a:rPr>
-                <a:t>12.2</a:t>
-              </a:r>
-              <a:r>
-                <a:rPr kumimoji="0" lang="en-US" altLang="en-US" sz="2000" b="0" i="0" u="none" strike="noStrike" cap="none" normalizeH="0" baseline="0" dirty="0">
-                  <a:ln>
-                    <a:noFill/>
-                  </a:ln>
-                  <a:solidFill>
-                    <a:srgbClr val="000000"/>
-                  </a:solidFill>
-                  <a:effectLst/>
-                  <a:latin typeface="Arial Unicode MS"/>
-                  <a:ea typeface="Courier New" panose="02070309020205020404" pitchFamily="49" charset="0"/>
-                </a:rPr>
-                <a:t>**2 * RBF(</a:t>
-              </a:r>
-              <a:r>
-                <a:rPr kumimoji="0" lang="en-US" altLang="en-US" sz="2000" b="0" i="0" u="none" strike="noStrike" cap="none" normalizeH="0" baseline="0" dirty="0" err="1">
-                  <a:ln>
-                    <a:noFill/>
-                  </a:ln>
-                  <a:solidFill>
-                    <a:srgbClr val="000000"/>
-                  </a:solidFill>
-                  <a:effectLst/>
-                  <a:latin typeface="Arial Unicode MS"/>
-                  <a:ea typeface="Courier New" panose="02070309020205020404" pitchFamily="49" charset="0"/>
-                </a:rPr>
-                <a:t>length_scale</a:t>
-              </a:r>
-              <a:r>
-                <a:rPr kumimoji="0" lang="en-US" altLang="en-US" sz="2000" b="0" i="0" u="none" strike="noStrike" cap="none" normalizeH="0" baseline="0" dirty="0">
-                  <a:ln>
-                    <a:noFill/>
-                  </a:ln>
-                  <a:solidFill>
-                    <a:srgbClr val="000000"/>
-                  </a:solidFill>
-                  <a:effectLst/>
-                  <a:latin typeface="Arial Unicode MS"/>
-                  <a:ea typeface="Courier New" panose="02070309020205020404" pitchFamily="49" charset="0"/>
-                </a:rPr>
-                <a:t>=</a:t>
-              </a:r>
-              <a:r>
-                <a:rPr kumimoji="0" lang="en-US" altLang="en-US" sz="2000" b="0" i="0" u="none" strike="noStrike" cap="none" normalizeH="0" baseline="0" dirty="0">
-                  <a:ln>
-                    <a:noFill/>
-                  </a:ln>
-                  <a:solidFill>
-                    <a:srgbClr val="FF0000"/>
-                  </a:solidFill>
-                  <a:effectLst/>
-                  <a:latin typeface="Arial Unicode MS"/>
-                  <a:ea typeface="Courier New" panose="02070309020205020404" pitchFamily="49" charset="0"/>
-                </a:rPr>
-                <a:t>3.67</a:t>
-              </a:r>
-              <a:r>
-                <a:rPr kumimoji="0" lang="en-US" altLang="en-US" sz="2000" b="0" i="0" u="none" strike="noStrike" cap="none" normalizeH="0" baseline="0" dirty="0">
-                  <a:ln>
-                    <a:noFill/>
-                  </a:ln>
-                  <a:solidFill>
-                    <a:srgbClr val="000000"/>
-                  </a:solidFill>
-                  <a:effectLst/>
-                  <a:latin typeface="Arial Unicode MS"/>
-                  <a:ea typeface="Courier New" panose="02070309020205020404" pitchFamily="49" charset="0"/>
-                </a:rPr>
-                <a:t>) + 0.00318**2</a:t>
-              </a:r>
-              <a:r>
-                <a:rPr kumimoji="0" lang="en-US" altLang="en-US" sz="1600" b="0" i="0" u="none" strike="noStrike" cap="none" normalizeH="0" baseline="0" dirty="0">
-                  <a:ln>
-                    <a:noFill/>
-                  </a:ln>
-                  <a:solidFill>
-                    <a:schemeClr val="tx1"/>
-                  </a:solidFill>
-                  <a:effectLst/>
-                </a:rPr>
-                <a:t> </a:t>
-              </a:r>
-              <a:endParaRPr kumimoji="0" lang="en-US" altLang="en-US" sz="4400" b="0" i="0" u="none" strike="noStrike" cap="none" normalizeH="0" baseline="0" dirty="0">
-                <a:ln>
-                  <a:noFill/>
-                </a:ln>
-                <a:solidFill>
-                  <a:schemeClr val="tx1"/>
-                </a:solidFill>
-                <a:effectLst/>
-                <a:latin typeface="Arial" panose="020B0604020202020204" pitchFamily="34" charset="0"/>
-              </a:endParaRPr>
-            </a:p>
-          </p:txBody>
-        </p:sp>
-        <p:sp>
-          <p:nvSpPr>
-            <p:cNvPr id="10" name="Rectangle 7">
-              <a:extLst>
-                <a:ext uri="{FF2B5EF4-FFF2-40B4-BE49-F238E27FC236}">
-                  <a16:creationId xmlns:a16="http://schemas.microsoft.com/office/drawing/2014/main" id="{502D1161-ED81-E6E0-7EB6-9C0C6AE3E03F}"/>
-                </a:ext>
-              </a:extLst>
-            </p:cNvPr>
-            <p:cNvSpPr>
-              <a:spLocks noChangeArrowheads="1"/>
-            </p:cNvSpPr>
-            <p:nvPr/>
-          </p:nvSpPr>
-          <p:spPr bwMode="auto">
-            <a:xfrm>
-              <a:off x="4155440" y="6440621"/>
-              <a:ext cx="7403465" cy="276999"/>
-            </a:xfrm>
-            <a:prstGeom prst="rect">
-              <a:avLst/>
-            </a:prstGeom>
-            <a:solidFill>
-              <a:srgbClr val="FFFFFF"/>
-            </a:solidFill>
-            <a:ln>
-              <a:noFill/>
-            </a:ln>
-            <a:effectLst/>
-            <a:extLst>
-              <a:ext uri="{91240B29-F687-4F45-9708-019B960494DF}">
-                <a14:hiddenLine xmlns:a14="http://schemas.microsoft.com/office/drawing/2010/main" w="9525">
-                  <a:solidFill>
-                    <a:schemeClr val="tx1"/>
-                  </a:solidFill>
-                  <a:miter lim="800000"/>
-                  <a:headEnd/>
-                  <a:tailEnd/>
-                </a14:hiddenLine>
-              </a:ext>
-              <a:ext uri="{AF507438-7753-43E0-B8FC-AC1667EBCBE1}">
-                <a14:hiddenEffects xmlns:a14="http://schemas.microsoft.com/office/drawing/2010/main">
-                  <a:effectLst>
-                    <a:outerShdw dist="35921" dir="2700000" algn="ctr" rotWithShape="0">
-                      <a:schemeClr val="bg2"/>
-                    </a:outerShdw>
-                  </a:effectLst>
-                </a14:hiddenEffects>
-              </a:ext>
-            </a:extLst>
-          </p:spPr>
-          <p:txBody>
-            <a:bodyPr vert="horz" wrap="square" lIns="0" tIns="0" rIns="0" bIns="0" numCol="1" anchor="ctr" anchorCtr="0" compatLnSpc="1">
-              <a:prstTxWarp prst="textNoShape">
-                <a:avLst/>
-              </a:prstTxWarp>
-              <a:spAutoFit/>
-            </a:bodyPr>
-            <a:lstStyle/>
-            <a:p>
-              <a:pPr marL="0" marR="0" lvl="0" indent="0" algn="l" defTabSz="914400" rtl="0" eaLnBrk="0" fontAlgn="base" latinLnBrk="0" hangingPunct="0">
-                <a:lnSpc>
-                  <a:spcPct val="100000"/>
-                </a:lnSpc>
-                <a:spcBef>
-                  <a:spcPct val="0"/>
-                </a:spcBef>
-                <a:spcAft>
-                  <a:spcPct val="0"/>
-                </a:spcAft>
-                <a:buClrTx/>
-                <a:buSzTx/>
-                <a:buFontTx/>
-                <a:buNone/>
-                <a:tabLst/>
-              </a:pPr>
-              <a:r>
-                <a:rPr kumimoji="0" lang="en-US" altLang="en-US" b="0" i="0" u="none" strike="noStrike" cap="none" normalizeH="0" baseline="0" dirty="0">
-                  <a:ln>
-                    <a:noFill/>
-                  </a:ln>
-                  <a:solidFill>
-                    <a:srgbClr val="000000"/>
-                  </a:solidFill>
-                  <a:effectLst/>
-                  <a:latin typeface="Arial Unicode MS"/>
-                  <a:ea typeface="Courier New" panose="02070309020205020404" pitchFamily="49" charset="0"/>
-                </a:rPr>
-                <a:t>Initial guess of x</a:t>
-              </a:r>
-              <a:r>
-                <a:rPr kumimoji="0" lang="en-US" altLang="en-US" b="0" i="0" u="none" strike="noStrike" cap="none" normalizeH="0" baseline="-25000" dirty="0">
-                  <a:ln>
-                    <a:noFill/>
-                  </a:ln>
-                  <a:solidFill>
-                    <a:srgbClr val="000000"/>
-                  </a:solidFill>
-                  <a:effectLst/>
-                  <a:latin typeface="Arial Unicode MS"/>
-                  <a:ea typeface="Courier New" panose="02070309020205020404" pitchFamily="49" charset="0"/>
-                </a:rPr>
-                <a:t>0</a:t>
-              </a:r>
-              <a:r>
-                <a:rPr kumimoji="0" lang="en-US" altLang="en-US" b="0" i="0" u="none" strike="noStrike" cap="none" normalizeH="0" baseline="0" dirty="0">
-                  <a:ln>
-                    <a:noFill/>
-                  </a:ln>
-                  <a:solidFill>
-                    <a:srgbClr val="000000"/>
-                  </a:solidFill>
-                  <a:effectLst/>
-                  <a:latin typeface="Arial Unicode MS"/>
-                  <a:ea typeface="Courier New" panose="02070309020205020404" pitchFamily="49" charset="0"/>
-                </a:rPr>
-                <a:t>: </a:t>
-              </a:r>
-              <a:r>
-                <a:rPr kumimoji="0" lang="en-US" altLang="en-US" b="0" i="0" u="none" strike="noStrike" cap="none" normalizeH="0" baseline="0" dirty="0">
-                  <a:ln>
-                    <a:noFill/>
-                  </a:ln>
-                  <a:solidFill>
-                    <a:schemeClr val="accent6">
-                      <a:lumMod val="75000"/>
-                    </a:schemeClr>
-                  </a:solidFill>
-                  <a:effectLst/>
-                  <a:latin typeface="Arial Unicode MS"/>
-                  <a:ea typeface="Courier New" panose="02070309020205020404" pitchFamily="49" charset="0"/>
-                </a:rPr>
-                <a:t>0.5</a:t>
-              </a:r>
-              <a:r>
-                <a:rPr kumimoji="0" lang="en-US" altLang="en-US" b="0" i="0" u="none" strike="noStrike" cap="none" normalizeH="0" baseline="0" dirty="0">
-                  <a:ln>
-                    <a:noFill/>
-                  </a:ln>
-                  <a:solidFill>
-                    <a:srgbClr val="000000"/>
-                  </a:solidFill>
-                  <a:effectLst/>
-                  <a:latin typeface="Arial Unicode MS"/>
-                  <a:ea typeface="Courier New" panose="02070309020205020404" pitchFamily="49" charset="0"/>
-                </a:rPr>
-                <a:t> -&gt;</a:t>
-              </a:r>
-              <a:r>
-                <a:rPr lang="en-US" altLang="en-US" dirty="0">
-                  <a:solidFill>
-                    <a:srgbClr val="000000"/>
-                  </a:solidFill>
-                  <a:latin typeface="Arial Unicode MS"/>
-                  <a:ea typeface="Courier New" panose="02070309020205020404" pitchFamily="49" charset="0"/>
-                </a:rPr>
-                <a:t> </a:t>
-              </a:r>
-              <a:r>
-                <a:rPr kumimoji="0" lang="en-US" altLang="en-US" b="0" i="0" u="none" strike="noStrike" cap="none" normalizeH="0" baseline="0" dirty="0">
-                  <a:ln>
-                    <a:noFill/>
-                  </a:ln>
-                  <a:solidFill>
-                    <a:srgbClr val="000000"/>
-                  </a:solidFill>
-                  <a:effectLst/>
-                  <a:latin typeface="Arial Unicode MS"/>
-                  <a:ea typeface="Courier New" panose="02070309020205020404" pitchFamily="49" charset="0"/>
-                </a:rPr>
-                <a:t>Recommended next x to go: [</a:t>
-              </a:r>
-              <a:r>
-                <a:rPr kumimoji="0" lang="en-US" altLang="en-US" sz="1800" b="0" i="0" u="none" strike="noStrike" cap="none" normalizeH="0" baseline="0" dirty="0">
-                  <a:ln>
-                    <a:noFill/>
-                  </a:ln>
-                  <a:solidFill>
-                    <a:srgbClr val="FF0000"/>
-                  </a:solidFill>
-                  <a:effectLst/>
-                  <a:latin typeface="Arial Unicode MS"/>
-                  <a:ea typeface="Courier New" panose="02070309020205020404" pitchFamily="49" charset="0"/>
-                </a:rPr>
-                <a:t>-1.41735332</a:t>
-              </a:r>
-              <a:r>
-                <a:rPr kumimoji="0" lang="en-US" altLang="en-US" b="0" i="0" u="none" strike="noStrike" cap="none" normalizeH="0" baseline="0" dirty="0">
-                  <a:ln>
-                    <a:noFill/>
-                  </a:ln>
-                  <a:solidFill>
-                    <a:srgbClr val="000000"/>
-                  </a:solidFill>
-                  <a:effectLst/>
-                  <a:latin typeface="Arial Unicode MS"/>
-                  <a:ea typeface="Courier New" panose="02070309020205020404" pitchFamily="49" charset="0"/>
-                </a:rPr>
-                <a:t>]</a:t>
-              </a:r>
-              <a:r>
-                <a:rPr kumimoji="0" lang="en-US" altLang="en-US" sz="1400" b="0" i="0" u="none" strike="noStrike" cap="none" normalizeH="0" baseline="0" dirty="0">
-                  <a:ln>
-                    <a:noFill/>
-                  </a:ln>
-                  <a:solidFill>
-                    <a:schemeClr val="tx1"/>
-                  </a:solidFill>
-                  <a:effectLst/>
-                </a:rPr>
-                <a:t> </a:t>
-              </a:r>
-              <a:endParaRPr kumimoji="0" lang="en-US" altLang="en-US" sz="4000" b="0" i="0" u="none" strike="noStrike" cap="none" normalizeH="0" baseline="0" dirty="0">
-                <a:ln>
-                  <a:noFill/>
-                </a:ln>
-                <a:solidFill>
-                  <a:schemeClr val="tx1"/>
-                </a:solidFill>
-                <a:effectLst/>
-                <a:latin typeface="Arial" panose="020B0604020202020204" pitchFamily="34" charset="0"/>
-              </a:endParaRPr>
-            </a:p>
-          </p:txBody>
-        </p:sp>
-        <p:sp>
-          <p:nvSpPr>
-            <p:cNvPr id="14" name="Rectangle 12">
-              <a:extLst>
-                <a:ext uri="{FF2B5EF4-FFF2-40B4-BE49-F238E27FC236}">
-                  <a16:creationId xmlns:a16="http://schemas.microsoft.com/office/drawing/2014/main" id="{2A00DE30-C758-BEC7-838C-4836C6AE440B}"/>
-                </a:ext>
-              </a:extLst>
-            </p:cNvPr>
-            <p:cNvSpPr>
-              <a:spLocks noChangeArrowheads="1"/>
-            </p:cNvSpPr>
-            <p:nvPr/>
-          </p:nvSpPr>
-          <p:spPr bwMode="auto">
-            <a:xfrm>
-              <a:off x="0" y="90100"/>
-              <a:ext cx="65" cy="276999"/>
-            </a:xfrm>
-            <a:prstGeom prst="rect">
-              <a:avLst/>
-            </a:prstGeom>
-            <a:solidFill>
-              <a:srgbClr val="FFFFFF"/>
-            </a:solidFill>
-            <a:ln>
-              <a:noFill/>
-            </a:ln>
-            <a:effectLst/>
-            <a:extLst>
-              <a:ext uri="{91240B29-F687-4F45-9708-019B960494DF}">
-                <a14:hiddenLine xmlns:a14="http://schemas.microsoft.com/office/drawing/2010/main" w="9525">
-                  <a:solidFill>
-                    <a:schemeClr val="tx1"/>
-                  </a:solidFill>
-                  <a:miter lim="800000"/>
-                  <a:headEnd/>
-                  <a:tailEnd/>
-                </a14:hiddenLine>
-              </a:ext>
-              <a:ext uri="{AF507438-7753-43E0-B8FC-AC1667EBCBE1}">
-                <a14:hiddenEffects xmlns:a14="http://schemas.microsoft.com/office/drawing/2010/main">
-                  <a:effectLst>
-                    <a:outerShdw dist="35921" dir="2700000" algn="ctr" rotWithShape="0">
-                      <a:schemeClr val="bg2"/>
-                    </a:outerShdw>
-                  </a:effectLst>
-                </a14:hiddenEffects>
-              </a:ext>
-            </a:extLst>
-          </p:spPr>
-          <p:txBody>
-            <a:bodyPr vert="horz" wrap="none" lIns="0" tIns="0" rIns="0" bIns="0" numCol="1" anchor="ctr" anchorCtr="0" compatLnSpc="1">
-              <a:prstTxWarp prst="textNoShape">
-                <a:avLst/>
-              </a:prstTxWarp>
-              <a:spAutoFit/>
-            </a:bodyPr>
-            <a:lstStyle/>
-            <a:p>
-              <a:pPr marL="0" marR="0" lvl="0" indent="0" algn="l" defTabSz="914400" rtl="0" eaLnBrk="0" fontAlgn="base" latinLnBrk="0" hangingPunct="0">
-                <a:lnSpc>
-                  <a:spcPct val="100000"/>
-                </a:lnSpc>
-                <a:spcBef>
-                  <a:spcPct val="0"/>
-                </a:spcBef>
-                <a:spcAft>
-                  <a:spcPct val="0"/>
-                </a:spcAft>
-                <a:buClrTx/>
-                <a:buSzTx/>
-                <a:buFontTx/>
-                <a:buNone/>
-                <a:tabLst/>
-              </a:pPr>
-              <a:endParaRPr kumimoji="0" lang="en-US" altLang="en-US" sz="1800" b="0" i="0" u="none" strike="noStrike" cap="none" normalizeH="0" baseline="0" dirty="0">
-                <a:ln>
-                  <a:noFill/>
-                </a:ln>
-                <a:solidFill>
-                  <a:schemeClr val="tx1"/>
-                </a:solidFill>
-                <a:effectLst/>
-                <a:latin typeface="Arial" panose="020B0604020202020204" pitchFamily="34" charset="0"/>
-              </a:endParaRPr>
-            </a:p>
-          </p:txBody>
-        </p:sp>
-        <p:pic>
-          <p:nvPicPr>
-            <p:cNvPr id="1038" name="Picture 14">
-              <a:extLst>
-                <a:ext uri="{FF2B5EF4-FFF2-40B4-BE49-F238E27FC236}">
-                  <a16:creationId xmlns:a16="http://schemas.microsoft.com/office/drawing/2014/main" id="{23826D61-7A4F-1F05-C7E5-3E0262EE941C}"/>
-                </a:ext>
-              </a:extLst>
-            </p:cNvPr>
-            <p:cNvPicPr>
-              <a:picLocks noChangeAspect="1" noChangeArrowheads="1"/>
-            </p:cNvPicPr>
-            <p:nvPr/>
-          </p:nvPicPr>
-          <p:blipFill>
-            <a:blip r:embed="rId4">
-              <a:extLst>
-                <a:ext uri="{28A0092B-C50C-407E-A947-70E740481C1C}">
-                  <a14:useLocalDpi xmlns:a14="http://schemas.microsoft.com/office/drawing/2010/main" val="0"/>
-                </a:ext>
-              </a:extLst>
-            </a:blip>
-            <a:srcRect/>
-            <a:stretch>
-              <a:fillRect/>
-            </a:stretch>
-          </p:blipFill>
-          <p:spPr bwMode="auto">
-            <a:xfrm>
-              <a:off x="203200" y="5978355"/>
-              <a:ext cx="3505200" cy="2362200"/>
-            </a:xfrm>
-            <a:prstGeom prst="rect">
-              <a:avLst/>
-            </a:prstGeom>
-            <a:noFill/>
-            <a:extLst>
-              <a:ext uri="{909E8E84-426E-40DD-AFC4-6F175D3DCCD1}">
-                <a14:hiddenFill xmlns:a14="http://schemas.microsoft.com/office/drawing/2010/main">
-                  <a:solidFill>
-                    <a:srgbClr val="FFFFFF"/>
-                  </a:solidFill>
-                </a14:hiddenFill>
-              </a:ext>
-            </a:extLst>
-          </p:spPr>
-        </p:pic>
-        <p:sp>
-          <p:nvSpPr>
-            <p:cNvPr id="15" name="Rectangle 7">
-              <a:extLst>
-                <a:ext uri="{FF2B5EF4-FFF2-40B4-BE49-F238E27FC236}">
-                  <a16:creationId xmlns:a16="http://schemas.microsoft.com/office/drawing/2014/main" id="{2F3031E7-D7AB-88A4-C8DF-4D3C29D7E0CC}"/>
-                </a:ext>
-              </a:extLst>
-            </p:cNvPr>
-            <p:cNvSpPr>
-              <a:spLocks noChangeArrowheads="1"/>
-            </p:cNvSpPr>
-            <p:nvPr/>
-          </p:nvSpPr>
-          <p:spPr bwMode="auto">
-            <a:xfrm>
-              <a:off x="453707" y="8446909"/>
-              <a:ext cx="7403465" cy="553998"/>
-            </a:xfrm>
-            <a:prstGeom prst="rect">
-              <a:avLst/>
-            </a:prstGeom>
-            <a:solidFill>
-              <a:srgbClr val="FFFFFF"/>
-            </a:solidFill>
-            <a:ln>
-              <a:noFill/>
-            </a:ln>
-            <a:effectLst/>
-            <a:extLst>
-              <a:ext uri="{91240B29-F687-4F45-9708-019B960494DF}">
-                <a14:hiddenLine xmlns:a14="http://schemas.microsoft.com/office/drawing/2010/main" w="9525">
-                  <a:solidFill>
-                    <a:schemeClr val="tx1"/>
-                  </a:solidFill>
-                  <a:miter lim="800000"/>
-                  <a:headEnd/>
-                  <a:tailEnd/>
-                </a14:hiddenLine>
-              </a:ext>
-              <a:ext uri="{AF507438-7753-43E0-B8FC-AC1667EBCBE1}">
-                <a14:hiddenEffects xmlns:a14="http://schemas.microsoft.com/office/drawing/2010/main">
-                  <a:effectLst>
-                    <a:outerShdw dist="35921" dir="2700000" algn="ctr" rotWithShape="0">
-                      <a:schemeClr val="bg2"/>
-                    </a:outerShdw>
-                  </a:effectLst>
-                </a14:hiddenEffects>
-              </a:ext>
-            </a:extLst>
-          </p:spPr>
-          <p:txBody>
-            <a:bodyPr vert="horz" wrap="square" lIns="0" tIns="0" rIns="0" bIns="0" numCol="1" anchor="ctr" anchorCtr="0" compatLnSpc="1">
-              <a:prstTxWarp prst="textNoShape">
-                <a:avLst/>
-              </a:prstTxWarp>
-              <a:spAutoFit/>
-            </a:bodyPr>
-            <a:lstStyle/>
-            <a:p>
-              <a:pPr marL="0" marR="0" lvl="0" indent="0" algn="l" defTabSz="914400" rtl="0" eaLnBrk="0" fontAlgn="base" latinLnBrk="0" hangingPunct="0">
-                <a:lnSpc>
-                  <a:spcPct val="100000"/>
-                </a:lnSpc>
-                <a:spcBef>
-                  <a:spcPct val="0"/>
-                </a:spcBef>
-                <a:spcAft>
-                  <a:spcPct val="0"/>
-                </a:spcAft>
-                <a:buClrTx/>
-                <a:buSzTx/>
-                <a:buFontTx/>
-                <a:buNone/>
-                <a:tabLst/>
-              </a:pPr>
-              <a:r>
-                <a:rPr kumimoji="0" lang="en-US" altLang="en-US" b="0" i="0" u="none" strike="noStrike" cap="none" normalizeH="0" baseline="0" dirty="0">
-                  <a:ln>
-                    <a:noFill/>
-                  </a:ln>
-                  <a:solidFill>
-                    <a:srgbClr val="000000"/>
-                  </a:solidFill>
-                  <a:effectLst/>
-                  <a:latin typeface="Arial Unicode MS"/>
-                  <a:ea typeface="Courier New" panose="02070309020205020404" pitchFamily="49" charset="0"/>
-                </a:rPr>
-                <a:t>Initial guess of x</a:t>
-              </a:r>
-              <a:r>
-                <a:rPr kumimoji="0" lang="en-US" altLang="en-US" b="0" i="0" u="none" strike="noStrike" cap="none" normalizeH="0" baseline="-25000" dirty="0">
-                  <a:ln>
-                    <a:noFill/>
-                  </a:ln>
-                  <a:solidFill>
-                    <a:srgbClr val="000000"/>
-                  </a:solidFill>
-                  <a:effectLst/>
-                  <a:latin typeface="Arial Unicode MS"/>
-                  <a:ea typeface="Courier New" panose="02070309020205020404" pitchFamily="49" charset="0"/>
-                </a:rPr>
-                <a:t>0</a:t>
-              </a:r>
-              <a:r>
-                <a:rPr kumimoji="0" lang="en-US" altLang="en-US" b="0" i="0" u="none" strike="noStrike" cap="none" normalizeH="0" baseline="0" dirty="0">
-                  <a:ln>
-                    <a:noFill/>
-                  </a:ln>
-                  <a:solidFill>
-                    <a:srgbClr val="000000"/>
-                  </a:solidFill>
-                  <a:effectLst/>
-                  <a:latin typeface="Arial Unicode MS"/>
-                  <a:ea typeface="Courier New" panose="02070309020205020404" pitchFamily="49" charset="0"/>
-                </a:rPr>
-                <a:t>: </a:t>
-              </a:r>
-              <a:r>
-                <a:rPr kumimoji="0" lang="en-US" altLang="en-US" b="0" i="0" u="none" strike="noStrike" cap="none" normalizeH="0" baseline="0" dirty="0">
-                  <a:ln>
-                    <a:noFill/>
-                  </a:ln>
-                  <a:solidFill>
-                    <a:schemeClr val="accent5">
-                      <a:lumMod val="75000"/>
-                    </a:schemeClr>
-                  </a:solidFill>
-                  <a:effectLst/>
-                  <a:latin typeface="Arial Unicode MS"/>
-                  <a:ea typeface="Courier New" panose="02070309020205020404" pitchFamily="49" charset="0"/>
-                </a:rPr>
-                <a:t>-0.006 (and add results to the prior experimental set) </a:t>
-              </a:r>
-            </a:p>
-            <a:p>
-              <a:pPr marL="0" marR="0" lvl="0" indent="0" algn="l" defTabSz="914400" rtl="0" eaLnBrk="0" fontAlgn="base" latinLnBrk="0" hangingPunct="0">
-                <a:lnSpc>
-                  <a:spcPct val="100000"/>
-                </a:lnSpc>
-                <a:spcBef>
-                  <a:spcPct val="0"/>
-                </a:spcBef>
-                <a:spcAft>
-                  <a:spcPct val="0"/>
-                </a:spcAft>
-                <a:buClrTx/>
-                <a:buSzTx/>
-                <a:buFontTx/>
-                <a:buNone/>
-                <a:tabLst/>
-              </a:pPr>
-              <a:r>
-                <a:rPr kumimoji="0" lang="en-US" altLang="en-US" b="0" i="0" u="none" strike="noStrike" cap="none" normalizeH="0" baseline="0" dirty="0">
-                  <a:ln>
-                    <a:noFill/>
-                  </a:ln>
-                  <a:solidFill>
-                    <a:srgbClr val="000000"/>
-                  </a:solidFill>
-                  <a:effectLst/>
-                  <a:latin typeface="Arial Unicode MS"/>
-                  <a:ea typeface="Courier New" panose="02070309020205020404" pitchFamily="49" charset="0"/>
-                </a:rPr>
-                <a:t>-&gt;</a:t>
-              </a:r>
-              <a:r>
-                <a:rPr lang="en-US" altLang="en-US" dirty="0">
-                  <a:solidFill>
-                    <a:srgbClr val="000000"/>
-                  </a:solidFill>
-                  <a:latin typeface="Arial Unicode MS"/>
-                  <a:ea typeface="Courier New" panose="02070309020205020404" pitchFamily="49" charset="0"/>
-                </a:rPr>
-                <a:t> </a:t>
-              </a:r>
-              <a:r>
-                <a:rPr kumimoji="0" lang="en-US" altLang="en-US" b="0" i="0" u="none" strike="noStrike" cap="none" normalizeH="0" baseline="0" dirty="0">
-                  <a:ln>
-                    <a:noFill/>
-                  </a:ln>
-                  <a:solidFill>
-                    <a:srgbClr val="000000"/>
-                  </a:solidFill>
-                  <a:effectLst/>
-                  <a:latin typeface="Arial Unicode MS"/>
-                  <a:ea typeface="Courier New" panose="02070309020205020404" pitchFamily="49" charset="0"/>
-                </a:rPr>
-                <a:t>Recommended next x to go: [</a:t>
-              </a:r>
-              <a:r>
-                <a:rPr kumimoji="0" lang="en-US" altLang="en-US" sz="1800" b="0" i="0" u="none" strike="noStrike" cap="none" normalizeH="0" baseline="0" dirty="0">
-                  <a:ln>
-                    <a:noFill/>
-                  </a:ln>
-                  <a:solidFill>
-                    <a:srgbClr val="FF0000"/>
-                  </a:solidFill>
-                  <a:effectLst/>
-                  <a:latin typeface="Arial Unicode MS"/>
-                  <a:ea typeface="Courier New" panose="02070309020205020404" pitchFamily="49" charset="0"/>
-                </a:rPr>
-                <a:t>-1.45539305</a:t>
-              </a:r>
-              <a:r>
-                <a:rPr kumimoji="0" lang="en-US" altLang="en-US" b="0" i="0" u="none" strike="noStrike" cap="none" normalizeH="0" baseline="0" dirty="0">
-                  <a:ln>
-                    <a:noFill/>
-                  </a:ln>
-                  <a:solidFill>
-                    <a:srgbClr val="000000"/>
-                  </a:solidFill>
-                  <a:effectLst/>
-                  <a:latin typeface="Arial Unicode MS"/>
-                  <a:ea typeface="Courier New" panose="02070309020205020404" pitchFamily="49" charset="0"/>
-                </a:rPr>
-                <a:t>]</a:t>
-              </a:r>
-              <a:r>
-                <a:rPr kumimoji="0" lang="en-US" altLang="en-US" sz="1400" b="0" i="0" u="none" strike="noStrike" cap="none" normalizeH="0" baseline="0" dirty="0">
-                  <a:ln>
-                    <a:noFill/>
-                  </a:ln>
-                  <a:solidFill>
-                    <a:schemeClr val="tx1"/>
-                  </a:solidFill>
-                  <a:effectLst/>
-                </a:rPr>
-                <a:t> </a:t>
-              </a:r>
-              <a:endParaRPr kumimoji="0" lang="en-US" altLang="en-US" sz="4000" b="0" i="0" u="none" strike="noStrike" cap="none" normalizeH="0" baseline="0" dirty="0">
-                <a:ln>
-                  <a:noFill/>
-                </a:ln>
-                <a:solidFill>
-                  <a:schemeClr val="tx1"/>
-                </a:solidFill>
-                <a:effectLst/>
-                <a:latin typeface="Arial" panose="020B0604020202020204" pitchFamily="34" charset="0"/>
-              </a:endParaRPr>
-            </a:p>
-          </p:txBody>
-        </p:sp>
-        <p:pic>
-          <p:nvPicPr>
-            <p:cNvPr id="1040" name="Picture 16">
-              <a:extLst>
-                <a:ext uri="{FF2B5EF4-FFF2-40B4-BE49-F238E27FC236}">
-                  <a16:creationId xmlns:a16="http://schemas.microsoft.com/office/drawing/2014/main" id="{B15353C7-4921-D7C8-1203-2A6CF164DBB2}"/>
-                </a:ext>
-              </a:extLst>
-            </p:cNvPr>
-            <p:cNvPicPr>
-              <a:picLocks noChangeAspect="1" noChangeArrowheads="1"/>
-            </p:cNvPicPr>
-            <p:nvPr/>
-          </p:nvPicPr>
-          <p:blipFill>
-            <a:blip r:embed="rId5">
-              <a:extLst>
-                <a:ext uri="{28A0092B-C50C-407E-A947-70E740481C1C}">
-                  <a14:useLocalDpi xmlns:a14="http://schemas.microsoft.com/office/drawing/2010/main" val="0"/>
-                </a:ext>
-              </a:extLst>
-            </a:blip>
-            <a:srcRect/>
-            <a:stretch>
-              <a:fillRect/>
-            </a:stretch>
-          </p:blipFill>
-          <p:spPr bwMode="auto">
-            <a:xfrm>
-              <a:off x="203200" y="9053527"/>
-              <a:ext cx="3505200" cy="2362200"/>
-            </a:xfrm>
-            <a:prstGeom prst="rect">
-              <a:avLst/>
-            </a:prstGeom>
-            <a:noFill/>
-            <a:extLst>
-              <a:ext uri="{909E8E84-426E-40DD-AFC4-6F175D3DCCD1}">
-                <a14:hiddenFill xmlns:a14="http://schemas.microsoft.com/office/drawing/2010/main">
-                  <a:solidFill>
-                    <a:srgbClr val="FFFFFF"/>
-                  </a:solidFill>
-                </a14:hiddenFill>
-              </a:ext>
-            </a:extLst>
-          </p:spPr>
-        </p:pic>
-        <p:sp>
-          <p:nvSpPr>
-            <p:cNvPr id="16" name="Rectangle 17">
-              <a:extLst>
-                <a:ext uri="{FF2B5EF4-FFF2-40B4-BE49-F238E27FC236}">
-                  <a16:creationId xmlns:a16="http://schemas.microsoft.com/office/drawing/2014/main" id="{EE2DE779-9867-13ED-AFD2-A1F0EA0F649C}"/>
-                </a:ext>
-              </a:extLst>
-            </p:cNvPr>
-            <p:cNvSpPr>
-              <a:spLocks noChangeArrowheads="1"/>
-            </p:cNvSpPr>
-            <p:nvPr/>
-          </p:nvSpPr>
-          <p:spPr bwMode="auto">
-            <a:xfrm>
-              <a:off x="4194177" y="9537039"/>
-              <a:ext cx="5862312" cy="307777"/>
-            </a:xfrm>
-            <a:prstGeom prst="rect">
-              <a:avLst/>
-            </a:prstGeom>
-            <a:solidFill>
-              <a:srgbClr val="FFFFFF"/>
-            </a:solidFill>
-            <a:ln>
-              <a:noFill/>
-            </a:ln>
-            <a:effectLst/>
-            <a:extLst>
-              <a:ext uri="{91240B29-F687-4F45-9708-019B960494DF}">
-                <a14:hiddenLine xmlns:a14="http://schemas.microsoft.com/office/drawing/2010/main" w="9525">
-                  <a:solidFill>
-                    <a:schemeClr val="tx1"/>
-                  </a:solidFill>
-                  <a:miter lim="800000"/>
-                  <a:headEnd/>
-                  <a:tailEnd/>
-                </a14:hiddenLine>
-              </a:ext>
-              <a:ext uri="{AF507438-7753-43E0-B8FC-AC1667EBCBE1}">
-                <a14:hiddenEffects xmlns:a14="http://schemas.microsoft.com/office/drawing/2010/main">
-                  <a:effectLst>
-                    <a:outerShdw dist="35921" dir="2700000" algn="ctr" rotWithShape="0">
-                      <a:schemeClr val="bg2"/>
-                    </a:outerShdw>
-                  </a:effectLst>
-                </a14:hiddenEffects>
-              </a:ext>
-            </a:extLst>
-          </p:spPr>
-          <p:txBody>
-            <a:bodyPr vert="horz" wrap="square" lIns="0" tIns="0" rIns="0" bIns="0" numCol="1" anchor="ctr" anchorCtr="0" compatLnSpc="1">
-              <a:prstTxWarp prst="textNoShape">
-                <a:avLst/>
-              </a:prstTxWarp>
-              <a:spAutoFit/>
-            </a:bodyPr>
-            <a:lstStyle/>
-            <a:p>
-              <a:pPr marL="0" marR="0" lvl="0" indent="0" algn="l" defTabSz="914400" rtl="0" eaLnBrk="0" fontAlgn="base" latinLnBrk="0" hangingPunct="0">
-                <a:lnSpc>
-                  <a:spcPct val="100000"/>
-                </a:lnSpc>
-                <a:spcBef>
-                  <a:spcPct val="0"/>
-                </a:spcBef>
-                <a:spcAft>
-                  <a:spcPct val="0"/>
-                </a:spcAft>
-                <a:buClrTx/>
-                <a:buSzTx/>
-                <a:buFontTx/>
-                <a:buNone/>
-                <a:tabLst/>
-              </a:pPr>
-              <a:r>
-                <a:rPr kumimoji="0" lang="en-US" altLang="en-US" sz="2000" b="0" i="0" u="none" strike="noStrike" cap="none" normalizeH="0" baseline="0" dirty="0">
-                  <a:ln>
-                    <a:noFill/>
-                  </a:ln>
-                  <a:solidFill>
-                    <a:srgbClr val="000000"/>
-                  </a:solidFill>
-                  <a:effectLst/>
-                  <a:latin typeface="Arial Unicode MS"/>
-                  <a:ea typeface="Courier New" panose="02070309020205020404" pitchFamily="49" charset="0"/>
-                </a:rPr>
-                <a:t>12.2**2 * RBF(</a:t>
-              </a:r>
-              <a:r>
-                <a:rPr kumimoji="0" lang="en-US" altLang="en-US" sz="2000" b="0" i="0" u="none" strike="noStrike" cap="none" normalizeH="0" baseline="0" dirty="0" err="1">
-                  <a:ln>
-                    <a:noFill/>
-                  </a:ln>
-                  <a:solidFill>
-                    <a:srgbClr val="000000"/>
-                  </a:solidFill>
-                  <a:effectLst/>
-                  <a:latin typeface="Arial Unicode MS"/>
-                  <a:ea typeface="Courier New" panose="02070309020205020404" pitchFamily="49" charset="0"/>
-                </a:rPr>
-                <a:t>length_scale</a:t>
-              </a:r>
-              <a:r>
-                <a:rPr kumimoji="0" lang="en-US" altLang="en-US" sz="2000" b="0" i="0" u="none" strike="noStrike" cap="none" normalizeH="0" baseline="0" dirty="0">
-                  <a:ln>
-                    <a:noFill/>
-                  </a:ln>
-                  <a:solidFill>
-                    <a:srgbClr val="000000"/>
-                  </a:solidFill>
-                  <a:effectLst/>
-                  <a:latin typeface="Arial Unicode MS"/>
-                  <a:ea typeface="Courier New" panose="02070309020205020404" pitchFamily="49" charset="0"/>
-                </a:rPr>
-                <a:t>=</a:t>
-              </a:r>
-              <a:r>
-                <a:rPr kumimoji="0" lang="en-US" altLang="en-US" sz="2000" b="0" i="0" u="none" strike="noStrike" cap="none" normalizeH="0" baseline="0" dirty="0">
-                  <a:ln>
-                    <a:noFill/>
-                  </a:ln>
-                  <a:solidFill>
-                    <a:srgbClr val="FF0000"/>
-                  </a:solidFill>
-                  <a:effectLst/>
-                  <a:latin typeface="Arial Unicode MS"/>
-                  <a:ea typeface="Courier New" panose="02070309020205020404" pitchFamily="49" charset="0"/>
-                </a:rPr>
-                <a:t>3.63</a:t>
-              </a:r>
-              <a:r>
-                <a:rPr kumimoji="0" lang="en-US" altLang="en-US" sz="2000" b="0" i="0" u="none" strike="noStrike" cap="none" normalizeH="0" baseline="0" dirty="0">
-                  <a:ln>
-                    <a:noFill/>
-                  </a:ln>
-                  <a:solidFill>
-                    <a:srgbClr val="000000"/>
-                  </a:solidFill>
-                  <a:effectLst/>
-                  <a:latin typeface="Arial Unicode MS"/>
-                  <a:ea typeface="Courier New" panose="02070309020205020404" pitchFamily="49" charset="0"/>
-                </a:rPr>
-                <a:t>) + 0.00318**2</a:t>
-              </a:r>
-              <a:r>
-                <a:rPr kumimoji="0" lang="en-US" altLang="en-US" sz="1600" b="0" i="0" u="none" strike="noStrike" cap="none" normalizeH="0" baseline="0" dirty="0">
-                  <a:ln>
-                    <a:noFill/>
-                  </a:ln>
-                  <a:solidFill>
-                    <a:schemeClr val="tx1"/>
-                  </a:solidFill>
-                  <a:effectLst/>
-                </a:rPr>
-                <a:t> </a:t>
-              </a:r>
-              <a:endParaRPr kumimoji="0" lang="en-US" altLang="en-US" sz="4400" b="0" i="0" u="none" strike="noStrike" cap="none" normalizeH="0" baseline="0" dirty="0">
-                <a:ln>
-                  <a:noFill/>
-                </a:ln>
-                <a:solidFill>
-                  <a:schemeClr val="tx1"/>
-                </a:solidFill>
-                <a:effectLst/>
-                <a:latin typeface="Arial" panose="020B0604020202020204" pitchFamily="34" charset="0"/>
-              </a:endParaRPr>
-            </a:p>
-          </p:txBody>
-        </p:sp>
-        <p:sp>
-          <p:nvSpPr>
-            <p:cNvPr id="18" name="TextBox 17">
-              <a:extLst>
-                <a:ext uri="{FF2B5EF4-FFF2-40B4-BE49-F238E27FC236}">
-                  <a16:creationId xmlns:a16="http://schemas.microsoft.com/office/drawing/2014/main" id="{41A232C9-DBE2-7B3A-7832-EE6B52544856}"/>
-                </a:ext>
-              </a:extLst>
-            </p:cNvPr>
-            <p:cNvSpPr txBox="1"/>
-            <p:nvPr/>
-          </p:nvSpPr>
-          <p:spPr>
-            <a:xfrm>
-              <a:off x="4155439" y="9100870"/>
-              <a:ext cx="6096000" cy="461665"/>
-            </a:xfrm>
-            <a:prstGeom prst="rect">
-              <a:avLst/>
-            </a:prstGeom>
-            <a:noFill/>
-          </p:spPr>
-          <p:txBody>
-            <a:bodyPr wrap="square">
-              <a:spAutoFit/>
-            </a:bodyPr>
-            <a:lstStyle/>
-            <a:p>
-              <a:r>
-                <a:rPr kumimoji="0" lang="en-US" altLang="en-US" sz="2400" b="0" i="0" u="none" strike="noStrike" cap="none" normalizeH="0" baseline="0" dirty="0">
-                  <a:ln>
-                    <a:noFill/>
-                  </a:ln>
-                  <a:solidFill>
-                    <a:srgbClr val="000000"/>
-                  </a:solidFill>
-                  <a:effectLst/>
-                  <a:latin typeface="Arial Unicode MS"/>
-                  <a:ea typeface="Courier New" panose="02070309020205020404" pitchFamily="49" charset="0"/>
-                </a:rPr>
-                <a:t>refined model:</a:t>
-              </a:r>
-              <a:endParaRPr lang="en-GB" sz="2400" dirty="0"/>
             </a:p>
           </p:txBody>
         </p:sp>

--- a/Bayes_opt_class_figures.pptx
+++ b/Bayes_opt_class_figures.pptx
@@ -359,18 +359,18 @@
   <pc:docChgLst>
     <pc:chgData name="Xue Fang" userId="f4fd03da-ff91-4627-89d1-41988e51401f" providerId="ADAL" clId="{639CD7A3-5F3B-4B41-A2B8-6310F3B24D9F}"/>
     <pc:docChg chg="modSld">
-      <pc:chgData name="Xue Fang" userId="f4fd03da-ff91-4627-89d1-41988e51401f" providerId="ADAL" clId="{639CD7A3-5F3B-4B41-A2B8-6310F3B24D9F}" dt="2024-02-22T10:58:48.873" v="109" actId="164"/>
+      <pc:chgData name="Xue Fang" userId="f4fd03da-ff91-4627-89d1-41988e51401f" providerId="ADAL" clId="{639CD7A3-5F3B-4B41-A2B8-6310F3B24D9F}" dt="2024-02-22T11:00:20.637" v="112" actId="207"/>
       <pc:docMkLst>
         <pc:docMk/>
       </pc:docMkLst>
       <pc:sldChg chg="addSp modSp mod">
-        <pc:chgData name="Xue Fang" userId="f4fd03da-ff91-4627-89d1-41988e51401f" providerId="ADAL" clId="{639CD7A3-5F3B-4B41-A2B8-6310F3B24D9F}" dt="2024-02-22T10:58:48.873" v="109" actId="164"/>
+        <pc:chgData name="Xue Fang" userId="f4fd03da-ff91-4627-89d1-41988e51401f" providerId="ADAL" clId="{639CD7A3-5F3B-4B41-A2B8-6310F3B24D9F}" dt="2024-02-22T11:00:20.637" v="112" actId="207"/>
         <pc:sldMkLst>
           <pc:docMk/>
           <pc:sldMk cId="3844359513" sldId="257"/>
         </pc:sldMkLst>
         <pc:spChg chg="mod">
-          <ac:chgData name="Xue Fang" userId="f4fd03da-ff91-4627-89d1-41988e51401f" providerId="ADAL" clId="{639CD7A3-5F3B-4B41-A2B8-6310F3B24D9F}" dt="2024-02-22T10:57:21.797" v="17" actId="1076"/>
+          <ac:chgData name="Xue Fang" userId="f4fd03da-ff91-4627-89d1-41988e51401f" providerId="ADAL" clId="{639CD7A3-5F3B-4B41-A2B8-6310F3B24D9F}" dt="2024-02-22T11:00:20.637" v="112" actId="207"/>
           <ac:spMkLst>
             <pc:docMk/>
             <pc:sldMk cId="3844359513" sldId="257"/>
@@ -4183,7 +4183,35 @@
                     <a:latin typeface="Arial Unicode MS"/>
                     <a:ea typeface="Courier New" panose="02070309020205020404" pitchFamily="49" charset="0"/>
                   </a:rPr>
-                  <a:t>(alpha=0.1, kernel=1**2 * RBF(</a:t>
+                  <a:t>(alpha=0.1, kernel=</a:t>
+                </a:r>
+                <a:r>
+                  <a:rPr kumimoji="0" lang="en-US" altLang="en-US" b="0" i="0" u="none" strike="noStrike" cap="none" normalizeH="0" baseline="0" dirty="0">
+                    <a:ln>
+                      <a:noFill/>
+                    </a:ln>
+                    <a:solidFill>
+                      <a:srgbClr val="FF0000"/>
+                    </a:solidFill>
+                    <a:effectLst/>
+                    <a:latin typeface="Arial Unicode MS"/>
+                    <a:ea typeface="Courier New" panose="02070309020205020404" pitchFamily="49" charset="0"/>
+                  </a:rPr>
+                  <a:t>1</a:t>
+                </a:r>
+                <a:r>
+                  <a:rPr kumimoji="0" lang="en-US" altLang="en-US" b="0" i="0" u="none" strike="noStrike" cap="none" normalizeH="0" baseline="0" dirty="0">
+                    <a:ln>
+                      <a:noFill/>
+                    </a:ln>
+                    <a:solidFill>
+                      <a:srgbClr val="000000"/>
+                    </a:solidFill>
+                    <a:effectLst/>
+                    <a:latin typeface="Arial Unicode MS"/>
+                    <a:ea typeface="Courier New" panose="02070309020205020404" pitchFamily="49" charset="0"/>
+                  </a:rPr>
+                  <a:t>**2 * RBF(</a:t>
                 </a:r>
                 <a:r>
                   <a:rPr kumimoji="0" lang="en-US" altLang="en-US" b="0" i="0" u="none" strike="noStrike" cap="none" normalizeH="0" baseline="0" dirty="0" err="1">
@@ -4211,7 +4239,63 @@
                     <a:latin typeface="Arial Unicode MS"/>
                     <a:ea typeface="Courier New" panose="02070309020205020404" pitchFamily="49" charset="0"/>
                   </a:rPr>
-                  <a:t>=1) + 0**2, </a:t>
+                  <a:t>=</a:t>
+                </a:r>
+                <a:r>
+                  <a:rPr kumimoji="0" lang="en-US" altLang="en-US" b="0" i="0" u="none" strike="noStrike" cap="none" normalizeH="0" baseline="0" dirty="0">
+                    <a:ln>
+                      <a:noFill/>
+                    </a:ln>
+                    <a:solidFill>
+                      <a:srgbClr val="FF0000"/>
+                    </a:solidFill>
+                    <a:effectLst/>
+                    <a:latin typeface="Arial Unicode MS"/>
+                    <a:ea typeface="Courier New" panose="02070309020205020404" pitchFamily="49" charset="0"/>
+                  </a:rPr>
+                  <a:t>1</a:t>
+                </a:r>
+                <a:r>
+                  <a:rPr kumimoji="0" lang="en-US" altLang="en-US" b="0" i="0" u="none" strike="noStrike" cap="none" normalizeH="0" baseline="0" dirty="0">
+                    <a:ln>
+                      <a:noFill/>
+                    </a:ln>
+                    <a:solidFill>
+                      <a:srgbClr val="000000"/>
+                    </a:solidFill>
+                    <a:effectLst/>
+                    <a:latin typeface="Arial Unicode MS"/>
+                    <a:ea typeface="Courier New" panose="02070309020205020404" pitchFamily="49" charset="0"/>
+                  </a:rPr>
+                  <a:t>) + </a:t>
+                </a:r>
+                <a:r>
+                  <a:rPr kumimoji="0" lang="en-US" altLang="en-US" b="0" i="0" u="none" strike="noStrike" cap="none" normalizeH="0" baseline="0" dirty="0">
+                    <a:ln>
+                      <a:noFill/>
+                    </a:ln>
+                    <a:solidFill>
+                      <a:srgbClr val="FF0000"/>
+                    </a:solidFill>
+                    <a:effectLst/>
+                    <a:latin typeface="Arial Unicode MS"/>
+                    <a:ea typeface="Courier New" panose="02070309020205020404" pitchFamily="49" charset="0"/>
+                  </a:rPr>
+                  <a:t>0</a:t>
+                </a:r>
+                <a:r>
+                  <a:rPr kumimoji="0" lang="en-US" altLang="en-US" b="0" i="0" u="none" strike="noStrike" cap="none" normalizeH="0" baseline="0" dirty="0">
+                    <a:ln>
+                      <a:noFill/>
+                    </a:ln>
+                    <a:solidFill>
+                      <a:srgbClr val="000000"/>
+                    </a:solidFill>
+                    <a:effectLst/>
+                    <a:latin typeface="Arial Unicode MS"/>
+                    <a:ea typeface="Courier New" panose="02070309020205020404" pitchFamily="49" charset="0"/>
+                  </a:rPr>
+                  <a:t>**2, </a:t>
                 </a:r>
                 <a:r>
                   <a:rPr kumimoji="0" lang="en-US" altLang="en-US" b="0" i="0" u="none" strike="noStrike" cap="none" normalizeH="0" baseline="0" dirty="0" err="1">
